--- a/DRAM_System_Analysis/2025_06_25_Different_Bank_Sizes_Analysis.pptx
+++ b/DRAM_System_Analysis/2025_06_25_Different_Bank_Sizes_Analysis.pptx
@@ -5,41 +5,42 @@
     <p:sldMasterId id="2147483648" r:id="rId1"/>
   </p:sldMasterIdLst>
   <p:notesMasterIdLst>
-    <p:notesMasterId r:id="rId15"/>
+    <p:notesMasterId r:id="rId16"/>
   </p:notesMasterIdLst>
   <p:sldIdLst>
     <p:sldId id="256" r:id="rId2"/>
     <p:sldId id="257" r:id="rId3"/>
     <p:sldId id="282" r:id="rId4"/>
     <p:sldId id="276" r:id="rId5"/>
-    <p:sldId id="283" r:id="rId6"/>
-    <p:sldId id="284" r:id="rId7"/>
-    <p:sldId id="286" r:id="rId8"/>
-    <p:sldId id="287" r:id="rId9"/>
-    <p:sldId id="263" r:id="rId10"/>
+    <p:sldId id="291" r:id="rId6"/>
+    <p:sldId id="283" r:id="rId7"/>
+    <p:sldId id="284" r:id="rId8"/>
+    <p:sldId id="286" r:id="rId9"/>
+    <p:sldId id="287" r:id="rId10"/>
     <p:sldId id="289" r:id="rId11"/>
-    <p:sldId id="288" r:id="rId12"/>
-    <p:sldId id="290" r:id="rId13"/>
-    <p:sldId id="281" r:id="rId14"/>
+    <p:sldId id="263" r:id="rId12"/>
+    <p:sldId id="288" r:id="rId13"/>
+    <p:sldId id="290" r:id="rId14"/>
+    <p:sldId id="281" r:id="rId15"/>
   </p:sldIdLst>
   <p:sldSz cx="9144000" cy="6858000" type="screen4x3"/>
   <p:notesSz cx="6797675" cy="9926638"/>
   <p:embeddedFontLst>
     <p:embeddedFont>
       <p:font typeface="Noto Sans Symbols" panose="02020500000000000000" charset="-120"/>
-      <p:regular r:id="rId16"/>
-      <p:bold r:id="rId17"/>
+      <p:regular r:id="rId17"/>
+      <p:bold r:id="rId18"/>
     </p:embeddedFont>
     <p:embeddedFont>
       <p:font typeface="Arial Narrow" panose="020B0606020202030204" pitchFamily="34" charset="0"/>
-      <p:regular r:id="rId18"/>
-      <p:bold r:id="rId19"/>
-      <p:italic r:id="rId20"/>
-      <p:boldItalic r:id="rId21"/>
+      <p:regular r:id="rId19"/>
+      <p:bold r:id="rId20"/>
+      <p:italic r:id="rId21"/>
+      <p:boldItalic r:id="rId22"/>
     </p:embeddedFont>
     <p:embeddedFont>
       <p:font typeface="Federo" panose="02020500000000000000" charset="0"/>
-      <p:regular r:id="rId22"/>
+      <p:regular r:id="rId23"/>
     </p:embeddedFont>
   </p:embeddedFontLst>
   <p:defaultTextStyle>
@@ -287,7 +288,7 @@
       </p15:sldGuideLst>
     </p:ext>
     <p:ext uri="GoogleSlidesCustomDataVersion2">
-      <go:slidesCustomData xmlns:go="http://customooxmlschemas.google.com/" xmlns:ahyp="http://schemas.microsoft.com/office/drawing/2018/hyperlinkcolor" xmlns:p15="http://schemas.microsoft.com/office/powerpoint/2012/main" xmlns:p14="http://schemas.microsoft.com/office/powerpoint/2010/main" xmlns:com="http://schemas.openxmlformats.org/drawingml/2006/compatibility" xmlns:pvml="urn:schemas-microsoft-com:office:powerpoint" xmlns:v="urn:schemas-microsoft-com:vml" xmlns:o="urn:schemas-microsoft-com:office:office" xmlns:dgm="http://schemas.openxmlformats.org/drawingml/2006/diagram" xmlns:c="http://schemas.openxmlformats.org/drawingml/2006/chart" xmlns:mv="urn:schemas-microsoft-com:mac:vml" xmlns:mc="http://schemas.openxmlformats.org/markup-compatibility/2006" xmlns="" r:id="rId25" roundtripDataSignature="AMtx7mjhi3QZRVPu4FnDpvtl4kBE6ONlUg=="/>
+      <go:slidesCustomData xmlns="" xmlns:mc="http://schemas.openxmlformats.org/markup-compatibility/2006" xmlns:mv="urn:schemas-microsoft-com:mac:vml" xmlns:c="http://schemas.openxmlformats.org/drawingml/2006/chart" xmlns:dgm="http://schemas.openxmlformats.org/drawingml/2006/diagram" xmlns:o="urn:schemas-microsoft-com:office:office" xmlns:v="urn:schemas-microsoft-com:vml" xmlns:pvml="urn:schemas-microsoft-com:office:powerpoint" xmlns:com="http://schemas.openxmlformats.org/drawingml/2006/compatibility" xmlns:p14="http://schemas.microsoft.com/office/powerpoint/2010/main" xmlns:p15="http://schemas.microsoft.com/office/powerpoint/2012/main" xmlns:ahyp="http://schemas.microsoft.com/office/drawing/2018/hyperlinkcolor" xmlns:go="http://customooxmlschemas.google.com/" r:id="rId25" roundtripDataSignature="AMtx7mjhi3QZRVPu4FnDpvtl4kBE6ONlUg=="/>
     </p:ext>
   </p:extLst>
 </p:presentation>
@@ -1467,6 +1468,601 @@
               </a:defRPr>
             </a:pPr>
             <a:r>
+              <a:rPr lang="en-US" altLang="zh-TW" dirty="0"/>
+              <a:t>Energy per</a:t>
+            </a:r>
+            <a:r>
+              <a:rPr lang="en-US" altLang="zh-TW" baseline="0" dirty="0"/>
+              <a:t> command </a:t>
+            </a:r>
+            <a:r>
+              <a:rPr lang="en-US" altLang="zh-TW" dirty="0"/>
+              <a:t>under Different Bank Sizes</a:t>
+            </a:r>
+            <a:endParaRPr lang="zh-TW" altLang="en-US" dirty="0"/>
+          </a:p>
+        </c:rich>
+      </c:tx>
+      <c:overlay val="0"/>
+      <c:spPr>
+        <a:noFill/>
+        <a:ln>
+          <a:noFill/>
+        </a:ln>
+        <a:effectLst/>
+      </c:spPr>
+      <c:txPr>
+        <a:bodyPr rot="0" spcFirstLastPara="1" vertOverflow="ellipsis" vert="horz" wrap="square" anchor="ctr" anchorCtr="1"/>
+        <a:lstStyle/>
+        <a:p>
+          <a:pPr>
+            <a:defRPr sz="1400" b="0" i="0" u="none" strike="noStrike" kern="1200" spc="0" baseline="0">
+              <a:solidFill>
+                <a:schemeClr val="tx1">
+                  <a:lumMod val="65000"/>
+                  <a:lumOff val="35000"/>
+                </a:schemeClr>
+              </a:solidFill>
+              <a:latin typeface="+mn-lt"/>
+              <a:ea typeface="+mn-ea"/>
+              <a:cs typeface="+mn-cs"/>
+            </a:defRPr>
+          </a:pPr>
+          <a:endParaRPr lang="zh-TW"/>
+        </a:p>
+      </c:txPr>
+    </c:title>
+    <c:autoTitleDeleted val="0"/>
+    <c:plotArea>
+      <c:layout/>
+      <c:lineChart>
+        <c:grouping val="standard"/>
+        <c:varyColors val="0"/>
+        <c:ser>
+          <c:idx val="0"/>
+          <c:order val="0"/>
+          <c:tx>
+            <c:strRef>
+              <c:f>bank_size_analysis_trace_summar!$B$57</c:f>
+              <c:strCache>
+                <c:ptCount val="1"/>
+                <c:pt idx="0">
+                  <c:v>Activation</c:v>
+                </c:pt>
+              </c:strCache>
+            </c:strRef>
+          </c:tx>
+          <c:spPr>
+            <a:ln w="28575" cap="rnd">
+              <a:solidFill>
+                <a:schemeClr val="accent1"/>
+              </a:solidFill>
+              <a:round/>
+            </a:ln>
+            <a:effectLst/>
+          </c:spPr>
+          <c:marker>
+            <c:symbol val="circle"/>
+            <c:size val="5"/>
+            <c:spPr>
+              <a:solidFill>
+                <a:schemeClr val="accent1"/>
+              </a:solidFill>
+              <a:ln w="9525">
+                <a:solidFill>
+                  <a:schemeClr val="accent1"/>
+                </a:solidFill>
+              </a:ln>
+              <a:effectLst/>
+            </c:spPr>
+          </c:marker>
+          <c:cat>
+            <c:strRef>
+              <c:f>bank_size_analysis_trace_summar!$A$58:$A$61</c:f>
+              <c:strCache>
+                <c:ptCount val="4"/>
+                <c:pt idx="0">
+                  <c:v>256Mb</c:v>
+                </c:pt>
+                <c:pt idx="1">
+                  <c:v>512Mb</c:v>
+                </c:pt>
+                <c:pt idx="2">
+                  <c:v>1024Mb</c:v>
+                </c:pt>
+                <c:pt idx="3">
+                  <c:v>2048Mb</c:v>
+                </c:pt>
+              </c:strCache>
+            </c:strRef>
+          </c:cat>
+          <c:val>
+            <c:numRef>
+              <c:f>bank_size_analysis_trace_summar!$B$58:$B$61</c:f>
+              <c:numCache>
+                <c:formatCode>General</c:formatCode>
+                <c:ptCount val="4"/>
+                <c:pt idx="0">
+                  <c:v>1.4354100000000001</c:v>
+                </c:pt>
+                <c:pt idx="1">
+                  <c:v>1.4916400000000001</c:v>
+                </c:pt>
+                <c:pt idx="2">
+                  <c:v>1.4916400000000001</c:v>
+                </c:pt>
+                <c:pt idx="3">
+                  <c:v>2.3681000000000001</c:v>
+                </c:pt>
+              </c:numCache>
+            </c:numRef>
+          </c:val>
+          <c:smooth val="0"/>
+          <c:extLst>
+            <c:ext xmlns:c16="http://schemas.microsoft.com/office/drawing/2014/chart" uri="{C3380CC4-5D6E-409C-BE32-E72D297353CC}">
+              <c16:uniqueId val="{00000000-8926-4464-BEBF-078032C77D61}"/>
+            </c:ext>
+          </c:extLst>
+        </c:ser>
+        <c:ser>
+          <c:idx val="1"/>
+          <c:order val="1"/>
+          <c:tx>
+            <c:strRef>
+              <c:f>bank_size_analysis_trace_summar!$C$57</c:f>
+              <c:strCache>
+                <c:ptCount val="1"/>
+                <c:pt idx="0">
+                  <c:v>Precharge</c:v>
+                </c:pt>
+              </c:strCache>
+            </c:strRef>
+          </c:tx>
+          <c:spPr>
+            <a:ln w="28575" cap="rnd">
+              <a:solidFill>
+                <a:schemeClr val="accent2"/>
+              </a:solidFill>
+              <a:round/>
+            </a:ln>
+            <a:effectLst/>
+          </c:spPr>
+          <c:marker>
+            <c:symbol val="circle"/>
+            <c:size val="5"/>
+            <c:spPr>
+              <a:solidFill>
+                <a:schemeClr val="accent2"/>
+              </a:solidFill>
+              <a:ln w="9525">
+                <a:solidFill>
+                  <a:schemeClr val="accent2"/>
+                </a:solidFill>
+              </a:ln>
+              <a:effectLst/>
+            </c:spPr>
+          </c:marker>
+          <c:cat>
+            <c:strRef>
+              <c:f>bank_size_analysis_trace_summar!$A$58:$A$61</c:f>
+              <c:strCache>
+                <c:ptCount val="4"/>
+                <c:pt idx="0">
+                  <c:v>256Mb</c:v>
+                </c:pt>
+                <c:pt idx="1">
+                  <c:v>512Mb</c:v>
+                </c:pt>
+                <c:pt idx="2">
+                  <c:v>1024Mb</c:v>
+                </c:pt>
+                <c:pt idx="3">
+                  <c:v>2048Mb</c:v>
+                </c:pt>
+              </c:strCache>
+            </c:strRef>
+          </c:cat>
+          <c:val>
+            <c:numRef>
+              <c:f>bank_size_analysis_trace_summar!$C$58:$C$61</c:f>
+              <c:numCache>
+                <c:formatCode>General</c:formatCode>
+                <c:ptCount val="4"/>
+                <c:pt idx="0">
+                  <c:v>1.3875500000000001</c:v>
+                </c:pt>
+                <c:pt idx="1">
+                  <c:v>1.3885799999999999</c:v>
+                </c:pt>
+                <c:pt idx="2">
+                  <c:v>1.3885799999999999</c:v>
+                </c:pt>
+                <c:pt idx="3">
+                  <c:v>2.22872</c:v>
+                </c:pt>
+              </c:numCache>
+            </c:numRef>
+          </c:val>
+          <c:smooth val="0"/>
+          <c:extLst>
+            <c:ext xmlns:c16="http://schemas.microsoft.com/office/drawing/2014/chart" uri="{C3380CC4-5D6E-409C-BE32-E72D297353CC}">
+              <c16:uniqueId val="{00000001-8926-4464-BEBF-078032C77D61}"/>
+            </c:ext>
+          </c:extLst>
+        </c:ser>
+        <c:ser>
+          <c:idx val="2"/>
+          <c:order val="2"/>
+          <c:tx>
+            <c:strRef>
+              <c:f>bank_size_analysis_trace_summar!$D$57</c:f>
+              <c:strCache>
+                <c:ptCount val="1"/>
+                <c:pt idx="0">
+                  <c:v>Read/Write</c:v>
+                </c:pt>
+              </c:strCache>
+            </c:strRef>
+          </c:tx>
+          <c:spPr>
+            <a:ln w="28575" cap="rnd">
+              <a:solidFill>
+                <a:schemeClr val="accent3"/>
+              </a:solidFill>
+              <a:round/>
+            </a:ln>
+            <a:effectLst/>
+          </c:spPr>
+          <c:marker>
+            <c:symbol val="circle"/>
+            <c:size val="5"/>
+            <c:spPr>
+              <a:solidFill>
+                <a:schemeClr val="accent3"/>
+              </a:solidFill>
+              <a:ln w="9525">
+                <a:solidFill>
+                  <a:schemeClr val="accent3"/>
+                </a:solidFill>
+              </a:ln>
+              <a:effectLst/>
+            </c:spPr>
+          </c:marker>
+          <c:cat>
+            <c:strRef>
+              <c:f>bank_size_analysis_trace_summar!$A$58:$A$61</c:f>
+              <c:strCache>
+                <c:ptCount val="4"/>
+                <c:pt idx="0">
+                  <c:v>256Mb</c:v>
+                </c:pt>
+                <c:pt idx="1">
+                  <c:v>512Mb</c:v>
+                </c:pt>
+                <c:pt idx="2">
+                  <c:v>1024Mb</c:v>
+                </c:pt>
+                <c:pt idx="3">
+                  <c:v>2048Mb</c:v>
+                </c:pt>
+              </c:strCache>
+            </c:strRef>
+          </c:cat>
+          <c:val>
+            <c:numRef>
+              <c:f>bank_size_analysis_trace_summar!$D$58:$D$61</c:f>
+              <c:numCache>
+                <c:formatCode>General</c:formatCode>
+                <c:ptCount val="4"/>
+                <c:pt idx="0">
+                  <c:v>2.44726</c:v>
+                </c:pt>
+                <c:pt idx="1">
+                  <c:v>2.6425299999999998</c:v>
+                </c:pt>
+                <c:pt idx="2">
+                  <c:v>3.7755899999999998</c:v>
+                </c:pt>
+                <c:pt idx="3">
+                  <c:v>6.0885899999999999</c:v>
+                </c:pt>
+              </c:numCache>
+            </c:numRef>
+          </c:val>
+          <c:smooth val="0"/>
+          <c:extLst>
+            <c:ext xmlns:c16="http://schemas.microsoft.com/office/drawing/2014/chart" uri="{C3380CC4-5D6E-409C-BE32-E72D297353CC}">
+              <c16:uniqueId val="{00000002-8926-4464-BEBF-078032C77D61}"/>
+            </c:ext>
+          </c:extLst>
+        </c:ser>
+        <c:dLbls>
+          <c:showLegendKey val="0"/>
+          <c:showVal val="0"/>
+          <c:showCatName val="0"/>
+          <c:showSerName val="0"/>
+          <c:showPercent val="0"/>
+          <c:showBubbleSize val="0"/>
+        </c:dLbls>
+        <c:marker val="1"/>
+        <c:smooth val="0"/>
+        <c:axId val="41530207"/>
+        <c:axId val="41458207"/>
+      </c:lineChart>
+      <c:catAx>
+        <c:axId val="41530207"/>
+        <c:scaling>
+          <c:orientation val="minMax"/>
+        </c:scaling>
+        <c:delete val="0"/>
+        <c:axPos val="b"/>
+        <c:numFmt formatCode="General" sourceLinked="1"/>
+        <c:majorTickMark val="none"/>
+        <c:minorTickMark val="none"/>
+        <c:tickLblPos val="nextTo"/>
+        <c:spPr>
+          <a:noFill/>
+          <a:ln w="9525" cap="flat" cmpd="sng" algn="ctr">
+            <a:solidFill>
+              <a:schemeClr val="tx1">
+                <a:lumMod val="15000"/>
+                <a:lumOff val="85000"/>
+              </a:schemeClr>
+            </a:solidFill>
+            <a:round/>
+          </a:ln>
+          <a:effectLst/>
+        </c:spPr>
+        <c:txPr>
+          <a:bodyPr rot="-60000000" spcFirstLastPara="1" vertOverflow="ellipsis" vert="horz" wrap="square" anchor="ctr" anchorCtr="1"/>
+          <a:lstStyle/>
+          <a:p>
+            <a:pPr>
+              <a:defRPr sz="900" b="0" i="0" u="none" strike="noStrike" kern="1200" baseline="0">
+                <a:solidFill>
+                  <a:schemeClr val="tx1">
+                    <a:lumMod val="65000"/>
+                    <a:lumOff val="35000"/>
+                  </a:schemeClr>
+                </a:solidFill>
+                <a:latin typeface="+mn-lt"/>
+                <a:ea typeface="+mn-ea"/>
+                <a:cs typeface="+mn-cs"/>
+              </a:defRPr>
+            </a:pPr>
+            <a:endParaRPr lang="zh-TW"/>
+          </a:p>
+        </c:txPr>
+        <c:crossAx val="41458207"/>
+        <c:crosses val="autoZero"/>
+        <c:auto val="1"/>
+        <c:lblAlgn val="ctr"/>
+        <c:lblOffset val="100"/>
+        <c:noMultiLvlLbl val="0"/>
+      </c:catAx>
+      <c:valAx>
+        <c:axId val="41458207"/>
+        <c:scaling>
+          <c:orientation val="minMax"/>
+        </c:scaling>
+        <c:delete val="0"/>
+        <c:axPos val="l"/>
+        <c:majorGridlines>
+          <c:spPr>
+            <a:ln w="9525" cap="flat" cmpd="sng" algn="ctr">
+              <a:solidFill>
+                <a:schemeClr val="tx1">
+                  <a:lumMod val="15000"/>
+                  <a:lumOff val="85000"/>
+                </a:schemeClr>
+              </a:solidFill>
+              <a:round/>
+            </a:ln>
+            <a:effectLst/>
+          </c:spPr>
+        </c:majorGridlines>
+        <c:title>
+          <c:tx>
+            <c:rich>
+              <a:bodyPr rot="-5400000" spcFirstLastPara="1" vertOverflow="ellipsis" vert="horz" wrap="square" anchor="ctr" anchorCtr="1"/>
+              <a:lstStyle/>
+              <a:p>
+                <a:pPr>
+                  <a:defRPr sz="1000" b="0" i="0" u="none" strike="noStrike" kern="1200" baseline="0">
+                    <a:solidFill>
+                      <a:schemeClr val="tx1">
+                        <a:lumMod val="65000"/>
+                        <a:lumOff val="35000"/>
+                      </a:schemeClr>
+                    </a:solidFill>
+                    <a:latin typeface="+mn-lt"/>
+                    <a:ea typeface="+mn-ea"/>
+                    <a:cs typeface="+mn-cs"/>
+                  </a:defRPr>
+                </a:pPr>
+                <a:r>
+                  <a:rPr lang="en-US" altLang="zh-TW"/>
+                  <a:t>Energy/cmd</a:t>
+                </a:r>
+                <a:r>
+                  <a:rPr lang="en-US" altLang="zh-TW" baseline="0"/>
+                  <a:t> (nJ)</a:t>
+                </a:r>
+                <a:endParaRPr lang="zh-TW" altLang="en-US"/>
+              </a:p>
+            </c:rich>
+          </c:tx>
+          <c:overlay val="0"/>
+          <c:spPr>
+            <a:noFill/>
+            <a:ln>
+              <a:noFill/>
+            </a:ln>
+            <a:effectLst/>
+          </c:spPr>
+          <c:txPr>
+            <a:bodyPr rot="-5400000" spcFirstLastPara="1" vertOverflow="ellipsis" vert="horz" wrap="square" anchor="ctr" anchorCtr="1"/>
+            <a:lstStyle/>
+            <a:p>
+              <a:pPr>
+                <a:defRPr sz="1000" b="0" i="0" u="none" strike="noStrike" kern="1200" baseline="0">
+                  <a:solidFill>
+                    <a:schemeClr val="tx1">
+                      <a:lumMod val="65000"/>
+                      <a:lumOff val="35000"/>
+                    </a:schemeClr>
+                  </a:solidFill>
+                  <a:latin typeface="+mn-lt"/>
+                  <a:ea typeface="+mn-ea"/>
+                  <a:cs typeface="+mn-cs"/>
+                </a:defRPr>
+              </a:pPr>
+              <a:endParaRPr lang="zh-TW"/>
+            </a:p>
+          </c:txPr>
+        </c:title>
+        <c:numFmt formatCode="General" sourceLinked="1"/>
+        <c:majorTickMark val="none"/>
+        <c:minorTickMark val="none"/>
+        <c:tickLblPos val="nextTo"/>
+        <c:spPr>
+          <a:noFill/>
+          <a:ln>
+            <a:noFill/>
+          </a:ln>
+          <a:effectLst/>
+        </c:spPr>
+        <c:txPr>
+          <a:bodyPr rot="-60000000" spcFirstLastPara="1" vertOverflow="ellipsis" vert="horz" wrap="square" anchor="ctr" anchorCtr="1"/>
+          <a:lstStyle/>
+          <a:p>
+            <a:pPr>
+              <a:defRPr sz="900" b="0" i="0" u="none" strike="noStrike" kern="1200" baseline="0">
+                <a:solidFill>
+                  <a:schemeClr val="tx1">
+                    <a:lumMod val="65000"/>
+                    <a:lumOff val="35000"/>
+                  </a:schemeClr>
+                </a:solidFill>
+                <a:latin typeface="+mn-lt"/>
+                <a:ea typeface="+mn-ea"/>
+                <a:cs typeface="+mn-cs"/>
+              </a:defRPr>
+            </a:pPr>
+            <a:endParaRPr lang="zh-TW"/>
+          </a:p>
+        </c:txPr>
+        <c:crossAx val="41530207"/>
+        <c:crosses val="autoZero"/>
+        <c:crossBetween val="between"/>
+      </c:valAx>
+      <c:spPr>
+        <a:noFill/>
+        <a:ln>
+          <a:noFill/>
+        </a:ln>
+        <a:effectLst/>
+      </c:spPr>
+    </c:plotArea>
+    <c:legend>
+      <c:legendPos val="b"/>
+      <c:overlay val="0"/>
+      <c:spPr>
+        <a:noFill/>
+        <a:ln>
+          <a:noFill/>
+        </a:ln>
+        <a:effectLst/>
+      </c:spPr>
+      <c:txPr>
+        <a:bodyPr rot="0" spcFirstLastPara="1" vertOverflow="ellipsis" vert="horz" wrap="square" anchor="ctr" anchorCtr="1"/>
+        <a:lstStyle/>
+        <a:p>
+          <a:pPr>
+            <a:defRPr sz="900" b="0" i="0" u="none" strike="noStrike" kern="1200" baseline="0">
+              <a:solidFill>
+                <a:schemeClr val="tx1">
+                  <a:lumMod val="65000"/>
+                  <a:lumOff val="35000"/>
+                </a:schemeClr>
+              </a:solidFill>
+              <a:latin typeface="+mn-lt"/>
+              <a:ea typeface="+mn-ea"/>
+              <a:cs typeface="+mn-cs"/>
+            </a:defRPr>
+          </a:pPr>
+          <a:endParaRPr lang="zh-TW"/>
+        </a:p>
+      </c:txPr>
+    </c:legend>
+    <c:plotVisOnly val="1"/>
+    <c:dispBlanksAs val="gap"/>
+    <c:extLst>
+      <c:ext xmlns:c16r3="http://schemas.microsoft.com/office/drawing/2017/03/chart" uri="{56B9EC1D-385E-4148-901F-78D8002777C0}">
+        <c16r3:dataDisplayOptions16>
+          <c16r3:dispNaAsBlank val="1"/>
+        </c16r3:dataDisplayOptions16>
+      </c:ext>
+    </c:extLst>
+    <c:showDLblsOverMax val="0"/>
+  </c:chart>
+  <c:spPr>
+    <a:noFill/>
+    <a:ln>
+      <a:noFill/>
+    </a:ln>
+    <a:effectLst/>
+  </c:spPr>
+  <c:txPr>
+    <a:bodyPr/>
+    <a:lstStyle/>
+    <a:p>
+      <a:pPr>
+        <a:defRPr/>
+      </a:pPr>
+      <a:endParaRPr lang="zh-TW"/>
+    </a:p>
+  </c:txPr>
+  <c:externalData r:id="rId3">
+    <c:autoUpdate val="0"/>
+  </c:externalData>
+</c:chartSpace>
+</file>
+
+<file path=ppt/charts/chart4.xml><?xml version="1.0" encoding="utf-8"?>
+<c:chartSpace xmlns:c="http://schemas.openxmlformats.org/drawingml/2006/chart" xmlns:a="http://schemas.openxmlformats.org/drawingml/2006/main" xmlns:r="http://schemas.openxmlformats.org/officeDocument/2006/relationships" xmlns:c16r2="http://schemas.microsoft.com/office/drawing/2015/06/chart">
+  <c:date1904 val="0"/>
+  <c:lang val="zh-TW"/>
+  <c:roundedCorners val="0"/>
+  <mc:AlternateContent xmlns:mc="http://schemas.openxmlformats.org/markup-compatibility/2006">
+    <mc:Choice xmlns:c14="http://schemas.microsoft.com/office/drawing/2007/8/2/chart" Requires="c14">
+      <c14:style val="102"/>
+    </mc:Choice>
+    <mc:Fallback>
+      <c:style val="2"/>
+    </mc:Fallback>
+  </mc:AlternateContent>
+  <c:chart>
+    <c:title>
+      <c:tx>
+        <c:rich>
+          <a:bodyPr rot="0" spcFirstLastPara="1" vertOverflow="ellipsis" vert="horz" wrap="square" anchor="ctr" anchorCtr="1"/>
+          <a:lstStyle/>
+          <a:p>
+            <a:pPr>
+              <a:defRPr sz="1400" b="0" i="0" u="none" strike="noStrike" kern="1200" spc="0" baseline="0">
+                <a:solidFill>
+                  <a:schemeClr val="tx1">
+                    <a:lumMod val="65000"/>
+                    <a:lumOff val="35000"/>
+                  </a:schemeClr>
+                </a:solidFill>
+                <a:latin typeface="+mn-lt"/>
+                <a:ea typeface="+mn-ea"/>
+                <a:cs typeface="+mn-cs"/>
+              </a:defRPr>
+            </a:pPr>
+            <a:r>
               <a:rPr lang="en-US" altLang="zh-TW"/>
               <a:t>Auto Refresh Counts with Different DRAM</a:t>
             </a:r>
@@ -2168,7 +2764,7 @@
 </c:chartSpace>
 </file>
 
-<file path=ppt/charts/chart4.xml><?xml version="1.0" encoding="utf-8"?>
+<file path=ppt/charts/chart5.xml><?xml version="1.0" encoding="utf-8"?>
 <c:chartSpace xmlns:c="http://schemas.openxmlformats.org/drawingml/2006/chart" xmlns:a="http://schemas.openxmlformats.org/drawingml/2006/main" xmlns:r="http://schemas.openxmlformats.org/officeDocument/2006/relationships" xmlns:c16r2="http://schemas.microsoft.com/office/drawing/2015/06/chart">
   <c:date1904 val="0"/>
   <c:lang val="zh-TW"/>
@@ -2942,7 +3538,7 @@
 </c:chartSpace>
 </file>
 
-<file path=ppt/charts/chart5.xml><?xml version="1.0" encoding="utf-8"?>
+<file path=ppt/charts/chart6.xml><?xml version="1.0" encoding="utf-8"?>
 <c:chartSpace xmlns:c="http://schemas.openxmlformats.org/drawingml/2006/chart" xmlns:a="http://schemas.openxmlformats.org/drawingml/2006/main" xmlns:r="http://schemas.openxmlformats.org/officeDocument/2006/relationships" xmlns:c16r2="http://schemas.microsoft.com/office/drawing/2015/06/chart">
   <c:date1904 val="0"/>
   <c:lang val="zh-TW"/>
@@ -4120,7 +4716,7 @@
 </c:chartSpace>
 </file>
 
-<file path=ppt/charts/chart6.xml><?xml version="1.0" encoding="utf-8"?>
+<file path=ppt/charts/chart7.xml><?xml version="1.0" encoding="utf-8"?>
 <c:chartSpace xmlns:c="http://schemas.openxmlformats.org/drawingml/2006/chart" xmlns:a="http://schemas.openxmlformats.org/drawingml/2006/main" xmlns:r="http://schemas.openxmlformats.org/officeDocument/2006/relationships" xmlns:c16r2="http://schemas.microsoft.com/office/drawing/2015/06/chart">
   <c:date1904 val="0"/>
   <c:lang val="zh-TW"/>
@@ -4155,11 +4751,7 @@
             </a:pPr>
             <a:r>
               <a:rPr lang="en-US" altLang="zh-TW"/>
-              <a:t>Energy Consumption Under Different</a:t>
-            </a:r>
-            <a:r>
-              <a:rPr lang="en-US" altLang="zh-TW" baseline="0"/>
-              <a:t> Bank Sizes</a:t>
+              <a:t>Energy Consumption Under different Bank Sizes </a:t>
             </a:r>
             <a:endParaRPr lang="zh-TW" altLang="en-US"/>
           </a:p>
@@ -4206,7 +4798,7 @@
           <c:order val="0"/>
           <c:tx>
             <c:strRef>
-              <c:f>bank_analysis_trace_summary!$H$20</c:f>
+              <c:f>bank_size_analysis_trace_summar!$A$27</c:f>
               <c:strCache>
                 <c:ptCount val="1"/>
                 <c:pt idx="0">
@@ -4226,7 +4818,7 @@
           </c:spPr>
           <c:invertIfNegative val="0"/>
           <c:dLbls>
-            <c:numFmt formatCode="#,##0.00_);[Red]\(#,##0.00\)" sourceLinked="0"/>
+            <c:numFmt formatCode="#,##0.0_);[Red]\(#,##0.0\)" sourceLinked="0"/>
             <c:spPr>
               <a:noFill/>
               <a:ln>
@@ -4284,32 +4876,21 @@
               </c:ext>
             </c:extLst>
           </c:dLbls>
-          <c:cat>
-            <c:strRef>
-              <c:f>bank_analysis_trace_summary!$I$19</c:f>
-              <c:strCache>
-                <c:ptCount val="1"/>
-                <c:pt idx="0">
-                  <c:v>Energy Consumption</c:v>
-                </c:pt>
-              </c:strCache>
-            </c:strRef>
-          </c:cat>
           <c:val>
             <c:numRef>
-              <c:f>bank_analysis_trace_summary!$I$20</c:f>
+              <c:f>bank_size_analysis_trace_summar!$C$27</c:f>
               <c:numCache>
                 <c:formatCode>General</c:formatCode>
                 <c:ptCount val="1"/>
                 <c:pt idx="0">
-                  <c:v>1243.9520660220799</c:v>
+                  <c:v>575.12107089174992</c:v>
                 </c:pt>
               </c:numCache>
             </c:numRef>
           </c:val>
           <c:extLst>
             <c:ext xmlns:c16="http://schemas.microsoft.com/office/drawing/2014/chart" uri="{C3380CC4-5D6E-409C-BE32-E72D297353CC}">
-              <c16:uniqueId val="{00000000-E015-4920-92C4-0A8B0ED91E2E}"/>
+              <c16:uniqueId val="{00000000-18B4-44C8-9474-571DBAB412E8}"/>
             </c:ext>
           </c:extLst>
         </c:ser>
@@ -4318,11 +4899,11 @@
           <c:order val="1"/>
           <c:tx>
             <c:strRef>
-              <c:f>bank_analysis_trace_summary!$H$21</c:f>
+              <c:f>bank_size_analysis_trace_summar!$A$28</c:f>
               <c:strCache>
                 <c:ptCount val="1"/>
                 <c:pt idx="0">
-                  <c:v>256Mb WUPR </c:v>
+                  <c:v>256Mb WUPR</c:v>
                 </c:pt>
               </c:strCache>
             </c:strRef>
@@ -4338,7 +4919,7 @@
           </c:spPr>
           <c:invertIfNegative val="0"/>
           <c:dLbls>
-            <c:numFmt formatCode="#,##0.00_);[Red]\(#,##0.00\)" sourceLinked="0"/>
+            <c:numFmt formatCode="#,##0.0_);[Red]\(#,##0.0\)" sourceLinked="0"/>
             <c:spPr>
               <a:noFill/>
               <a:ln>
@@ -4396,32 +4977,21 @@
               </c:ext>
             </c:extLst>
           </c:dLbls>
-          <c:cat>
-            <c:strRef>
-              <c:f>bank_analysis_trace_summary!$I$19</c:f>
-              <c:strCache>
-                <c:ptCount val="1"/>
-                <c:pt idx="0">
-                  <c:v>Energy Consumption</c:v>
-                </c:pt>
-              </c:strCache>
-            </c:strRef>
-          </c:cat>
           <c:val>
             <c:numRef>
-              <c:f>bank_analysis_trace_summary!$I$21</c:f>
+              <c:f>bank_size_analysis_trace_summar!$C$28</c:f>
               <c:numCache>
                 <c:formatCode>General</c:formatCode>
                 <c:ptCount val="1"/>
                 <c:pt idx="0">
-                  <c:v>1239.9966971250601</c:v>
+                  <c:v>571.17504201689007</c:v>
                 </c:pt>
               </c:numCache>
             </c:numRef>
           </c:val>
           <c:extLst>
             <c:ext xmlns:c16="http://schemas.microsoft.com/office/drawing/2014/chart" uri="{C3380CC4-5D6E-409C-BE32-E72D297353CC}">
-              <c16:uniqueId val="{00000001-E015-4920-92C4-0A8B0ED91E2E}"/>
+              <c16:uniqueId val="{00000001-18B4-44C8-9474-571DBAB412E8}"/>
             </c:ext>
           </c:extLst>
         </c:ser>
@@ -4430,7 +5000,7 @@
           <c:order val="2"/>
           <c:tx>
             <c:strRef>
-              <c:f>bank_analysis_trace_summary!$H$22</c:f>
+              <c:f>bank_size_analysis_trace_summar!$A$29</c:f>
               <c:strCache>
                 <c:ptCount val="1"/>
                 <c:pt idx="0">
@@ -4450,7 +5020,7 @@
           </c:spPr>
           <c:invertIfNegative val="0"/>
           <c:dLbls>
-            <c:numFmt formatCode="#,##0.00_);[Red]\(#,##0.00\)" sourceLinked="0"/>
+            <c:numFmt formatCode="#,##0.0_);[Red]\(#,##0.0\)" sourceLinked="0"/>
             <c:spPr>
               <a:noFill/>
               <a:ln>
@@ -4508,32 +5078,21 @@
               </c:ext>
             </c:extLst>
           </c:dLbls>
-          <c:cat>
-            <c:strRef>
-              <c:f>bank_analysis_trace_summary!$I$19</c:f>
-              <c:strCache>
-                <c:ptCount val="1"/>
-                <c:pt idx="0">
-                  <c:v>Energy Consumption</c:v>
-                </c:pt>
-              </c:strCache>
-            </c:strRef>
-          </c:cat>
           <c:val>
             <c:numRef>
-              <c:f>bank_analysis_trace_summary!$I$22</c:f>
+              <c:f>bank_size_analysis_trace_summar!$C$29</c:f>
               <c:numCache>
                 <c:formatCode>General</c:formatCode>
                 <c:ptCount val="1"/>
                 <c:pt idx="0">
-                  <c:v>1245.7382515345801</c:v>
+                  <c:v>615.47872199999995</c:v>
                 </c:pt>
               </c:numCache>
             </c:numRef>
           </c:val>
           <c:extLst>
             <c:ext xmlns:c16="http://schemas.microsoft.com/office/drawing/2014/chart" uri="{C3380CC4-5D6E-409C-BE32-E72D297353CC}">
-              <c16:uniqueId val="{00000002-E015-4920-92C4-0A8B0ED91E2E}"/>
+              <c16:uniqueId val="{00000002-18B4-44C8-9474-571DBAB412E8}"/>
             </c:ext>
           </c:extLst>
         </c:ser>
@@ -4542,11 +5101,11 @@
           <c:order val="3"/>
           <c:tx>
             <c:strRef>
-              <c:f>bank_analysis_trace_summary!$H$23</c:f>
+              <c:f>bank_size_analysis_trace_summar!$A$30</c:f>
               <c:strCache>
                 <c:ptCount val="1"/>
                 <c:pt idx="0">
-                  <c:v>512Mb WUPR </c:v>
+                  <c:v>512Mb WUPR</c:v>
                 </c:pt>
               </c:strCache>
             </c:strRef>
@@ -4562,7 +5121,7 @@
           </c:spPr>
           <c:invertIfNegative val="0"/>
           <c:dLbls>
-            <c:numFmt formatCode="#,##0.00_);[Red]\(#,##0.00\)" sourceLinked="0"/>
+            <c:numFmt formatCode="#,##0.0_);[Red]\(#,##0.0\)" sourceLinked="0"/>
             <c:spPr>
               <a:noFill/>
               <a:ln>
@@ -4620,32 +5179,21 @@
               </c:ext>
             </c:extLst>
           </c:dLbls>
-          <c:cat>
-            <c:strRef>
-              <c:f>bank_analysis_trace_summary!$I$19</c:f>
-              <c:strCache>
-                <c:ptCount val="1"/>
-                <c:pt idx="0">
-                  <c:v>Energy Consumption</c:v>
-                </c:pt>
-              </c:strCache>
-            </c:strRef>
-          </c:cat>
           <c:val>
             <c:numRef>
-              <c:f>bank_analysis_trace_summary!$I$23</c:f>
+              <c:f>bank_size_analysis_trace_summar!$C$30</c:f>
               <c:numCache>
                 <c:formatCode>General</c:formatCode>
                 <c:ptCount val="1"/>
                 <c:pt idx="0">
-                  <c:v>1240.6457874058999</c:v>
+                  <c:v>610.38243999999997</c:v>
                 </c:pt>
               </c:numCache>
             </c:numRef>
           </c:val>
           <c:extLst>
             <c:ext xmlns:c16="http://schemas.microsoft.com/office/drawing/2014/chart" uri="{C3380CC4-5D6E-409C-BE32-E72D297353CC}">
-              <c16:uniqueId val="{00000003-E015-4920-92C4-0A8B0ED91E2E}"/>
+              <c16:uniqueId val="{00000003-18B4-44C8-9474-571DBAB412E8}"/>
             </c:ext>
           </c:extLst>
         </c:ser>
@@ -4654,7 +5202,7 @@
           <c:order val="4"/>
           <c:tx>
             <c:strRef>
-              <c:f>bank_analysis_trace_summary!$H$24</c:f>
+              <c:f>bank_size_analysis_trace_summar!$A$31</c:f>
               <c:strCache>
                 <c:ptCount val="1"/>
                 <c:pt idx="0">
@@ -4674,6 +5222,7 @@
           </c:spPr>
           <c:invertIfNegative val="0"/>
           <c:dLbls>
+            <c:numFmt formatCode="#,##0.0_);[Red]\(#,##0.0\)" sourceLinked="0"/>
             <c:spPr>
               <a:noFill/>
               <a:ln>
@@ -4731,32 +5280,21 @@
               </c:ext>
             </c:extLst>
           </c:dLbls>
-          <c:cat>
-            <c:strRef>
-              <c:f>bank_analysis_trace_summary!$I$19</c:f>
-              <c:strCache>
-                <c:ptCount val="1"/>
-                <c:pt idx="0">
-                  <c:v>Energy Consumption</c:v>
-                </c:pt>
-              </c:strCache>
-            </c:strRef>
-          </c:cat>
           <c:val>
             <c:numRef>
-              <c:f>bank_analysis_trace_summary!$I$24</c:f>
+              <c:f>bank_size_analysis_trace_summar!$C$31</c:f>
               <c:numCache>
                 <c:formatCode>General</c:formatCode>
                 <c:ptCount val="1"/>
                 <c:pt idx="0">
-                  <c:v>1249.3119628203199</c:v>
+                  <c:v>838.72768394113893</c:v>
                 </c:pt>
               </c:numCache>
             </c:numRef>
           </c:val>
           <c:extLst>
             <c:ext xmlns:c16="http://schemas.microsoft.com/office/drawing/2014/chart" uri="{C3380CC4-5D6E-409C-BE32-E72D297353CC}">
-              <c16:uniqueId val="{00000004-E015-4920-92C4-0A8B0ED91E2E}"/>
+              <c16:uniqueId val="{00000004-18B4-44C8-9474-571DBAB412E8}"/>
             </c:ext>
           </c:extLst>
         </c:ser>
@@ -4765,7 +5303,7 @@
           <c:order val="5"/>
           <c:tx>
             <c:strRef>
-              <c:f>bank_analysis_trace_summary!$H$25</c:f>
+              <c:f>bank_size_analysis_trace_summar!$A$32</c:f>
               <c:strCache>
                 <c:ptCount val="1"/>
                 <c:pt idx="0">
@@ -4785,7 +5323,7 @@
           </c:spPr>
           <c:invertIfNegative val="0"/>
           <c:dLbls>
-            <c:numFmt formatCode="#,##0.00_);[Red]\(#,##0.00\)" sourceLinked="0"/>
+            <c:numFmt formatCode="#,##0.0_);[Red]\(#,##0.0\)" sourceLinked="0"/>
             <c:spPr>
               <a:noFill/>
               <a:ln>
@@ -4843,32 +5381,21 @@
               </c:ext>
             </c:extLst>
           </c:dLbls>
-          <c:cat>
-            <c:strRef>
-              <c:f>bank_analysis_trace_summary!$I$19</c:f>
-              <c:strCache>
-                <c:ptCount val="1"/>
-                <c:pt idx="0">
-                  <c:v>Energy Consumption</c:v>
-                </c:pt>
-              </c:strCache>
-            </c:strRef>
-          </c:cat>
           <c:val>
             <c:numRef>
-              <c:f>bank_analysis_trace_summary!$I$25</c:f>
+              <c:f>bank_size_analysis_trace_summar!$C$32</c:f>
               <c:numCache>
                 <c:formatCode>General</c:formatCode>
                 <c:ptCount val="1"/>
                 <c:pt idx="0">
-                  <c:v>1242.3358017742801</c:v>
+                  <c:v>831.75152289509901</c:v>
                 </c:pt>
               </c:numCache>
             </c:numRef>
           </c:val>
           <c:extLst>
             <c:ext xmlns:c16="http://schemas.microsoft.com/office/drawing/2014/chart" uri="{C3380CC4-5D6E-409C-BE32-E72D297353CC}">
-              <c16:uniqueId val="{00000005-E015-4920-92C4-0A8B0ED91E2E}"/>
+              <c16:uniqueId val="{00000005-18B4-44C8-9474-571DBAB412E8}"/>
             </c:ext>
           </c:extLst>
         </c:ser>
@@ -4877,7 +5404,7 @@
           <c:order val="6"/>
           <c:tx>
             <c:strRef>
-              <c:f>bank_analysis_trace_summary!$H$26</c:f>
+              <c:f>bank_size_analysis_trace_summar!$A$33</c:f>
               <c:strCache>
                 <c:ptCount val="1"/>
                 <c:pt idx="0">
@@ -4899,7 +5426,7 @@
           </c:spPr>
           <c:invertIfNegative val="0"/>
           <c:dLbls>
-            <c:numFmt formatCode="#,##0.00_);[Red]\(#,##0.00\)" sourceLinked="0"/>
+            <c:numFmt formatCode="#,##0.0_);[Red]\(#,##0.0\)" sourceLinked="0"/>
             <c:spPr>
               <a:noFill/>
               <a:ln>
@@ -4957,32 +5484,21 @@
               </c:ext>
             </c:extLst>
           </c:dLbls>
-          <c:cat>
-            <c:strRef>
-              <c:f>bank_analysis_trace_summary!$I$19</c:f>
-              <c:strCache>
-                <c:ptCount val="1"/>
-                <c:pt idx="0">
-                  <c:v>Energy Consumption</c:v>
-                </c:pt>
-              </c:strCache>
-            </c:strRef>
-          </c:cat>
           <c:val>
             <c:numRef>
-              <c:f>bank_analysis_trace_summary!$I$26</c:f>
+              <c:f>bank_size_analysis_trace_summar!$C$33</c:f>
               <c:numCache>
                 <c:formatCode>General</c:formatCode>
                 <c:ptCount val="1"/>
                 <c:pt idx="0">
-                  <c:v>1253.9757488768798</c:v>
+                  <c:v>1313.0954306282999</c:v>
                 </c:pt>
               </c:numCache>
             </c:numRef>
           </c:val>
           <c:extLst>
             <c:ext xmlns:c16="http://schemas.microsoft.com/office/drawing/2014/chart" uri="{C3380CC4-5D6E-409C-BE32-E72D297353CC}">
-              <c16:uniqueId val="{00000006-E015-4920-92C4-0A8B0ED91E2E}"/>
+              <c16:uniqueId val="{00000006-18B4-44C8-9474-571DBAB412E8}"/>
             </c:ext>
           </c:extLst>
         </c:ser>
@@ -4991,7 +5507,7 @@
           <c:order val="7"/>
           <c:tx>
             <c:strRef>
-              <c:f>bank_analysis_trace_summary!$H$27</c:f>
+              <c:f>bank_size_analysis_trace_summar!$A$34</c:f>
               <c:strCache>
                 <c:ptCount val="1"/>
                 <c:pt idx="0">
@@ -5013,7 +5529,7 @@
           </c:spPr>
           <c:invertIfNegative val="0"/>
           <c:dLbls>
-            <c:numFmt formatCode="#,##0.00_);[Red]\(#,##0.00\)" sourceLinked="0"/>
+            <c:numFmt formatCode="#,##0.0_);[Red]\(#,##0.0\)" sourceLinked="0"/>
             <c:spPr>
               <a:noFill/>
               <a:ln>
@@ -5071,32 +5587,21 @@
               </c:ext>
             </c:extLst>
           </c:dLbls>
-          <c:cat>
-            <c:strRef>
-              <c:f>bank_analysis_trace_summary!$I$19</c:f>
-              <c:strCache>
-                <c:ptCount val="1"/>
-                <c:pt idx="0">
-                  <c:v>Energy Consumption</c:v>
-                </c:pt>
-              </c:strCache>
-            </c:strRef>
-          </c:cat>
           <c:val>
             <c:numRef>
-              <c:f>bank_analysis_trace_summary!$I$27</c:f>
+              <c:f>bank_size_analysis_trace_summar!$C$34</c:f>
               <c:numCache>
                 <c:formatCode>General</c:formatCode>
                 <c:ptCount val="1"/>
                 <c:pt idx="0">
-                  <c:v>1243.9414304222601</c:v>
+                  <c:v>1302.76509137008</c:v>
                 </c:pt>
               </c:numCache>
             </c:numRef>
           </c:val>
           <c:extLst>
             <c:ext xmlns:c16="http://schemas.microsoft.com/office/drawing/2014/chart" uri="{C3380CC4-5D6E-409C-BE32-E72D297353CC}">
-              <c16:uniqueId val="{00000007-E015-4920-92C4-0A8B0ED91E2E}"/>
+              <c16:uniqueId val="{00000007-18B4-44C8-9474-571DBAB412E8}"/>
             </c:ext>
           </c:extLst>
         </c:ser>
@@ -5111,21 +5616,54 @@
         </c:dLbls>
         <c:gapWidth val="219"/>
         <c:overlap val="-27"/>
-        <c:axId val="354344240"/>
-        <c:axId val="354359120"/>
+        <c:axId val="1930835295"/>
+        <c:axId val="1930841055"/>
       </c:barChart>
       <c:catAx>
-        <c:axId val="354344240"/>
+        <c:axId val="1930835295"/>
         <c:scaling>
           <c:orientation val="minMax"/>
         </c:scaling>
-        <c:delete val="1"/>
+        <c:delete val="0"/>
         <c:axPos val="b"/>
         <c:numFmt formatCode="General" sourceLinked="1"/>
         <c:majorTickMark val="none"/>
         <c:minorTickMark val="none"/>
         <c:tickLblPos val="nextTo"/>
-        <c:crossAx val="354359120"/>
+        <c:spPr>
+          <a:noFill/>
+          <a:ln w="9525" cap="flat" cmpd="sng" algn="ctr">
+            <a:solidFill>
+              <a:schemeClr val="tx1">
+                <a:lumMod val="15000"/>
+                <a:lumOff val="85000"/>
+              </a:schemeClr>
+            </a:solidFill>
+            <a:round/>
+          </a:ln>
+          <a:effectLst/>
+        </c:spPr>
+        <c:txPr>
+          <a:bodyPr rot="-60000000" spcFirstLastPara="1" vertOverflow="ellipsis" vert="horz" wrap="square" anchor="ctr" anchorCtr="1"/>
+          <a:lstStyle/>
+          <a:p>
+            <a:pPr>
+              <a:defRPr sz="900" b="0" i="0" u="none" strike="noStrike" kern="1200" baseline="0">
+                <a:solidFill>
+                  <a:schemeClr val="tx1">
+                    <a:lumMod val="65000"/>
+                    <a:lumOff val="35000"/>
+                  </a:schemeClr>
+                </a:solidFill>
+                <a:latin typeface="+mn-lt"/>
+                <a:ea typeface="+mn-ea"/>
+                <a:cs typeface="+mn-cs"/>
+              </a:defRPr>
+            </a:pPr>
+            <a:endParaRPr lang="zh-TW"/>
+          </a:p>
+        </c:txPr>
+        <c:crossAx val="1930841055"/>
         <c:crosses val="autoZero"/>
         <c:auto val="1"/>
         <c:lblAlgn val="ctr"/>
@@ -5133,7 +5671,7 @@
         <c:noMultiLvlLbl val="0"/>
       </c:catAx>
       <c:valAx>
-        <c:axId val="354359120"/>
+        <c:axId val="1930841055"/>
         <c:scaling>
           <c:orientation val="minMax"/>
         </c:scaling>
@@ -5174,7 +5712,7 @@
                 </a:pPr>
                 <a:r>
                   <a:rPr lang="en-US" altLang="zh-TW"/>
-                  <a:t>Total Energy (mJ)</a:t>
+                  <a:t>Energy(mJ)</a:t>
                 </a:r>
                 <a:endParaRPr lang="zh-TW" altLang="en-US"/>
               </a:p>
@@ -5209,7 +5747,7 @@
             </a:p>
           </c:txPr>
         </c:title>
-        <c:numFmt formatCode="General" sourceLinked="0"/>
+        <c:numFmt formatCode="General" sourceLinked="1"/>
         <c:majorTickMark val="none"/>
         <c:minorTickMark val="none"/>
         <c:tickLblPos val="nextTo"/>
@@ -5240,7 +5778,7 @@
             <a:endParaRPr lang="zh-TW"/>
           </a:p>
         </c:txPr>
-        <c:crossAx val="354344240"/>
+        <c:crossAx val="1930835295"/>
         <c:crosses val="autoZero"/>
         <c:crossBetween val="between"/>
       </c:valAx>
@@ -5511,6 +6049,46 @@
 </file>
 
 <file path=ppt/charts/colors6.xml><?xml version="1.0" encoding="utf-8"?>
+<cs:colorStyle xmlns:cs="http://schemas.microsoft.com/office/drawing/2012/chartStyle" xmlns:a="http://schemas.openxmlformats.org/drawingml/2006/main" meth="cycle" id="10">
+  <a:schemeClr val="accent1"/>
+  <a:schemeClr val="accent2"/>
+  <a:schemeClr val="accent3"/>
+  <a:schemeClr val="accent4"/>
+  <a:schemeClr val="accent5"/>
+  <a:schemeClr val="accent6"/>
+  <cs:variation/>
+  <cs:variation>
+    <a:lumMod val="60000"/>
+  </cs:variation>
+  <cs:variation>
+    <a:lumMod val="80000"/>
+    <a:lumOff val="20000"/>
+  </cs:variation>
+  <cs:variation>
+    <a:lumMod val="80000"/>
+  </cs:variation>
+  <cs:variation>
+    <a:lumMod val="60000"/>
+    <a:lumOff val="40000"/>
+  </cs:variation>
+  <cs:variation>
+    <a:lumMod val="50000"/>
+  </cs:variation>
+  <cs:variation>
+    <a:lumMod val="70000"/>
+    <a:lumOff val="30000"/>
+  </cs:variation>
+  <cs:variation>
+    <a:lumMod val="70000"/>
+  </cs:variation>
+  <cs:variation>
+    <a:lumMod val="50000"/>
+    <a:lumOff val="50000"/>
+  </cs:variation>
+</cs:colorStyle>
+</file>
+
+<file path=ppt/charts/colors7.xml><?xml version="1.0" encoding="utf-8"?>
 <cs:colorStyle xmlns:cs="http://schemas.microsoft.com/office/drawing/2012/chartStyle" xmlns:a="http://schemas.openxmlformats.org/drawingml/2006/main" meth="cycle" id="10">
   <a:schemeClr val="accent1"/>
   <a:schemeClr val="accent2"/>
@@ -6557,7 +7135,7 @@
 </file>
 
 <file path=ppt/charts/style3.xml><?xml version="1.0" encoding="utf-8"?>
-<cs:chartStyle xmlns:cs="http://schemas.microsoft.com/office/drawing/2012/chartStyle" xmlns:a="http://schemas.openxmlformats.org/drawingml/2006/main" id="201">
+<cs:chartStyle xmlns:cs="http://schemas.microsoft.com/office/drawing/2012/chartStyle" xmlns:a="http://schemas.openxmlformats.org/drawingml/2006/main" id="332">
   <cs:axisTitle>
     <cs:lnRef idx="0"/>
     <cs:fillRef idx="0"/>
@@ -8568,6 +9146,509 @@
 </cs:chartStyle>
 </file>
 
+<file path=ppt/charts/style7.xml><?xml version="1.0" encoding="utf-8"?>
+<cs:chartStyle xmlns:cs="http://schemas.microsoft.com/office/drawing/2012/chartStyle" xmlns:a="http://schemas.openxmlformats.org/drawingml/2006/main" id="201">
+  <cs:axisTitle>
+    <cs:lnRef idx="0"/>
+    <cs:fillRef idx="0"/>
+    <cs:effectRef idx="0"/>
+    <cs:fontRef idx="minor">
+      <a:schemeClr val="tx1">
+        <a:lumMod val="65000"/>
+        <a:lumOff val="35000"/>
+      </a:schemeClr>
+    </cs:fontRef>
+    <cs:defRPr sz="1000" kern="1200"/>
+  </cs:axisTitle>
+  <cs:categoryAxis>
+    <cs:lnRef idx="0"/>
+    <cs:fillRef idx="0"/>
+    <cs:effectRef idx="0"/>
+    <cs:fontRef idx="minor">
+      <a:schemeClr val="tx1">
+        <a:lumMod val="65000"/>
+        <a:lumOff val="35000"/>
+      </a:schemeClr>
+    </cs:fontRef>
+    <cs:spPr>
+      <a:ln w="9525" cap="flat" cmpd="sng" algn="ctr">
+        <a:solidFill>
+          <a:schemeClr val="tx1">
+            <a:lumMod val="15000"/>
+            <a:lumOff val="85000"/>
+          </a:schemeClr>
+        </a:solidFill>
+        <a:round/>
+      </a:ln>
+    </cs:spPr>
+    <cs:defRPr sz="900" kern="1200"/>
+  </cs:categoryAxis>
+  <cs:chartArea mods="allowNoFillOverride allowNoLineOverride">
+    <cs:lnRef idx="0"/>
+    <cs:fillRef idx="0"/>
+    <cs:effectRef idx="0"/>
+    <cs:fontRef idx="minor">
+      <a:schemeClr val="tx1"/>
+    </cs:fontRef>
+    <cs:spPr>
+      <a:solidFill>
+        <a:schemeClr val="bg1"/>
+      </a:solidFill>
+      <a:ln w="9525" cap="flat" cmpd="sng" algn="ctr">
+        <a:solidFill>
+          <a:schemeClr val="tx1">
+            <a:lumMod val="15000"/>
+            <a:lumOff val="85000"/>
+          </a:schemeClr>
+        </a:solidFill>
+        <a:round/>
+      </a:ln>
+    </cs:spPr>
+    <cs:defRPr sz="1000" kern="1200"/>
+  </cs:chartArea>
+  <cs:dataLabel>
+    <cs:lnRef idx="0"/>
+    <cs:fillRef idx="0"/>
+    <cs:effectRef idx="0"/>
+    <cs:fontRef idx="minor">
+      <a:schemeClr val="tx1">
+        <a:lumMod val="75000"/>
+        <a:lumOff val="25000"/>
+      </a:schemeClr>
+    </cs:fontRef>
+    <cs:defRPr sz="900" kern="1200"/>
+  </cs:dataLabel>
+  <cs:dataLabelCallout>
+    <cs:lnRef idx="0"/>
+    <cs:fillRef idx="0"/>
+    <cs:effectRef idx="0"/>
+    <cs:fontRef idx="minor">
+      <a:schemeClr val="dk1">
+        <a:lumMod val="65000"/>
+        <a:lumOff val="35000"/>
+      </a:schemeClr>
+    </cs:fontRef>
+    <cs:spPr>
+      <a:solidFill>
+        <a:schemeClr val="lt1"/>
+      </a:solidFill>
+      <a:ln>
+        <a:solidFill>
+          <a:schemeClr val="dk1">
+            <a:lumMod val="25000"/>
+            <a:lumOff val="75000"/>
+          </a:schemeClr>
+        </a:solidFill>
+      </a:ln>
+    </cs:spPr>
+    <cs:defRPr sz="900" kern="1200"/>
+    <cs:bodyPr rot="0" spcFirstLastPara="1" vertOverflow="clip" horzOverflow="clip" vert="horz" wrap="square" lIns="36576" tIns="18288" rIns="36576" bIns="18288" anchor="ctr" anchorCtr="1">
+      <a:spAutoFit/>
+    </cs:bodyPr>
+  </cs:dataLabelCallout>
+  <cs:dataPoint>
+    <cs:lnRef idx="0"/>
+    <cs:fillRef idx="1">
+      <cs:styleClr val="auto"/>
+    </cs:fillRef>
+    <cs:effectRef idx="0"/>
+    <cs:fontRef idx="minor">
+      <a:schemeClr val="tx1"/>
+    </cs:fontRef>
+  </cs:dataPoint>
+  <cs:dataPoint3D>
+    <cs:lnRef idx="0"/>
+    <cs:fillRef idx="1">
+      <cs:styleClr val="auto"/>
+    </cs:fillRef>
+    <cs:effectRef idx="0"/>
+    <cs:fontRef idx="minor">
+      <a:schemeClr val="tx1"/>
+    </cs:fontRef>
+  </cs:dataPoint3D>
+  <cs:dataPointLine>
+    <cs:lnRef idx="0">
+      <cs:styleClr val="auto"/>
+    </cs:lnRef>
+    <cs:fillRef idx="1"/>
+    <cs:effectRef idx="0"/>
+    <cs:fontRef idx="minor">
+      <a:schemeClr val="tx1"/>
+    </cs:fontRef>
+    <cs:spPr>
+      <a:ln w="28575" cap="rnd">
+        <a:solidFill>
+          <a:schemeClr val="phClr"/>
+        </a:solidFill>
+        <a:round/>
+      </a:ln>
+    </cs:spPr>
+  </cs:dataPointLine>
+  <cs:dataPointMarker>
+    <cs:lnRef idx="0">
+      <cs:styleClr val="auto"/>
+    </cs:lnRef>
+    <cs:fillRef idx="1">
+      <cs:styleClr val="auto"/>
+    </cs:fillRef>
+    <cs:effectRef idx="0"/>
+    <cs:fontRef idx="minor">
+      <a:schemeClr val="tx1"/>
+    </cs:fontRef>
+    <cs:spPr>
+      <a:ln w="9525">
+        <a:solidFill>
+          <a:schemeClr val="phClr"/>
+        </a:solidFill>
+      </a:ln>
+    </cs:spPr>
+  </cs:dataPointMarker>
+  <cs:dataPointMarkerLayout symbol="circle" size="5"/>
+  <cs:dataPointWireframe>
+    <cs:lnRef idx="0">
+      <cs:styleClr val="auto"/>
+    </cs:lnRef>
+    <cs:fillRef idx="1"/>
+    <cs:effectRef idx="0"/>
+    <cs:fontRef idx="minor">
+      <a:schemeClr val="tx1"/>
+    </cs:fontRef>
+    <cs:spPr>
+      <a:ln w="9525" cap="rnd">
+        <a:solidFill>
+          <a:schemeClr val="phClr"/>
+        </a:solidFill>
+        <a:round/>
+      </a:ln>
+    </cs:spPr>
+  </cs:dataPointWireframe>
+  <cs:dataTable>
+    <cs:lnRef idx="0"/>
+    <cs:fillRef idx="0"/>
+    <cs:effectRef idx="0"/>
+    <cs:fontRef idx="minor">
+      <a:schemeClr val="tx1">
+        <a:lumMod val="65000"/>
+        <a:lumOff val="35000"/>
+      </a:schemeClr>
+    </cs:fontRef>
+    <cs:spPr>
+      <a:noFill/>
+      <a:ln w="9525" cap="flat" cmpd="sng" algn="ctr">
+        <a:solidFill>
+          <a:schemeClr val="tx1">
+            <a:lumMod val="15000"/>
+            <a:lumOff val="85000"/>
+          </a:schemeClr>
+        </a:solidFill>
+        <a:round/>
+      </a:ln>
+    </cs:spPr>
+    <cs:defRPr sz="900" kern="1200"/>
+  </cs:dataTable>
+  <cs:downBar>
+    <cs:lnRef idx="0"/>
+    <cs:fillRef idx="0"/>
+    <cs:effectRef idx="0"/>
+    <cs:fontRef idx="minor">
+      <a:schemeClr val="dk1"/>
+    </cs:fontRef>
+    <cs:spPr>
+      <a:solidFill>
+        <a:schemeClr val="dk1">
+          <a:lumMod val="65000"/>
+          <a:lumOff val="35000"/>
+        </a:schemeClr>
+      </a:solidFill>
+      <a:ln w="9525">
+        <a:solidFill>
+          <a:schemeClr val="tx1">
+            <a:lumMod val="65000"/>
+            <a:lumOff val="35000"/>
+          </a:schemeClr>
+        </a:solidFill>
+      </a:ln>
+    </cs:spPr>
+  </cs:downBar>
+  <cs:dropLine>
+    <cs:lnRef idx="0"/>
+    <cs:fillRef idx="0"/>
+    <cs:effectRef idx="0"/>
+    <cs:fontRef idx="minor">
+      <a:schemeClr val="tx1"/>
+    </cs:fontRef>
+    <cs:spPr>
+      <a:ln w="9525" cap="flat" cmpd="sng" algn="ctr">
+        <a:solidFill>
+          <a:schemeClr val="tx1">
+            <a:lumMod val="35000"/>
+            <a:lumOff val="65000"/>
+          </a:schemeClr>
+        </a:solidFill>
+        <a:round/>
+      </a:ln>
+    </cs:spPr>
+  </cs:dropLine>
+  <cs:errorBar>
+    <cs:lnRef idx="0"/>
+    <cs:fillRef idx="0"/>
+    <cs:effectRef idx="0"/>
+    <cs:fontRef idx="minor">
+      <a:schemeClr val="tx1"/>
+    </cs:fontRef>
+    <cs:spPr>
+      <a:ln w="9525" cap="flat" cmpd="sng" algn="ctr">
+        <a:solidFill>
+          <a:schemeClr val="tx1">
+            <a:lumMod val="65000"/>
+            <a:lumOff val="35000"/>
+          </a:schemeClr>
+        </a:solidFill>
+        <a:round/>
+      </a:ln>
+    </cs:spPr>
+  </cs:errorBar>
+  <cs:floor>
+    <cs:lnRef idx="0"/>
+    <cs:fillRef idx="0"/>
+    <cs:effectRef idx="0"/>
+    <cs:fontRef idx="minor">
+      <a:schemeClr val="tx1"/>
+    </cs:fontRef>
+    <cs:spPr>
+      <a:noFill/>
+      <a:ln>
+        <a:noFill/>
+      </a:ln>
+    </cs:spPr>
+  </cs:floor>
+  <cs:gridlineMajor>
+    <cs:lnRef idx="0"/>
+    <cs:fillRef idx="0"/>
+    <cs:effectRef idx="0"/>
+    <cs:fontRef idx="minor">
+      <a:schemeClr val="tx1"/>
+    </cs:fontRef>
+    <cs:spPr>
+      <a:ln w="9525" cap="flat" cmpd="sng" algn="ctr">
+        <a:solidFill>
+          <a:schemeClr val="tx1">
+            <a:lumMod val="15000"/>
+            <a:lumOff val="85000"/>
+          </a:schemeClr>
+        </a:solidFill>
+        <a:round/>
+      </a:ln>
+    </cs:spPr>
+  </cs:gridlineMajor>
+  <cs:gridlineMinor>
+    <cs:lnRef idx="0"/>
+    <cs:fillRef idx="0"/>
+    <cs:effectRef idx="0"/>
+    <cs:fontRef idx="minor">
+      <a:schemeClr val="tx1"/>
+    </cs:fontRef>
+    <cs:spPr>
+      <a:ln w="9525" cap="flat" cmpd="sng" algn="ctr">
+        <a:solidFill>
+          <a:schemeClr val="tx1">
+            <a:lumMod val="5000"/>
+            <a:lumOff val="95000"/>
+          </a:schemeClr>
+        </a:solidFill>
+        <a:round/>
+      </a:ln>
+    </cs:spPr>
+  </cs:gridlineMinor>
+  <cs:hiLoLine>
+    <cs:lnRef idx="0"/>
+    <cs:fillRef idx="0"/>
+    <cs:effectRef idx="0"/>
+    <cs:fontRef idx="minor">
+      <a:schemeClr val="tx1"/>
+    </cs:fontRef>
+    <cs:spPr>
+      <a:ln w="9525" cap="flat" cmpd="sng" algn="ctr">
+        <a:solidFill>
+          <a:schemeClr val="tx1">
+            <a:lumMod val="75000"/>
+            <a:lumOff val="25000"/>
+          </a:schemeClr>
+        </a:solidFill>
+        <a:round/>
+      </a:ln>
+    </cs:spPr>
+  </cs:hiLoLine>
+  <cs:leaderLine>
+    <cs:lnRef idx="0"/>
+    <cs:fillRef idx="0"/>
+    <cs:effectRef idx="0"/>
+    <cs:fontRef idx="minor">
+      <a:schemeClr val="tx1"/>
+    </cs:fontRef>
+    <cs:spPr>
+      <a:ln w="9525" cap="flat" cmpd="sng" algn="ctr">
+        <a:solidFill>
+          <a:schemeClr val="tx1">
+            <a:lumMod val="35000"/>
+            <a:lumOff val="65000"/>
+          </a:schemeClr>
+        </a:solidFill>
+        <a:round/>
+      </a:ln>
+    </cs:spPr>
+  </cs:leaderLine>
+  <cs:legend>
+    <cs:lnRef idx="0"/>
+    <cs:fillRef idx="0"/>
+    <cs:effectRef idx="0"/>
+    <cs:fontRef idx="minor">
+      <a:schemeClr val="tx1">
+        <a:lumMod val="65000"/>
+        <a:lumOff val="35000"/>
+      </a:schemeClr>
+    </cs:fontRef>
+    <cs:defRPr sz="900" kern="1200"/>
+  </cs:legend>
+  <cs:plotArea mods="allowNoFillOverride allowNoLineOverride">
+    <cs:lnRef idx="0"/>
+    <cs:fillRef idx="0"/>
+    <cs:effectRef idx="0"/>
+    <cs:fontRef idx="minor">
+      <a:schemeClr val="tx1"/>
+    </cs:fontRef>
+  </cs:plotArea>
+  <cs:plotArea3D mods="allowNoFillOverride allowNoLineOverride">
+    <cs:lnRef idx="0"/>
+    <cs:fillRef idx="0"/>
+    <cs:effectRef idx="0"/>
+    <cs:fontRef idx="minor">
+      <a:schemeClr val="tx1"/>
+    </cs:fontRef>
+  </cs:plotArea3D>
+  <cs:seriesAxis>
+    <cs:lnRef idx="0"/>
+    <cs:fillRef idx="0"/>
+    <cs:effectRef idx="0"/>
+    <cs:fontRef idx="minor">
+      <a:schemeClr val="tx1">
+        <a:lumMod val="65000"/>
+        <a:lumOff val="35000"/>
+      </a:schemeClr>
+    </cs:fontRef>
+    <cs:defRPr sz="900" kern="1200"/>
+  </cs:seriesAxis>
+  <cs:seriesLine>
+    <cs:lnRef idx="0"/>
+    <cs:fillRef idx="0"/>
+    <cs:effectRef idx="0"/>
+    <cs:fontRef idx="minor">
+      <a:schemeClr val="tx1"/>
+    </cs:fontRef>
+    <cs:spPr>
+      <a:ln w="9525" cap="flat" cmpd="sng" algn="ctr">
+        <a:solidFill>
+          <a:schemeClr val="tx1">
+            <a:lumMod val="35000"/>
+            <a:lumOff val="65000"/>
+          </a:schemeClr>
+        </a:solidFill>
+        <a:round/>
+      </a:ln>
+    </cs:spPr>
+  </cs:seriesLine>
+  <cs:title>
+    <cs:lnRef idx="0"/>
+    <cs:fillRef idx="0"/>
+    <cs:effectRef idx="0"/>
+    <cs:fontRef idx="minor">
+      <a:schemeClr val="tx1">
+        <a:lumMod val="65000"/>
+        <a:lumOff val="35000"/>
+      </a:schemeClr>
+    </cs:fontRef>
+    <cs:defRPr sz="1400" b="0" kern="1200" spc="0" baseline="0"/>
+  </cs:title>
+  <cs:trendline>
+    <cs:lnRef idx="0">
+      <cs:styleClr val="auto"/>
+    </cs:lnRef>
+    <cs:fillRef idx="0"/>
+    <cs:effectRef idx="0"/>
+    <cs:fontRef idx="minor">
+      <a:schemeClr val="tx1"/>
+    </cs:fontRef>
+    <cs:spPr>
+      <a:ln w="19050" cap="rnd">
+        <a:solidFill>
+          <a:schemeClr val="phClr"/>
+        </a:solidFill>
+        <a:prstDash val="sysDot"/>
+      </a:ln>
+    </cs:spPr>
+  </cs:trendline>
+  <cs:trendlineLabel>
+    <cs:lnRef idx="0"/>
+    <cs:fillRef idx="0"/>
+    <cs:effectRef idx="0"/>
+    <cs:fontRef idx="minor">
+      <a:schemeClr val="tx1">
+        <a:lumMod val="65000"/>
+        <a:lumOff val="35000"/>
+      </a:schemeClr>
+    </cs:fontRef>
+    <cs:defRPr sz="900" kern="1200"/>
+  </cs:trendlineLabel>
+  <cs:upBar>
+    <cs:lnRef idx="0"/>
+    <cs:fillRef idx="0"/>
+    <cs:effectRef idx="0"/>
+    <cs:fontRef idx="minor">
+      <a:schemeClr val="dk1"/>
+    </cs:fontRef>
+    <cs:spPr>
+      <a:solidFill>
+        <a:schemeClr val="lt1"/>
+      </a:solidFill>
+      <a:ln w="9525">
+        <a:solidFill>
+          <a:schemeClr val="tx1">
+            <a:lumMod val="15000"/>
+            <a:lumOff val="85000"/>
+          </a:schemeClr>
+        </a:solidFill>
+      </a:ln>
+    </cs:spPr>
+  </cs:upBar>
+  <cs:valueAxis>
+    <cs:lnRef idx="0"/>
+    <cs:fillRef idx="0"/>
+    <cs:effectRef idx="0"/>
+    <cs:fontRef idx="minor">
+      <a:schemeClr val="tx1">
+        <a:lumMod val="65000"/>
+        <a:lumOff val="35000"/>
+      </a:schemeClr>
+    </cs:fontRef>
+    <cs:defRPr sz="900" kern="1200"/>
+  </cs:valueAxis>
+  <cs:wall>
+    <cs:lnRef idx="0"/>
+    <cs:fillRef idx="0"/>
+    <cs:effectRef idx="0"/>
+    <cs:fontRef idx="minor">
+      <a:schemeClr val="tx1"/>
+    </cs:fontRef>
+    <cs:spPr>
+      <a:noFill/>
+      <a:ln>
+        <a:noFill/>
+      </a:ln>
+    </cs:spPr>
+  </cs:wall>
+</cs:chartStyle>
+</file>
+
 <file path=ppt/notesMasters/notesMaster1.xml><?xml version="1.0" encoding="utf-8"?>
 <p:notesMaster xmlns:a="http://schemas.openxmlformats.org/drawingml/2006/main" xmlns:r="http://schemas.openxmlformats.org/officeDocument/2006/relationships" xmlns:p="http://schemas.openxmlformats.org/presentationml/2006/main">
   <p:cSld>
@@ -10346,6 +11427,151 @@
         <p:cNvPr id="1" name="Shape 180">
           <a:extLst>
             <a:ext uri="{FF2B5EF4-FFF2-40B4-BE49-F238E27FC236}">
+              <a16:creationId xmlns:a16="http://schemas.microsoft.com/office/drawing/2014/main" id="{E0AE39F8-3971-87CC-04A0-92E91C1936E0}"/>
+            </a:ext>
+          </a:extLst>
+        </p:cNvPr>
+        <p:cNvGrpSpPr/>
+        <p:nvPr/>
+      </p:nvGrpSpPr>
+      <p:grpSpPr>
+        <a:xfrm>
+          <a:off x="0" y="0"/>
+          <a:ext cx="0" cy="0"/>
+          <a:chOff x="0" y="0"/>
+          <a:chExt cx="0" cy="0"/>
+        </a:xfrm>
+      </p:grpSpPr>
+      <p:sp>
+        <p:nvSpPr>
+          <p:cNvPr id="181" name="Google Shape;181;p7:notes">
+            <a:extLst>
+              <a:ext uri="{FF2B5EF4-FFF2-40B4-BE49-F238E27FC236}">
+                <a16:creationId xmlns:a16="http://schemas.microsoft.com/office/drawing/2014/main" id="{D470E30C-EDD3-DAD7-09D8-1E43172FBFC3}"/>
+              </a:ext>
+            </a:extLst>
+          </p:cNvPr>
+          <p:cNvSpPr txBox="1">
+            <a:spLocks noGrp="1"/>
+          </p:cNvSpPr>
+          <p:nvPr>
+            <p:ph type="body" idx="1"/>
+          </p:nvPr>
+        </p:nvSpPr>
+        <p:spPr>
+          <a:xfrm>
+            <a:off x="679450" y="4714875"/>
+            <a:ext cx="5438700" cy="4467300"/>
+          </a:xfrm>
+          <a:prstGeom prst="rect">
+            <a:avLst/>
+          </a:prstGeom>
+          <a:noFill/>
+          <a:ln>
+            <a:noFill/>
+          </a:ln>
+        </p:spPr>
+        <p:txBody>
+          <a:bodyPr spcFirstLastPara="1" wrap="square" lIns="91425" tIns="45700" rIns="91425" bIns="45700" anchor="t" anchorCtr="0">
+            <a:noAutofit/>
+          </a:bodyPr>
+          <a:lstStyle/>
+          <a:p>
+            <a:pPr marL="0" lvl="0" indent="0" algn="l" rtl="0">
+              <a:lnSpc>
+                <a:spcPct val="100000"/>
+              </a:lnSpc>
+              <a:spcBef>
+                <a:spcPts val="360"/>
+              </a:spcBef>
+              <a:spcAft>
+                <a:spcPts val="0"/>
+              </a:spcAft>
+              <a:buSzPts val="1400"/>
+              <a:buNone/>
+            </a:pPr>
+            <a:endParaRPr/>
+          </a:p>
+        </p:txBody>
+      </p:sp>
+      <p:sp>
+        <p:nvSpPr>
+          <p:cNvPr id="182" name="Google Shape;182;p7:notes">
+            <a:extLst>
+              <a:ext uri="{FF2B5EF4-FFF2-40B4-BE49-F238E27FC236}">
+                <a16:creationId xmlns:a16="http://schemas.microsoft.com/office/drawing/2014/main" id="{22097153-E67C-537D-8A66-53A4EDDA0B35}"/>
+              </a:ext>
+            </a:extLst>
+          </p:cNvPr>
+          <p:cNvSpPr>
+            <a:spLocks noGrp="1" noRot="1" noChangeAspect="1"/>
+          </p:cNvSpPr>
+          <p:nvPr>
+            <p:ph type="sldImg" idx="2"/>
+          </p:nvPr>
+        </p:nvSpPr>
+        <p:spPr>
+          <a:xfrm>
+            <a:off x="917575" y="744538"/>
+            <a:ext cx="4962525" cy="3722687"/>
+          </a:xfrm>
+          <a:custGeom>
+            <a:avLst/>
+            <a:gdLst/>
+            <a:ahLst/>
+            <a:cxnLst/>
+            <a:rect l="l" t="t" r="r" b="b"/>
+            <a:pathLst>
+              <a:path w="120000" h="120000" extrusionOk="0">
+                <a:moveTo>
+                  <a:pt x="0" y="0"/>
+                </a:moveTo>
+                <a:lnTo>
+                  <a:pt x="120000" y="0"/>
+                </a:lnTo>
+                <a:lnTo>
+                  <a:pt x="120000" y="120000"/>
+                </a:lnTo>
+                <a:lnTo>
+                  <a:pt x="0" y="120000"/>
+                </a:lnTo>
+                <a:close/>
+              </a:path>
+            </a:pathLst>
+          </a:custGeom>
+          <a:noFill/>
+          <a:ln w="12700" cap="flat" cmpd="sng">
+            <a:solidFill>
+              <a:srgbClr val="000000"/>
+            </a:solidFill>
+            <a:prstDash val="solid"/>
+            <a:round/>
+            <a:headEnd type="none" w="sm" len="sm"/>
+            <a:tailEnd type="none" w="sm" len="sm"/>
+          </a:ln>
+        </p:spPr>
+      </p:sp>
+    </p:spTree>
+    <p:extLst>
+      <p:ext uri="{BB962C8B-B14F-4D97-AF65-F5344CB8AC3E}">
+        <p14:creationId xmlns:p14="http://schemas.microsoft.com/office/powerpoint/2010/main" val="1348285227"/>
+      </p:ext>
+    </p:extLst>
+  </p:cSld>
+  <p:clrMapOvr>
+    <a:masterClrMapping/>
+  </p:clrMapOvr>
+</p:notes>
+</file>
+
+<file path=ppt/notesSlides/notesSlide12.xml><?xml version="1.0" encoding="utf-8"?>
+<p:notes xmlns:a="http://schemas.openxmlformats.org/drawingml/2006/main" xmlns:r="http://schemas.openxmlformats.org/officeDocument/2006/relationships" xmlns:p="http://schemas.openxmlformats.org/presentationml/2006/main" showMasterSp="0" showMasterPhAnim="0">
+  <p:cSld>
+    <p:spTree>
+      <p:nvGrpSpPr>
+        <p:cNvPr id="1" name="Shape 180">
+          <a:extLst>
+            <a:ext uri="{FF2B5EF4-FFF2-40B4-BE49-F238E27FC236}">
               <a16:creationId xmlns:a16="http://schemas.microsoft.com/office/drawing/2014/main" id="{334F656A-C7C1-18CB-361F-C8995BBC86D4}"/>
             </a:ext>
           </a:extLst>
@@ -10483,7 +11709,7 @@
 </p:notes>
 </file>
 
-<file path=ppt/notesSlides/notesSlide12.xml><?xml version="1.0" encoding="utf-8"?>
+<file path=ppt/notesSlides/notesSlide13.xml><?xml version="1.0" encoding="utf-8"?>
 <p:notes xmlns:a="http://schemas.openxmlformats.org/drawingml/2006/main" xmlns:r="http://schemas.openxmlformats.org/officeDocument/2006/relationships" xmlns:p="http://schemas.openxmlformats.org/presentationml/2006/main" showMasterSp="0" showMasterPhAnim="0">
   <p:cSld>
     <p:spTree>
@@ -10628,7 +11854,7 @@
 </p:notes>
 </file>
 
-<file path=ppt/notesSlides/notesSlide13.xml><?xml version="1.0" encoding="utf-8"?>
+<file path=ppt/notesSlides/notesSlide14.xml><?xml version="1.0" encoding="utf-8"?>
 <p:notes xmlns:a="http://schemas.openxmlformats.org/drawingml/2006/main" xmlns:r="http://schemas.openxmlformats.org/officeDocument/2006/relationships" xmlns:p="http://schemas.openxmlformats.org/presentationml/2006/main" showMasterSp="0" showMasterPhAnim="0">
   <p:cSld>
     <p:spTree>
@@ -11193,6 +12419,151 @@
         <p:cNvPr id="1" name="Shape 59">
           <a:extLst>
             <a:ext uri="{FF2B5EF4-FFF2-40B4-BE49-F238E27FC236}">
+              <a16:creationId xmlns:a16="http://schemas.microsoft.com/office/drawing/2014/main" id="{8D16FCA3-EE27-5860-A8A2-25A0AA81864D}"/>
+            </a:ext>
+          </a:extLst>
+        </p:cNvPr>
+        <p:cNvGrpSpPr/>
+        <p:nvPr/>
+      </p:nvGrpSpPr>
+      <p:grpSpPr>
+        <a:xfrm>
+          <a:off x="0" y="0"/>
+          <a:ext cx="0" cy="0"/>
+          <a:chOff x="0" y="0"/>
+          <a:chExt cx="0" cy="0"/>
+        </a:xfrm>
+      </p:grpSpPr>
+      <p:sp>
+        <p:nvSpPr>
+          <p:cNvPr id="60" name="Google Shape;60;g35318edb1a6_0_0:notes">
+            <a:extLst>
+              <a:ext uri="{FF2B5EF4-FFF2-40B4-BE49-F238E27FC236}">
+                <a16:creationId xmlns:a16="http://schemas.microsoft.com/office/drawing/2014/main" id="{A4CE7786-4786-F9C4-4978-77776FA8D203}"/>
+              </a:ext>
+            </a:extLst>
+          </p:cNvPr>
+          <p:cNvSpPr txBox="1">
+            <a:spLocks noGrp="1"/>
+          </p:cNvSpPr>
+          <p:nvPr>
+            <p:ph type="body" idx="1"/>
+          </p:nvPr>
+        </p:nvSpPr>
+        <p:spPr>
+          <a:xfrm>
+            <a:off x="679450" y="4714875"/>
+            <a:ext cx="5438700" cy="4467300"/>
+          </a:xfrm>
+          <a:prstGeom prst="rect">
+            <a:avLst/>
+          </a:prstGeom>
+          <a:noFill/>
+          <a:ln>
+            <a:noFill/>
+          </a:ln>
+        </p:spPr>
+        <p:txBody>
+          <a:bodyPr spcFirstLastPara="1" wrap="square" lIns="91425" tIns="45700" rIns="91425" bIns="45700" anchor="t" anchorCtr="0">
+            <a:noAutofit/>
+          </a:bodyPr>
+          <a:lstStyle/>
+          <a:p>
+            <a:pPr marL="0" lvl="0" indent="0" algn="l" rtl="0">
+              <a:lnSpc>
+                <a:spcPct val="100000"/>
+              </a:lnSpc>
+              <a:spcBef>
+                <a:spcPts val="360"/>
+              </a:spcBef>
+              <a:spcAft>
+                <a:spcPts val="0"/>
+              </a:spcAft>
+              <a:buSzPts val="1400"/>
+              <a:buNone/>
+            </a:pPr>
+            <a:endParaRPr/>
+          </a:p>
+        </p:txBody>
+      </p:sp>
+      <p:sp>
+        <p:nvSpPr>
+          <p:cNvPr id="61" name="Google Shape;61;g35318edb1a6_0_0:notes">
+            <a:extLst>
+              <a:ext uri="{FF2B5EF4-FFF2-40B4-BE49-F238E27FC236}">
+                <a16:creationId xmlns:a16="http://schemas.microsoft.com/office/drawing/2014/main" id="{461B5B3D-B421-A73E-E369-1FE62BA1422C}"/>
+              </a:ext>
+            </a:extLst>
+          </p:cNvPr>
+          <p:cNvSpPr>
+            <a:spLocks noGrp="1" noRot="1" noChangeAspect="1"/>
+          </p:cNvSpPr>
+          <p:nvPr>
+            <p:ph type="sldImg" idx="2"/>
+          </p:nvPr>
+        </p:nvSpPr>
+        <p:spPr>
+          <a:xfrm>
+            <a:off x="917575" y="744538"/>
+            <a:ext cx="4962525" cy="3722687"/>
+          </a:xfrm>
+          <a:custGeom>
+            <a:avLst/>
+            <a:gdLst/>
+            <a:ahLst/>
+            <a:cxnLst/>
+            <a:rect l="l" t="t" r="r" b="b"/>
+            <a:pathLst>
+              <a:path w="120000" h="120000" extrusionOk="0">
+                <a:moveTo>
+                  <a:pt x="0" y="0"/>
+                </a:moveTo>
+                <a:lnTo>
+                  <a:pt x="120000" y="0"/>
+                </a:lnTo>
+                <a:lnTo>
+                  <a:pt x="120000" y="120000"/>
+                </a:lnTo>
+                <a:lnTo>
+                  <a:pt x="0" y="120000"/>
+                </a:lnTo>
+                <a:close/>
+              </a:path>
+            </a:pathLst>
+          </a:custGeom>
+          <a:noFill/>
+          <a:ln w="12700" cap="flat" cmpd="sng">
+            <a:solidFill>
+              <a:srgbClr val="000000"/>
+            </a:solidFill>
+            <a:prstDash val="solid"/>
+            <a:round/>
+            <a:headEnd type="none" w="sm" len="sm"/>
+            <a:tailEnd type="none" w="sm" len="sm"/>
+          </a:ln>
+        </p:spPr>
+      </p:sp>
+    </p:spTree>
+    <p:extLst>
+      <p:ext uri="{BB962C8B-B14F-4D97-AF65-F5344CB8AC3E}">
+        <p14:creationId xmlns:p14="http://schemas.microsoft.com/office/powerpoint/2010/main" val="4124258342"/>
+      </p:ext>
+    </p:extLst>
+  </p:cSld>
+  <p:clrMapOvr>
+    <a:masterClrMapping/>
+  </p:clrMapOvr>
+</p:notes>
+</file>
+
+<file path=ppt/notesSlides/notesSlide6.xml><?xml version="1.0" encoding="utf-8"?>
+<p:notes xmlns:a="http://schemas.openxmlformats.org/drawingml/2006/main" xmlns:r="http://schemas.openxmlformats.org/officeDocument/2006/relationships" xmlns:p="http://schemas.openxmlformats.org/presentationml/2006/main" showMasterSp="0" showMasterPhAnim="0">
+  <p:cSld>
+    <p:spTree>
+      <p:nvGrpSpPr>
+        <p:cNvPr id="1" name="Shape 59">
+          <a:extLst>
+            <a:ext uri="{FF2B5EF4-FFF2-40B4-BE49-F238E27FC236}">
               <a16:creationId xmlns:a16="http://schemas.microsoft.com/office/drawing/2014/main" id="{5F00B6D7-CA0D-8890-D50D-921DD542DA35}"/>
             </a:ext>
           </a:extLst>
@@ -11330,7 +12701,7 @@
 </p:notes>
 </file>
 
-<file path=ppt/notesSlides/notesSlide6.xml><?xml version="1.0" encoding="utf-8"?>
+<file path=ppt/notesSlides/notesSlide7.xml><?xml version="1.0" encoding="utf-8"?>
 <p:notes xmlns:a="http://schemas.openxmlformats.org/drawingml/2006/main" xmlns:r="http://schemas.openxmlformats.org/officeDocument/2006/relationships" xmlns:p="http://schemas.openxmlformats.org/presentationml/2006/main" showMasterSp="0" showMasterPhAnim="0">
   <p:cSld>
     <p:spTree>
@@ -11475,7 +12846,7 @@
 </p:notes>
 </file>
 
-<file path=ppt/notesSlides/notesSlide7.xml><?xml version="1.0" encoding="utf-8"?>
+<file path=ppt/notesSlides/notesSlide8.xml><?xml version="1.0" encoding="utf-8"?>
 <p:notes xmlns:a="http://schemas.openxmlformats.org/drawingml/2006/main" xmlns:r="http://schemas.openxmlformats.org/officeDocument/2006/relationships" xmlns:p="http://schemas.openxmlformats.org/presentationml/2006/main" showMasterSp="0" showMasterPhAnim="0">
   <p:cSld>
     <p:spTree>
@@ -11620,7 +12991,7 @@
 </p:notes>
 </file>
 
-<file path=ppt/notesSlides/notesSlide8.xml><?xml version="1.0" encoding="utf-8"?>
+<file path=ppt/notesSlides/notesSlide9.xml><?xml version="1.0" encoding="utf-8"?>
 <p:notes xmlns:a="http://schemas.openxmlformats.org/drawingml/2006/main" xmlns:r="http://schemas.openxmlformats.org/officeDocument/2006/relationships" xmlns:p="http://schemas.openxmlformats.org/presentationml/2006/main" showMasterSp="0" showMasterPhAnim="0">
   <p:cSld>
     <p:spTree>
@@ -11756,151 +13127,6 @@
     <p:extLst>
       <p:ext uri="{BB962C8B-B14F-4D97-AF65-F5344CB8AC3E}">
         <p14:creationId xmlns:p14="http://schemas.microsoft.com/office/powerpoint/2010/main" val="1356286501"/>
-      </p:ext>
-    </p:extLst>
-  </p:cSld>
-  <p:clrMapOvr>
-    <a:masterClrMapping/>
-  </p:clrMapOvr>
-</p:notes>
-</file>
-
-<file path=ppt/notesSlides/notesSlide9.xml><?xml version="1.0" encoding="utf-8"?>
-<p:notes xmlns:a="http://schemas.openxmlformats.org/drawingml/2006/main" xmlns:r="http://schemas.openxmlformats.org/officeDocument/2006/relationships" xmlns:p="http://schemas.openxmlformats.org/presentationml/2006/main" showMasterSp="0" showMasterPhAnim="0">
-  <p:cSld>
-    <p:spTree>
-      <p:nvGrpSpPr>
-        <p:cNvPr id="1" name="Shape 180">
-          <a:extLst>
-            <a:ext uri="{FF2B5EF4-FFF2-40B4-BE49-F238E27FC236}">
-              <a16:creationId xmlns:a16="http://schemas.microsoft.com/office/drawing/2014/main" id="{E0AE39F8-3971-87CC-04A0-92E91C1936E0}"/>
-            </a:ext>
-          </a:extLst>
-        </p:cNvPr>
-        <p:cNvGrpSpPr/>
-        <p:nvPr/>
-      </p:nvGrpSpPr>
-      <p:grpSpPr>
-        <a:xfrm>
-          <a:off x="0" y="0"/>
-          <a:ext cx="0" cy="0"/>
-          <a:chOff x="0" y="0"/>
-          <a:chExt cx="0" cy="0"/>
-        </a:xfrm>
-      </p:grpSpPr>
-      <p:sp>
-        <p:nvSpPr>
-          <p:cNvPr id="181" name="Google Shape;181;p7:notes">
-            <a:extLst>
-              <a:ext uri="{FF2B5EF4-FFF2-40B4-BE49-F238E27FC236}">
-                <a16:creationId xmlns:a16="http://schemas.microsoft.com/office/drawing/2014/main" id="{D470E30C-EDD3-DAD7-09D8-1E43172FBFC3}"/>
-              </a:ext>
-            </a:extLst>
-          </p:cNvPr>
-          <p:cNvSpPr txBox="1">
-            <a:spLocks noGrp="1"/>
-          </p:cNvSpPr>
-          <p:nvPr>
-            <p:ph type="body" idx="1"/>
-          </p:nvPr>
-        </p:nvSpPr>
-        <p:spPr>
-          <a:xfrm>
-            <a:off x="679450" y="4714875"/>
-            <a:ext cx="5438700" cy="4467300"/>
-          </a:xfrm>
-          <a:prstGeom prst="rect">
-            <a:avLst/>
-          </a:prstGeom>
-          <a:noFill/>
-          <a:ln>
-            <a:noFill/>
-          </a:ln>
-        </p:spPr>
-        <p:txBody>
-          <a:bodyPr spcFirstLastPara="1" wrap="square" lIns="91425" tIns="45700" rIns="91425" bIns="45700" anchor="t" anchorCtr="0">
-            <a:noAutofit/>
-          </a:bodyPr>
-          <a:lstStyle/>
-          <a:p>
-            <a:pPr marL="0" lvl="0" indent="0" algn="l" rtl="0">
-              <a:lnSpc>
-                <a:spcPct val="100000"/>
-              </a:lnSpc>
-              <a:spcBef>
-                <a:spcPts val="360"/>
-              </a:spcBef>
-              <a:spcAft>
-                <a:spcPts val="0"/>
-              </a:spcAft>
-              <a:buSzPts val="1400"/>
-              <a:buNone/>
-            </a:pPr>
-            <a:endParaRPr/>
-          </a:p>
-        </p:txBody>
-      </p:sp>
-      <p:sp>
-        <p:nvSpPr>
-          <p:cNvPr id="182" name="Google Shape;182;p7:notes">
-            <a:extLst>
-              <a:ext uri="{FF2B5EF4-FFF2-40B4-BE49-F238E27FC236}">
-                <a16:creationId xmlns:a16="http://schemas.microsoft.com/office/drawing/2014/main" id="{22097153-E67C-537D-8A66-53A4EDDA0B35}"/>
-              </a:ext>
-            </a:extLst>
-          </p:cNvPr>
-          <p:cNvSpPr>
-            <a:spLocks noGrp="1" noRot="1" noChangeAspect="1"/>
-          </p:cNvSpPr>
-          <p:nvPr>
-            <p:ph type="sldImg" idx="2"/>
-          </p:nvPr>
-        </p:nvSpPr>
-        <p:spPr>
-          <a:xfrm>
-            <a:off x="917575" y="744538"/>
-            <a:ext cx="4962525" cy="3722687"/>
-          </a:xfrm>
-          <a:custGeom>
-            <a:avLst/>
-            <a:gdLst/>
-            <a:ahLst/>
-            <a:cxnLst/>
-            <a:rect l="l" t="t" r="r" b="b"/>
-            <a:pathLst>
-              <a:path w="120000" h="120000" extrusionOk="0">
-                <a:moveTo>
-                  <a:pt x="0" y="0"/>
-                </a:moveTo>
-                <a:lnTo>
-                  <a:pt x="120000" y="0"/>
-                </a:lnTo>
-                <a:lnTo>
-                  <a:pt x="120000" y="120000"/>
-                </a:lnTo>
-                <a:lnTo>
-                  <a:pt x="0" y="120000"/>
-                </a:lnTo>
-                <a:close/>
-              </a:path>
-            </a:pathLst>
-          </a:custGeom>
-          <a:noFill/>
-          <a:ln w="12700" cap="flat" cmpd="sng">
-            <a:solidFill>
-              <a:srgbClr val="000000"/>
-            </a:solidFill>
-            <a:prstDash val="solid"/>
-            <a:round/>
-            <a:headEnd type="none" w="sm" len="sm"/>
-            <a:tailEnd type="none" w="sm" len="sm"/>
-          </a:ln>
-        </p:spPr>
-      </p:sp>
-    </p:spTree>
-    <p:extLst>
-      <p:ext uri="{BB962C8B-B14F-4D97-AF65-F5344CB8AC3E}">
-        <p14:creationId xmlns:p14="http://schemas.microsoft.com/office/powerpoint/2010/main" val="1348285227"/>
       </p:ext>
     </p:extLst>
   </p:cSld>
@@ -18673,2462 +19899,6 @@
 </file>
 
 <file path=ppt/slides/slide11.xml><?xml version="1.0" encoding="utf-8"?>
-<p:sld xmlns:a="http://schemas.openxmlformats.org/drawingml/2006/main" xmlns:r="http://schemas.openxmlformats.org/officeDocument/2006/relationships" xmlns:p="http://schemas.openxmlformats.org/presentationml/2006/main">
-  <p:cSld>
-    <p:spTree>
-      <p:nvGrpSpPr>
-        <p:cNvPr id="1" name="Shape 183">
-          <a:extLst>
-            <a:ext uri="{FF2B5EF4-FFF2-40B4-BE49-F238E27FC236}">
-              <a16:creationId xmlns:a16="http://schemas.microsoft.com/office/drawing/2014/main" id="{0B895FD6-1D1C-B6EA-77E9-A897BBAAACF2}"/>
-            </a:ext>
-          </a:extLst>
-        </p:cNvPr>
-        <p:cNvGrpSpPr/>
-        <p:nvPr/>
-      </p:nvGrpSpPr>
-      <p:grpSpPr>
-        <a:xfrm>
-          <a:off x="0" y="0"/>
-          <a:ext cx="0" cy="0"/>
-          <a:chOff x="0" y="0"/>
-          <a:chExt cx="0" cy="0"/>
-        </a:xfrm>
-      </p:grpSpPr>
-      <p:sp>
-        <p:nvSpPr>
-          <p:cNvPr id="184" name="Google Shape;184;p7">
-            <a:extLst>
-              <a:ext uri="{FF2B5EF4-FFF2-40B4-BE49-F238E27FC236}">
-                <a16:creationId xmlns:a16="http://schemas.microsoft.com/office/drawing/2014/main" id="{3C8FAC79-7FFD-1393-7F1B-DC14422689F0}"/>
-              </a:ext>
-            </a:extLst>
-          </p:cNvPr>
-          <p:cNvSpPr txBox="1">
-            <a:spLocks noGrp="1"/>
-          </p:cNvSpPr>
-          <p:nvPr>
-            <p:ph type="title"/>
-          </p:nvPr>
-        </p:nvSpPr>
-        <p:spPr>
-          <a:xfrm>
-            <a:off x="544513" y="115888"/>
-            <a:ext cx="7699500" cy="649200"/>
-          </a:xfrm>
-          <a:prstGeom prst="rect">
-            <a:avLst/>
-          </a:prstGeom>
-          <a:noFill/>
-          <a:ln>
-            <a:noFill/>
-          </a:ln>
-        </p:spPr>
-        <p:txBody>
-          <a:bodyPr spcFirstLastPara="1" wrap="square" lIns="0" tIns="45700" rIns="91425" bIns="45700" anchor="b" anchorCtr="0">
-            <a:noAutofit/>
-          </a:bodyPr>
-          <a:lstStyle/>
-          <a:p>
-            <a:pPr marL="0" lvl="0" indent="0" algn="l" rtl="0">
-              <a:lnSpc>
-                <a:spcPct val="100000"/>
-              </a:lnSpc>
-              <a:spcBef>
-                <a:spcPts val="0"/>
-              </a:spcBef>
-              <a:spcAft>
-                <a:spcPts val="0"/>
-              </a:spcAft>
-              <a:buSzPts val="1400"/>
-              <a:buNone/>
-            </a:pPr>
-            <a:r>
-              <a:rPr lang="en-US" dirty="0"/>
-              <a:t>Original 3D-DRAM Die</a:t>
-            </a:r>
-            <a:endParaRPr dirty="0"/>
-          </a:p>
-        </p:txBody>
-      </p:sp>
-      <p:pic>
-        <p:nvPicPr>
-          <p:cNvPr id="3" name="圖片 2">
-            <a:extLst>
-              <a:ext uri="{FF2B5EF4-FFF2-40B4-BE49-F238E27FC236}">
-                <a16:creationId xmlns:a16="http://schemas.microsoft.com/office/drawing/2014/main" id="{D5495B9A-6481-92AA-DAA9-77B43054E685}"/>
-              </a:ext>
-            </a:extLst>
-          </p:cNvPr>
-          <p:cNvPicPr>
-            <a:picLocks noChangeAspect="1"/>
-          </p:cNvPicPr>
-          <p:nvPr/>
-        </p:nvPicPr>
-        <p:blipFill>
-          <a:blip r:embed="rId3"/>
-          <a:stretch>
-            <a:fillRect/>
-          </a:stretch>
-        </p:blipFill>
-        <p:spPr>
-          <a:xfrm>
-            <a:off x="180794" y="1367246"/>
-            <a:ext cx="8782411" cy="4848222"/>
-          </a:xfrm>
-          <a:prstGeom prst="rect">
-            <a:avLst/>
-          </a:prstGeom>
-        </p:spPr>
-      </p:pic>
-    </p:spTree>
-    <p:extLst>
-      <p:ext uri="{BB962C8B-B14F-4D97-AF65-F5344CB8AC3E}">
-        <p14:creationId xmlns:p14="http://schemas.microsoft.com/office/powerpoint/2010/main" val="1908090360"/>
-      </p:ext>
-    </p:extLst>
-  </p:cSld>
-  <p:clrMapOvr>
-    <a:masterClrMapping/>
-  </p:clrMapOvr>
-</p:sld>
-</file>
-
-<file path=ppt/slides/slide12.xml><?xml version="1.0" encoding="utf-8"?>
-<p:sld xmlns:a="http://schemas.openxmlformats.org/drawingml/2006/main" xmlns:r="http://schemas.openxmlformats.org/officeDocument/2006/relationships" xmlns:p="http://schemas.openxmlformats.org/presentationml/2006/main">
-  <p:cSld>
-    <p:spTree>
-      <p:nvGrpSpPr>
-        <p:cNvPr id="1" name="Shape 183">
-          <a:extLst>
-            <a:ext uri="{FF2B5EF4-FFF2-40B4-BE49-F238E27FC236}">
-              <a16:creationId xmlns:a16="http://schemas.microsoft.com/office/drawing/2014/main" id="{963AFD96-6A53-80D1-8725-9D63EF7FA5F1}"/>
-            </a:ext>
-          </a:extLst>
-        </p:cNvPr>
-        <p:cNvGrpSpPr/>
-        <p:nvPr/>
-      </p:nvGrpSpPr>
-      <p:grpSpPr>
-        <a:xfrm>
-          <a:off x="0" y="0"/>
-          <a:ext cx="0" cy="0"/>
-          <a:chOff x="0" y="0"/>
-          <a:chExt cx="0" cy="0"/>
-        </a:xfrm>
-      </p:grpSpPr>
-      <p:sp>
-        <p:nvSpPr>
-          <p:cNvPr id="184" name="Google Shape;184;p7">
-            <a:extLst>
-              <a:ext uri="{FF2B5EF4-FFF2-40B4-BE49-F238E27FC236}">
-                <a16:creationId xmlns:a16="http://schemas.microsoft.com/office/drawing/2014/main" id="{D805F054-16B8-2E37-4010-493FF95BDE1F}"/>
-              </a:ext>
-            </a:extLst>
-          </p:cNvPr>
-          <p:cNvSpPr txBox="1">
-            <a:spLocks noGrp="1"/>
-          </p:cNvSpPr>
-          <p:nvPr>
-            <p:ph type="title"/>
-          </p:nvPr>
-        </p:nvSpPr>
-        <p:spPr>
-          <a:xfrm>
-            <a:off x="544513" y="115888"/>
-            <a:ext cx="7699500" cy="649200"/>
-          </a:xfrm>
-          <a:prstGeom prst="rect">
-            <a:avLst/>
-          </a:prstGeom>
-          <a:noFill/>
-          <a:ln>
-            <a:noFill/>
-          </a:ln>
-        </p:spPr>
-        <p:txBody>
-          <a:bodyPr spcFirstLastPara="1" wrap="square" lIns="0" tIns="45700" rIns="91425" bIns="45700" anchor="b" anchorCtr="0">
-            <a:noAutofit/>
-          </a:bodyPr>
-          <a:lstStyle/>
-          <a:p>
-            <a:pPr marL="0" lvl="0" indent="0" algn="l" rtl="0">
-              <a:lnSpc>
-                <a:spcPct val="100000"/>
-              </a:lnSpc>
-              <a:spcBef>
-                <a:spcPts val="0"/>
-              </a:spcBef>
-              <a:spcAft>
-                <a:spcPts val="0"/>
-              </a:spcAft>
-              <a:buSzPts val="1400"/>
-              <a:buNone/>
-            </a:pPr>
-            <a:r>
-              <a:rPr lang="en-US" dirty="0"/>
-              <a:t>3D-DRAM Die Modification</a:t>
-            </a:r>
-            <a:endParaRPr dirty="0"/>
-          </a:p>
-        </p:txBody>
-      </p:sp>
-      <p:pic>
-        <p:nvPicPr>
-          <p:cNvPr id="6" name="圖片 5">
-            <a:extLst>
-              <a:ext uri="{FF2B5EF4-FFF2-40B4-BE49-F238E27FC236}">
-                <a16:creationId xmlns:a16="http://schemas.microsoft.com/office/drawing/2014/main" id="{40F2F99F-E32E-7E9D-7BE4-2953AE44022E}"/>
-              </a:ext>
-            </a:extLst>
-          </p:cNvPr>
-          <p:cNvPicPr>
-            <a:picLocks noChangeAspect="1"/>
-          </p:cNvPicPr>
-          <p:nvPr/>
-        </p:nvPicPr>
-        <p:blipFill>
-          <a:blip r:embed="rId3"/>
-          <a:stretch>
-            <a:fillRect/>
-          </a:stretch>
-        </p:blipFill>
-        <p:spPr>
-          <a:xfrm>
-            <a:off x="102600" y="1280159"/>
-            <a:ext cx="8938800" cy="5042263"/>
-          </a:xfrm>
-          <a:prstGeom prst="rect">
-            <a:avLst/>
-          </a:prstGeom>
-        </p:spPr>
-      </p:pic>
-    </p:spTree>
-    <p:extLst>
-      <p:ext uri="{BB962C8B-B14F-4D97-AF65-F5344CB8AC3E}">
-        <p14:creationId xmlns:p14="http://schemas.microsoft.com/office/powerpoint/2010/main" val="3777710963"/>
-      </p:ext>
-    </p:extLst>
-  </p:cSld>
-  <p:clrMapOvr>
-    <a:masterClrMapping/>
-  </p:clrMapOvr>
-</p:sld>
-</file>
-
-<file path=ppt/slides/slide13.xml><?xml version="1.0" encoding="utf-8"?>
-<p:sld xmlns:a="http://schemas.openxmlformats.org/drawingml/2006/main" xmlns:r="http://schemas.openxmlformats.org/officeDocument/2006/relationships" xmlns:p="http://schemas.openxmlformats.org/presentationml/2006/main">
-  <p:cSld>
-    <p:spTree>
-      <p:nvGrpSpPr>
-        <p:cNvPr id="1" name="Shape 183">
-          <a:extLst>
-            <a:ext uri="{FF2B5EF4-FFF2-40B4-BE49-F238E27FC236}">
-              <a16:creationId xmlns:a16="http://schemas.microsoft.com/office/drawing/2014/main" id="{4947B9AA-CA10-B0DC-87B3-4CDF022B6B6C}"/>
-            </a:ext>
-          </a:extLst>
-        </p:cNvPr>
-        <p:cNvGrpSpPr/>
-        <p:nvPr/>
-      </p:nvGrpSpPr>
-      <p:grpSpPr>
-        <a:xfrm>
-          <a:off x="0" y="0"/>
-          <a:ext cx="0" cy="0"/>
-          <a:chOff x="0" y="0"/>
-          <a:chExt cx="0" cy="0"/>
-        </a:xfrm>
-      </p:grpSpPr>
-      <p:sp>
-        <p:nvSpPr>
-          <p:cNvPr id="184" name="Google Shape;184;p7">
-            <a:extLst>
-              <a:ext uri="{FF2B5EF4-FFF2-40B4-BE49-F238E27FC236}">
-                <a16:creationId xmlns:a16="http://schemas.microsoft.com/office/drawing/2014/main" id="{2AF44B2A-C11C-F304-9748-54AD0579BCC8}"/>
-              </a:ext>
-            </a:extLst>
-          </p:cNvPr>
-          <p:cNvSpPr txBox="1">
-            <a:spLocks noGrp="1"/>
-          </p:cNvSpPr>
-          <p:nvPr>
-            <p:ph type="title"/>
-          </p:nvPr>
-        </p:nvSpPr>
-        <p:spPr>
-          <a:xfrm>
-            <a:off x="544513" y="115888"/>
-            <a:ext cx="7699500" cy="649200"/>
-          </a:xfrm>
-          <a:prstGeom prst="rect">
-            <a:avLst/>
-          </a:prstGeom>
-          <a:noFill/>
-          <a:ln>
-            <a:noFill/>
-          </a:ln>
-        </p:spPr>
-        <p:txBody>
-          <a:bodyPr spcFirstLastPara="1" wrap="square" lIns="0" tIns="45700" rIns="91425" bIns="45700" anchor="b" anchorCtr="0">
-            <a:noAutofit/>
-          </a:bodyPr>
-          <a:lstStyle/>
-          <a:p>
-            <a:pPr marL="0" lvl="0" indent="0" algn="l" rtl="0">
-              <a:lnSpc>
-                <a:spcPct val="100000"/>
-              </a:lnSpc>
-              <a:spcBef>
-                <a:spcPts val="0"/>
-              </a:spcBef>
-              <a:spcAft>
-                <a:spcPts val="0"/>
-              </a:spcAft>
-              <a:buSzPts val="1400"/>
-              <a:buNone/>
-            </a:pPr>
-            <a:r>
-              <a:rPr lang="en-US" dirty="0"/>
-              <a:t>Reference</a:t>
-            </a:r>
-            <a:endParaRPr dirty="0"/>
-          </a:p>
-        </p:txBody>
-      </p:sp>
-      <p:sp>
-        <p:nvSpPr>
-          <p:cNvPr id="3" name="Google Shape;509;p89">
-            <a:extLst>
-              <a:ext uri="{FF2B5EF4-FFF2-40B4-BE49-F238E27FC236}">
-                <a16:creationId xmlns:a16="http://schemas.microsoft.com/office/drawing/2014/main" id="{E9F4CF19-FF35-63BF-81C6-37361815E653}"/>
-              </a:ext>
-            </a:extLst>
-          </p:cNvPr>
-          <p:cNvSpPr txBox="1"/>
-          <p:nvPr/>
-        </p:nvSpPr>
-        <p:spPr>
-          <a:xfrm>
-            <a:off x="471605" y="955722"/>
-            <a:ext cx="8024324" cy="1200288"/>
-          </a:xfrm>
-          <a:prstGeom prst="rect">
-            <a:avLst/>
-          </a:prstGeom>
-          <a:noFill/>
-          <a:ln>
-            <a:noFill/>
-          </a:ln>
-        </p:spPr>
-        <p:txBody>
-          <a:bodyPr spcFirstLastPara="1" wrap="square" lIns="91425" tIns="45700" rIns="91425" bIns="45700" anchor="t" anchorCtr="0">
-            <a:spAutoFit/>
-          </a:bodyPr>
-          <a:lstStyle/>
-          <a:p>
-            <a:pPr marL="0" marR="0" lvl="0" indent="0" algn="l" rtl="0">
-              <a:spcBef>
-                <a:spcPts val="0"/>
-              </a:spcBef>
-              <a:spcAft>
-                <a:spcPts val="0"/>
-              </a:spcAft>
-              <a:buNone/>
-            </a:pPr>
-            <a:r>
-              <a:rPr lang="en-US" sz="1800" dirty="0">
-                <a:solidFill>
-                  <a:schemeClr val="dk1"/>
-                </a:solidFill>
-                <a:latin typeface="Calibri"/>
-                <a:ea typeface="Calibri"/>
-                <a:cs typeface="Calibri"/>
-                <a:sym typeface="Calibri"/>
-              </a:rPr>
-              <a:t>[1] I. </a:t>
-            </a:r>
-            <a:r>
-              <a:rPr lang="en-US" sz="1800" dirty="0" err="1">
-                <a:solidFill>
-                  <a:schemeClr val="dk1"/>
-                </a:solidFill>
-                <a:latin typeface="Calibri"/>
-                <a:ea typeface="Calibri"/>
-                <a:cs typeface="Calibri"/>
-                <a:sym typeface="Calibri"/>
-              </a:rPr>
-              <a:t>Bhati</a:t>
-            </a:r>
-            <a:r>
-              <a:rPr lang="en-US" sz="1800" dirty="0">
-                <a:solidFill>
-                  <a:schemeClr val="dk1"/>
-                </a:solidFill>
-                <a:latin typeface="Calibri"/>
-                <a:ea typeface="Calibri"/>
-                <a:cs typeface="Calibri"/>
-                <a:sym typeface="Calibri"/>
-              </a:rPr>
-              <a:t>, Z. Chishti, S.-L. Lu, and B. L. Jacob, "Flexible Auto-Refresh: Enabling Scalable and Energy-Efficient DRAM Refresh Reductions," in </a:t>
-            </a:r>
-            <a:r>
-              <a:rPr lang="en-US" sz="1800" i="1" dirty="0">
-                <a:solidFill>
-                  <a:schemeClr val="dk1"/>
-                </a:solidFill>
-                <a:latin typeface="Calibri"/>
-                <a:ea typeface="Calibri"/>
-                <a:cs typeface="Calibri"/>
-                <a:sym typeface="Calibri"/>
-              </a:rPr>
-              <a:t>Proceedings of the 42nd Annual International Symposium on Computer Architecture (ISCA)</a:t>
-            </a:r>
-            <a:r>
-              <a:rPr lang="en-US" sz="1800" dirty="0">
-                <a:solidFill>
-                  <a:schemeClr val="dk1"/>
-                </a:solidFill>
-                <a:latin typeface="Calibri"/>
-                <a:ea typeface="Calibri"/>
-                <a:cs typeface="Calibri"/>
-                <a:sym typeface="Calibri"/>
-              </a:rPr>
-              <a:t>, Portland, OR, USA, June 2015</a:t>
-            </a:r>
-            <a:endParaRPr dirty="0"/>
-          </a:p>
-        </p:txBody>
-      </p:sp>
-    </p:spTree>
-    <p:extLst>
-      <p:ext uri="{BB962C8B-B14F-4D97-AF65-F5344CB8AC3E}">
-        <p14:creationId xmlns:p14="http://schemas.microsoft.com/office/powerpoint/2010/main" val="2466767213"/>
-      </p:ext>
-    </p:extLst>
-  </p:cSld>
-  <p:clrMapOvr>
-    <a:masterClrMapping/>
-  </p:clrMapOvr>
-</p:sld>
-</file>
-
-<file path=ppt/slides/slide2.xml><?xml version="1.0" encoding="utf-8"?>
-<p:sld xmlns:a="http://schemas.openxmlformats.org/drawingml/2006/main" xmlns:r="http://schemas.openxmlformats.org/officeDocument/2006/relationships" xmlns:p="http://schemas.openxmlformats.org/presentationml/2006/main">
-  <p:cSld>
-    <p:spTree>
-      <p:nvGrpSpPr>
-        <p:cNvPr id="1" name="Shape 62"/>
-        <p:cNvGrpSpPr/>
-        <p:nvPr/>
-      </p:nvGrpSpPr>
-      <p:grpSpPr>
-        <a:xfrm>
-          <a:off x="0" y="0"/>
-          <a:ext cx="0" cy="0"/>
-          <a:chOff x="0" y="0"/>
-          <a:chExt cx="0" cy="0"/>
-        </a:xfrm>
-      </p:grpSpPr>
-      <p:sp>
-        <p:nvSpPr>
-          <p:cNvPr id="63" name="Google Shape;63;g35318edb1a6_0_0"/>
-          <p:cNvSpPr txBox="1">
-            <a:spLocks noGrp="1"/>
-          </p:cNvSpPr>
-          <p:nvPr>
-            <p:ph type="title"/>
-          </p:nvPr>
-        </p:nvSpPr>
-        <p:spPr>
-          <a:xfrm>
-            <a:off x="544513" y="115888"/>
-            <a:ext cx="7699500" cy="649200"/>
-          </a:xfrm>
-          <a:prstGeom prst="rect">
-            <a:avLst/>
-          </a:prstGeom>
-          <a:noFill/>
-          <a:ln>
-            <a:noFill/>
-          </a:ln>
-        </p:spPr>
-        <p:txBody>
-          <a:bodyPr spcFirstLastPara="1" wrap="square" lIns="0" tIns="45700" rIns="91425" bIns="45700" anchor="b" anchorCtr="0">
-            <a:noAutofit/>
-          </a:bodyPr>
-          <a:lstStyle/>
-          <a:p>
-            <a:pPr marL="0" lvl="0" indent="0" algn="l" rtl="0">
-              <a:lnSpc>
-                <a:spcPct val="100000"/>
-              </a:lnSpc>
-              <a:spcBef>
-                <a:spcPts val="0"/>
-              </a:spcBef>
-              <a:spcAft>
-                <a:spcPts val="0"/>
-              </a:spcAft>
-              <a:buSzPts val="1400"/>
-              <a:buNone/>
-            </a:pPr>
-            <a:r>
-              <a:rPr lang="en-US"/>
-              <a:t>Recent Progress</a:t>
-            </a:r>
-            <a:endParaRPr/>
-          </a:p>
-        </p:txBody>
-      </p:sp>
-      <p:sp>
-        <p:nvSpPr>
-          <p:cNvPr id="65" name="Google Shape;65;g35318edb1a6_0_0"/>
-          <p:cNvSpPr txBox="1"/>
-          <p:nvPr/>
-        </p:nvSpPr>
-        <p:spPr>
-          <a:xfrm>
-            <a:off x="252082" y="2240101"/>
-            <a:ext cx="8423700" cy="934992"/>
-          </a:xfrm>
-          <a:prstGeom prst="rect">
-            <a:avLst/>
-          </a:prstGeom>
-          <a:noFill/>
-          <a:ln>
-            <a:noFill/>
-          </a:ln>
-        </p:spPr>
-        <p:txBody>
-          <a:bodyPr spcFirstLastPara="1" wrap="square" lIns="91425" tIns="45700" rIns="91425" bIns="45700" anchor="t" anchorCtr="0">
-            <a:noAutofit/>
-          </a:bodyPr>
-          <a:lstStyle/>
-          <a:p>
-            <a:pPr marL="457200" marR="0" lvl="0" indent="-391160" algn="l" rtl="0">
-              <a:lnSpc>
-                <a:spcPct val="90000"/>
-              </a:lnSpc>
-              <a:spcBef>
-                <a:spcPts val="640"/>
-              </a:spcBef>
-              <a:spcAft>
-                <a:spcPts val="0"/>
-              </a:spcAft>
-              <a:buClr>
-                <a:srgbClr val="D60093"/>
-              </a:buClr>
-              <a:buSzPts val="2560"/>
-              <a:buFont typeface="Noto Sans Symbols"/>
-              <a:buChar char="■"/>
-            </a:pPr>
-            <a:r>
-              <a:rPr lang="en-US" sz="2800" dirty="0">
-                <a:solidFill>
-                  <a:srgbClr val="333333"/>
-                </a:solidFill>
-                <a:highlight>
-                  <a:srgbClr val="FFFFFF"/>
-                </a:highlight>
-              </a:rPr>
-              <a:t>Add the description of modification to DRAM logic Die for WUPR </a:t>
-            </a:r>
-            <a:endParaRPr sz="2800" b="0" i="0" u="none" strike="noStrike" cap="none" dirty="0">
-              <a:solidFill>
-                <a:srgbClr val="333333"/>
-              </a:solidFill>
-              <a:highlight>
-                <a:srgbClr val="FFFFFF"/>
-              </a:highlight>
-              <a:latin typeface="Arial"/>
-              <a:ea typeface="Arial"/>
-              <a:cs typeface="Arial"/>
-              <a:sym typeface="Arial"/>
-            </a:endParaRPr>
-          </a:p>
-          <a:p>
-            <a:pPr marL="457200" marR="0" lvl="0" indent="0" algn="l" rtl="0">
-              <a:lnSpc>
-                <a:spcPct val="90000"/>
-              </a:lnSpc>
-              <a:spcBef>
-                <a:spcPts val="640"/>
-              </a:spcBef>
-              <a:spcAft>
-                <a:spcPts val="0"/>
-              </a:spcAft>
-              <a:buClr>
-                <a:srgbClr val="000000"/>
-              </a:buClr>
-              <a:buSzPts val="2800"/>
-              <a:buFont typeface="Arial"/>
-              <a:buNone/>
-            </a:pPr>
-            <a:endParaRPr sz="2800" b="0" i="0" u="none" strike="noStrike" cap="none" dirty="0">
-              <a:solidFill>
-                <a:srgbClr val="333333"/>
-              </a:solidFill>
-              <a:highlight>
-                <a:srgbClr val="FFFFFF"/>
-              </a:highlight>
-              <a:latin typeface="Arial"/>
-              <a:ea typeface="Arial"/>
-              <a:cs typeface="Arial"/>
-              <a:sym typeface="Arial"/>
-            </a:endParaRPr>
-          </a:p>
-          <a:p>
-            <a:pPr marL="457200" marR="0" lvl="0" indent="0" algn="l" rtl="0">
-              <a:lnSpc>
-                <a:spcPct val="90000"/>
-              </a:lnSpc>
-              <a:spcBef>
-                <a:spcPts val="640"/>
-              </a:spcBef>
-              <a:spcAft>
-                <a:spcPts val="0"/>
-              </a:spcAft>
-              <a:buClr>
-                <a:srgbClr val="000000"/>
-              </a:buClr>
-              <a:buSzPts val="2800"/>
-              <a:buFont typeface="Arial"/>
-              <a:buNone/>
-            </a:pPr>
-            <a:endParaRPr sz="2800" b="0" i="0" u="none" strike="noStrike" cap="none" dirty="0">
-              <a:solidFill>
-                <a:srgbClr val="333333"/>
-              </a:solidFill>
-              <a:highlight>
-                <a:srgbClr val="FFFFFF"/>
-              </a:highlight>
-              <a:latin typeface="Arial"/>
-              <a:ea typeface="Arial"/>
-              <a:cs typeface="Arial"/>
-              <a:sym typeface="Arial"/>
-            </a:endParaRPr>
-          </a:p>
-          <a:p>
-            <a:pPr marL="0" marR="0" lvl="0" indent="0" algn="l" rtl="0">
-              <a:lnSpc>
-                <a:spcPct val="90000"/>
-              </a:lnSpc>
-              <a:spcBef>
-                <a:spcPts val="640"/>
-              </a:spcBef>
-              <a:spcAft>
-                <a:spcPts val="0"/>
-              </a:spcAft>
-              <a:buClr>
-                <a:srgbClr val="000000"/>
-              </a:buClr>
-              <a:buSzPts val="2800"/>
-              <a:buFont typeface="Arial"/>
-              <a:buNone/>
-            </a:pPr>
-            <a:endParaRPr sz="2800" b="0" i="0" u="none" strike="noStrike" cap="none" dirty="0">
-              <a:solidFill>
-                <a:srgbClr val="333333"/>
-              </a:solidFill>
-              <a:highlight>
-                <a:srgbClr val="FFFFFF"/>
-              </a:highlight>
-              <a:latin typeface="Arial"/>
-              <a:ea typeface="Arial"/>
-              <a:cs typeface="Arial"/>
-              <a:sym typeface="Arial"/>
-            </a:endParaRPr>
-          </a:p>
-          <a:p>
-            <a:pPr marL="0" marR="0" lvl="0" indent="0" algn="l" rtl="0">
-              <a:lnSpc>
-                <a:spcPct val="90000"/>
-              </a:lnSpc>
-              <a:spcBef>
-                <a:spcPts val="640"/>
-              </a:spcBef>
-              <a:spcAft>
-                <a:spcPts val="0"/>
-              </a:spcAft>
-              <a:buClr>
-                <a:srgbClr val="000000"/>
-              </a:buClr>
-              <a:buSzPts val="2800"/>
-              <a:buFont typeface="Arial"/>
-              <a:buNone/>
-            </a:pPr>
-            <a:endParaRPr sz="2800" b="0" i="0" u="none" strike="noStrike" cap="none" dirty="0">
-              <a:solidFill>
-                <a:srgbClr val="333333"/>
-              </a:solidFill>
-              <a:highlight>
-                <a:srgbClr val="FFFFFF"/>
-              </a:highlight>
-              <a:latin typeface="Arial"/>
-              <a:ea typeface="Arial"/>
-              <a:cs typeface="Arial"/>
-              <a:sym typeface="Arial"/>
-            </a:endParaRPr>
-          </a:p>
-          <a:p>
-            <a:pPr marL="0" marR="0" lvl="0" indent="0" algn="l" rtl="0">
-              <a:lnSpc>
-                <a:spcPct val="90000"/>
-              </a:lnSpc>
-              <a:spcBef>
-                <a:spcPts val="640"/>
-              </a:spcBef>
-              <a:spcAft>
-                <a:spcPts val="0"/>
-              </a:spcAft>
-              <a:buClr>
-                <a:srgbClr val="000000"/>
-              </a:buClr>
-              <a:buSzPts val="2800"/>
-              <a:buFont typeface="Arial"/>
-              <a:buNone/>
-            </a:pPr>
-            <a:r>
-              <a:rPr lang="en-US" sz="2800" b="0" i="0" u="none" strike="noStrike" cap="none" dirty="0">
-                <a:solidFill>
-                  <a:srgbClr val="333333"/>
-                </a:solidFill>
-                <a:highlight>
-                  <a:srgbClr val="FFFFFF"/>
-                </a:highlight>
-                <a:latin typeface="Arial"/>
-                <a:ea typeface="Arial"/>
-                <a:cs typeface="Arial"/>
-                <a:sym typeface="Arial"/>
-              </a:rPr>
-              <a:t>	</a:t>
-            </a:r>
-            <a:endParaRPr sz="2800" b="0" i="0" u="none" strike="noStrike" cap="none" dirty="0">
-              <a:solidFill>
-                <a:srgbClr val="333333"/>
-              </a:solidFill>
-              <a:highlight>
-                <a:srgbClr val="FFFFFF"/>
-              </a:highlight>
-              <a:latin typeface="Arial"/>
-              <a:ea typeface="Arial"/>
-              <a:cs typeface="Arial"/>
-              <a:sym typeface="Arial"/>
-            </a:endParaRPr>
-          </a:p>
-          <a:p>
-            <a:pPr marL="66040" marR="0" lvl="0" indent="0" algn="l" rtl="0">
-              <a:lnSpc>
-                <a:spcPct val="90000"/>
-              </a:lnSpc>
-              <a:spcBef>
-                <a:spcPts val="640"/>
-              </a:spcBef>
-              <a:spcAft>
-                <a:spcPts val="0"/>
-              </a:spcAft>
-              <a:buClr>
-                <a:srgbClr val="000000"/>
-              </a:buClr>
-              <a:buSzPts val="2800"/>
-              <a:buFont typeface="Arial"/>
-              <a:buNone/>
-            </a:pPr>
-            <a:endParaRPr sz="2800" b="0" i="0" u="none" strike="noStrike" cap="none" dirty="0">
-              <a:solidFill>
-                <a:srgbClr val="333333"/>
-              </a:solidFill>
-              <a:highlight>
-                <a:srgbClr val="FFFFFF"/>
-              </a:highlight>
-              <a:latin typeface="Arial"/>
-              <a:ea typeface="Arial"/>
-              <a:cs typeface="Arial"/>
-              <a:sym typeface="Arial"/>
-            </a:endParaRPr>
-          </a:p>
-        </p:txBody>
-      </p:sp>
-      <p:sp>
-        <p:nvSpPr>
-          <p:cNvPr id="3" name="Google Shape;65;g35318edb1a6_0_0">
-            <a:extLst>
-              <a:ext uri="{FF2B5EF4-FFF2-40B4-BE49-F238E27FC236}">
-                <a16:creationId xmlns:a16="http://schemas.microsoft.com/office/drawing/2014/main" id="{81530426-663E-8423-96B7-EEE68DA17F29}"/>
-              </a:ext>
-            </a:extLst>
-          </p:cNvPr>
-          <p:cNvSpPr txBox="1"/>
-          <p:nvPr/>
-        </p:nvSpPr>
-        <p:spPr>
-          <a:xfrm>
-            <a:off x="252082" y="1076054"/>
-            <a:ext cx="8423700" cy="1144632"/>
-          </a:xfrm>
-          <a:prstGeom prst="rect">
-            <a:avLst/>
-          </a:prstGeom>
-          <a:noFill/>
-          <a:ln>
-            <a:noFill/>
-          </a:ln>
-        </p:spPr>
-        <p:txBody>
-          <a:bodyPr spcFirstLastPara="1" wrap="square" lIns="91425" tIns="45700" rIns="91425" bIns="45700" anchor="t" anchorCtr="0">
-            <a:noAutofit/>
-          </a:bodyPr>
-          <a:lstStyle/>
-          <a:p>
-            <a:pPr marL="457200" marR="0" lvl="0" indent="-391160" algn="l" rtl="0">
-              <a:lnSpc>
-                <a:spcPct val="90000"/>
-              </a:lnSpc>
-              <a:spcBef>
-                <a:spcPts val="640"/>
-              </a:spcBef>
-              <a:spcAft>
-                <a:spcPts val="0"/>
-              </a:spcAft>
-              <a:buClr>
-                <a:srgbClr val="D60093"/>
-              </a:buClr>
-              <a:buSzPts val="2560"/>
-              <a:buFont typeface="Noto Sans Symbols"/>
-              <a:buChar char="■"/>
-            </a:pPr>
-            <a:r>
-              <a:rPr lang="en-US" sz="2800" b="0" i="0" u="none" strike="noStrike" cap="none" dirty="0">
-                <a:solidFill>
-                  <a:srgbClr val="333333"/>
-                </a:solidFill>
-                <a:highlight>
-                  <a:srgbClr val="FFFFFF"/>
-                </a:highlight>
-                <a:latin typeface="Arial"/>
-                <a:ea typeface="Arial"/>
-                <a:cs typeface="Arial"/>
-                <a:sym typeface="Arial"/>
-              </a:rPr>
-              <a:t>Analyze Refresh Counts, Average Bandwidth &amp; Energy under different Bank Size</a:t>
-            </a:r>
-            <a:endParaRPr sz="2800" b="0" i="0" u="none" strike="noStrike" cap="none" dirty="0">
-              <a:solidFill>
-                <a:srgbClr val="333333"/>
-              </a:solidFill>
-              <a:highlight>
-                <a:srgbClr val="FFFFFF"/>
-              </a:highlight>
-              <a:latin typeface="Arial"/>
-              <a:ea typeface="Arial"/>
-              <a:cs typeface="Arial"/>
-              <a:sym typeface="Arial"/>
-            </a:endParaRPr>
-          </a:p>
-        </p:txBody>
-      </p:sp>
-    </p:spTree>
-  </p:cSld>
-  <p:clrMapOvr>
-    <a:masterClrMapping/>
-  </p:clrMapOvr>
-</p:sld>
-</file>
-
-<file path=ppt/slides/slide3.xml><?xml version="1.0" encoding="utf-8"?>
-<p:sld xmlns:a="http://schemas.openxmlformats.org/drawingml/2006/main" xmlns:r="http://schemas.openxmlformats.org/officeDocument/2006/relationships" xmlns:p="http://schemas.openxmlformats.org/presentationml/2006/main">
-  <p:cSld>
-    <p:spTree>
-      <p:nvGrpSpPr>
-        <p:cNvPr id="1" name="Shape 62">
-          <a:extLst>
-            <a:ext uri="{FF2B5EF4-FFF2-40B4-BE49-F238E27FC236}">
-              <a16:creationId xmlns:a16="http://schemas.microsoft.com/office/drawing/2014/main" id="{BA16091A-FCD7-CBE2-DEC5-B641654D4CA6}"/>
-            </a:ext>
-          </a:extLst>
-        </p:cNvPr>
-        <p:cNvGrpSpPr/>
-        <p:nvPr/>
-      </p:nvGrpSpPr>
-      <p:grpSpPr>
-        <a:xfrm>
-          <a:off x="0" y="0"/>
-          <a:ext cx="0" cy="0"/>
-          <a:chOff x="0" y="0"/>
-          <a:chExt cx="0" cy="0"/>
-        </a:xfrm>
-      </p:grpSpPr>
-      <p:sp>
-        <p:nvSpPr>
-          <p:cNvPr id="63" name="Google Shape;63;g35318edb1a6_0_0">
-            <a:extLst>
-              <a:ext uri="{FF2B5EF4-FFF2-40B4-BE49-F238E27FC236}">
-                <a16:creationId xmlns:a16="http://schemas.microsoft.com/office/drawing/2014/main" id="{711529E3-67A5-0CDD-3DC4-18CAB1DA3ABD}"/>
-              </a:ext>
-            </a:extLst>
-          </p:cNvPr>
-          <p:cNvSpPr txBox="1">
-            <a:spLocks noGrp="1"/>
-          </p:cNvSpPr>
-          <p:nvPr>
-            <p:ph type="title"/>
-          </p:nvPr>
-        </p:nvSpPr>
-        <p:spPr>
-          <a:xfrm>
-            <a:off x="544513" y="115888"/>
-            <a:ext cx="7699500" cy="649200"/>
-          </a:xfrm>
-          <a:prstGeom prst="rect">
-            <a:avLst/>
-          </a:prstGeom>
-          <a:noFill/>
-          <a:ln>
-            <a:noFill/>
-          </a:ln>
-        </p:spPr>
-        <p:txBody>
-          <a:bodyPr spcFirstLastPara="1" wrap="square" lIns="0" tIns="45700" rIns="91425" bIns="45700" anchor="b" anchorCtr="0">
-            <a:noAutofit/>
-          </a:bodyPr>
-          <a:lstStyle/>
-          <a:p>
-            <a:pPr marL="0" lvl="0" indent="0" algn="l" rtl="0">
-              <a:lnSpc>
-                <a:spcPct val="100000"/>
-              </a:lnSpc>
-              <a:spcBef>
-                <a:spcPts val="0"/>
-              </a:spcBef>
-              <a:spcAft>
-                <a:spcPts val="0"/>
-              </a:spcAft>
-              <a:buSzPts val="1400"/>
-              <a:buNone/>
-            </a:pPr>
-            <a:r>
-              <a:rPr lang="en-US" dirty="0"/>
-              <a:t>Bank Analysis Configuration</a:t>
-            </a:r>
-            <a:endParaRPr dirty="0"/>
-          </a:p>
-        </p:txBody>
-      </p:sp>
-      <p:graphicFrame>
-        <p:nvGraphicFramePr>
-          <p:cNvPr id="2" name="表格 1">
-            <a:extLst>
-              <a:ext uri="{FF2B5EF4-FFF2-40B4-BE49-F238E27FC236}">
-                <a16:creationId xmlns:a16="http://schemas.microsoft.com/office/drawing/2014/main" id="{891FD3DC-8B84-B7E9-FDC2-9D22071AC6D7}"/>
-              </a:ext>
-            </a:extLst>
-          </p:cNvPr>
-          <p:cNvGraphicFramePr>
-            <a:graphicFrameLocks noGrp="1"/>
-          </p:cNvGraphicFramePr>
-          <p:nvPr>
-            <p:extLst>
-              <p:ext uri="{D42A27DB-BD31-4B8C-83A1-F6EECF244321}">
-                <p14:modId xmlns:p14="http://schemas.microsoft.com/office/powerpoint/2010/main" val="4283126959"/>
-              </p:ext>
-            </p:extLst>
-          </p:nvPr>
-        </p:nvGraphicFramePr>
-        <p:xfrm>
-          <a:off x="544513" y="1140826"/>
-          <a:ext cx="7902800" cy="5461702"/>
-        </p:xfrm>
-        <a:graphic>
-          <a:graphicData uri="http://schemas.openxmlformats.org/drawingml/2006/table">
-            <a:tbl>
-              <a:tblPr>
-                <a:tableStyleId>{D7AC3CCA-C797-4891-BE02-D94E43425B78}</a:tableStyleId>
-              </a:tblPr>
-              <a:tblGrid>
-                <a:gridCol w="1937429">
-                  <a:extLst>
-                    <a:ext uri="{9D8B030D-6E8A-4147-A177-3AD203B41FA5}">
-                      <a16:colId xmlns:a16="http://schemas.microsoft.com/office/drawing/2014/main" val="339215098"/>
-                    </a:ext>
-                  </a:extLst>
-                </a:gridCol>
-                <a:gridCol w="5965371">
-                  <a:extLst>
-                    <a:ext uri="{9D8B030D-6E8A-4147-A177-3AD203B41FA5}">
-                      <a16:colId xmlns:a16="http://schemas.microsoft.com/office/drawing/2014/main" val="784070351"/>
-                    </a:ext>
-                  </a:extLst>
-                </a:gridCol>
-              </a:tblGrid>
-              <a:tr h="452548">
-                <a:tc gridSpan="2">
-                  <a:txBody>
-                    <a:bodyPr/>
-                    <a:lstStyle/>
-                    <a:p>
-                      <a:pPr algn="ctr" rtl="0" fontAlgn="ctr"/>
-                      <a:r>
-                        <a:rPr lang="en-US" sz="1400" b="1" u="none" strike="noStrike" dirty="0">
-                          <a:effectLst/>
-                        </a:rPr>
-                        <a:t>Simulation Configuration</a:t>
-                      </a:r>
-                      <a:endParaRPr lang="en-US" sz="1400" b="1" i="0" u="none" strike="noStrike" dirty="0">
-                        <a:solidFill>
-                          <a:srgbClr val="000000"/>
-                        </a:solidFill>
-                        <a:effectLst/>
-                        <a:latin typeface="Times New Roman" panose="02020603050405020304" pitchFamily="18" charset="0"/>
-                        <a:ea typeface="新細明體" panose="02020500000000000000" pitchFamily="18" charset="-120"/>
-                      </a:endParaRPr>
-                    </a:p>
-                  </a:txBody>
-                  <a:tcPr marL="3199" marR="3199" marT="3199" marB="0" anchor="ctr"/>
-                </a:tc>
-                <a:tc hMerge="1">
-                  <a:txBody>
-                    <a:bodyPr/>
-                    <a:lstStyle/>
-                    <a:p>
-                      <a:endParaRPr lang="zh-TW" altLang="en-US"/>
-                    </a:p>
-                  </a:txBody>
-                  <a:tcPr/>
-                </a:tc>
-                <a:extLst>
-                  <a:ext uri="{0D108BD9-81ED-4DB2-BD59-A6C34878D82A}">
-                    <a16:rowId xmlns:a16="http://schemas.microsoft.com/office/drawing/2014/main" val="2303104111"/>
-                  </a:ext>
-                </a:extLst>
-              </a:tr>
-              <a:tr h="814589">
-                <a:tc>
-                  <a:txBody>
-                    <a:bodyPr/>
-                    <a:lstStyle/>
-                    <a:p>
-                      <a:pPr algn="l" rtl="0" fontAlgn="ctr"/>
-                      <a:r>
-                        <a:rPr lang="en-US" sz="1400" u="none" strike="noStrike">
-                          <a:effectLst/>
-                        </a:rPr>
-                        <a:t>DRAM Model</a:t>
-                      </a:r>
-                      <a:endParaRPr lang="en-US" sz="1400" b="0" i="0" u="none" strike="noStrike">
-                        <a:solidFill>
-                          <a:srgbClr val="000000"/>
-                        </a:solidFill>
-                        <a:effectLst/>
-                        <a:latin typeface="Times New Roman" panose="02020603050405020304" pitchFamily="18" charset="0"/>
-                        <a:ea typeface="新細明體" panose="02020500000000000000" pitchFamily="18" charset="-120"/>
-                      </a:endParaRPr>
-                    </a:p>
-                  </a:txBody>
-                  <a:tcPr marL="3199" marR="3199" marT="3199" marB="0" anchor="ctr"/>
-                </a:tc>
-                <a:tc>
-                  <a:txBody>
-                    <a:bodyPr/>
-                    <a:lstStyle/>
-                    <a:p>
-                      <a:pPr algn="l" rtl="0" fontAlgn="ctr"/>
-                      <a:r>
-                        <a:rPr lang="en-US" sz="1400" u="none" strike="noStrike" dirty="0">
-                          <a:effectLst/>
-                        </a:rPr>
-                        <a:t> Proposed 3D-DRAM Model</a:t>
-                      </a:r>
-                      <a:endParaRPr lang="en-US" sz="1400" b="0" i="0" u="none" strike="noStrike" dirty="0">
-                        <a:solidFill>
-                          <a:srgbClr val="000000"/>
-                        </a:solidFill>
-                        <a:effectLst/>
-                        <a:latin typeface="Times New Roman" panose="02020603050405020304" pitchFamily="18" charset="0"/>
-                        <a:ea typeface="新細明體" panose="02020500000000000000" pitchFamily="18" charset="-120"/>
-                      </a:endParaRPr>
-                    </a:p>
-                  </a:txBody>
-                  <a:tcPr marL="3199" marR="3199" marT="3199" marB="0" anchor="ctr"/>
-                </a:tc>
-                <a:extLst>
-                  <a:ext uri="{0D108BD9-81ED-4DB2-BD59-A6C34878D82A}">
-                    <a16:rowId xmlns:a16="http://schemas.microsoft.com/office/drawing/2014/main" val="2463347823"/>
-                  </a:ext>
-                </a:extLst>
-              </a:tr>
-              <a:tr h="582657">
-                <a:tc>
-                  <a:txBody>
-                    <a:bodyPr/>
-                    <a:lstStyle/>
-                    <a:p>
-                      <a:pPr algn="l" rtl="0" fontAlgn="ctr"/>
-                      <a:r>
-                        <a:rPr lang="en-US" sz="1400" u="none" strike="noStrike" dirty="0">
-                          <a:effectLst/>
-                        </a:rPr>
-                        <a:t>Number of Banks</a:t>
-                      </a:r>
-                      <a:endParaRPr lang="en-US" sz="1400" b="0" i="0" u="none" strike="noStrike" dirty="0">
-                        <a:solidFill>
-                          <a:srgbClr val="000000"/>
-                        </a:solidFill>
-                        <a:effectLst/>
-                        <a:latin typeface="Times New Roman" panose="02020603050405020304" pitchFamily="18" charset="0"/>
-                        <a:ea typeface="新細明體" panose="02020500000000000000" pitchFamily="18" charset="-120"/>
-                      </a:endParaRPr>
-                    </a:p>
-                  </a:txBody>
-                  <a:tcPr marL="3199" marR="3199" marT="3199" marB="0" anchor="ctr"/>
-                </a:tc>
-                <a:tc>
-                  <a:txBody>
-                    <a:bodyPr/>
-                    <a:lstStyle/>
-                    <a:p>
-                      <a:pPr algn="l" rtl="0" fontAlgn="ctr"/>
-                      <a:r>
-                        <a:rPr lang="en-US" altLang="zh-TW" sz="1400" u="none" strike="noStrike" dirty="0">
-                          <a:effectLst/>
-                        </a:rPr>
-                        <a:t> 64</a:t>
-                      </a:r>
-                      <a:endParaRPr lang="en-US" altLang="zh-TW" sz="1400" b="0" i="0" u="none" strike="noStrike" dirty="0">
-                        <a:solidFill>
-                          <a:srgbClr val="000000"/>
-                        </a:solidFill>
-                        <a:effectLst/>
-                        <a:latin typeface="Times New Roman" panose="02020603050405020304" pitchFamily="18" charset="0"/>
-                        <a:ea typeface="新細明體" panose="02020500000000000000" pitchFamily="18" charset="-120"/>
-                      </a:endParaRPr>
-                    </a:p>
-                  </a:txBody>
-                  <a:tcPr marL="3199" marR="3199" marT="3199" marB="0" anchor="ctr"/>
-                </a:tc>
-                <a:extLst>
-                  <a:ext uri="{0D108BD9-81ED-4DB2-BD59-A6C34878D82A}">
-                    <a16:rowId xmlns:a16="http://schemas.microsoft.com/office/drawing/2014/main" val="831542304"/>
-                  </a:ext>
-                </a:extLst>
-              </a:tr>
-              <a:tr h="582657">
-                <a:tc>
-                  <a:txBody>
-                    <a:bodyPr/>
-                    <a:lstStyle/>
-                    <a:p>
-                      <a:pPr algn="l" rtl="0" fontAlgn="ctr"/>
-                      <a:r>
-                        <a:rPr lang="en-US" sz="1400" u="none" strike="noStrike">
-                          <a:effectLst/>
-                        </a:rPr>
-                        <a:t>Ideal Bandwidth</a:t>
-                      </a:r>
-                      <a:endParaRPr lang="en-US" sz="1400" b="0" i="0" u="none" strike="noStrike">
-                        <a:solidFill>
-                          <a:srgbClr val="000000"/>
-                        </a:solidFill>
-                        <a:effectLst/>
-                        <a:latin typeface="Times New Roman" panose="02020603050405020304" pitchFamily="18" charset="0"/>
-                        <a:ea typeface="新細明體" panose="02020500000000000000" pitchFamily="18" charset="-120"/>
-                      </a:endParaRPr>
-                    </a:p>
-                  </a:txBody>
-                  <a:tcPr marL="3199" marR="3199" marT="3199" marB="0" anchor="ctr"/>
-                </a:tc>
-                <a:tc>
-                  <a:txBody>
-                    <a:bodyPr/>
-                    <a:lstStyle/>
-                    <a:p>
-                      <a:pPr algn="l" rtl="0" fontAlgn="ctr"/>
-                      <a:r>
-                        <a:rPr lang="en-US" sz="1400" u="none" strike="noStrike" dirty="0">
-                          <a:effectLst/>
-                        </a:rPr>
-                        <a:t> 2TB/s</a:t>
-                      </a:r>
-                      <a:endParaRPr lang="en-US" sz="1400" b="0" i="0" u="none" strike="noStrike" dirty="0">
-                        <a:solidFill>
-                          <a:srgbClr val="000000"/>
-                        </a:solidFill>
-                        <a:effectLst/>
-                        <a:latin typeface="Times New Roman" panose="02020603050405020304" pitchFamily="18" charset="0"/>
-                        <a:ea typeface="新細明體" panose="02020500000000000000" pitchFamily="18" charset="-120"/>
-                      </a:endParaRPr>
-                    </a:p>
-                  </a:txBody>
-                  <a:tcPr marL="3199" marR="3199" marT="3199" marB="0" anchor="ctr"/>
-                </a:tc>
-                <a:extLst>
-                  <a:ext uri="{0D108BD9-81ED-4DB2-BD59-A6C34878D82A}">
-                    <a16:rowId xmlns:a16="http://schemas.microsoft.com/office/drawing/2014/main" val="2765397341"/>
-                  </a:ext>
-                </a:extLst>
-              </a:tr>
-              <a:tr h="814589">
-                <a:tc>
-                  <a:txBody>
-                    <a:bodyPr/>
-                    <a:lstStyle/>
-                    <a:p>
-                      <a:pPr algn="l" rtl="0" fontAlgn="ctr"/>
-                      <a:r>
-                        <a:rPr lang="en-US" sz="1400" u="none" strike="noStrike" dirty="0">
-                          <a:effectLst/>
-                        </a:rPr>
-                        <a:t>Ideal Bandwidth per Core</a:t>
-                      </a:r>
-                      <a:endParaRPr lang="en-US" sz="1400" b="0" i="0" u="none" strike="noStrike" dirty="0">
-                        <a:solidFill>
-                          <a:srgbClr val="000000"/>
-                        </a:solidFill>
-                        <a:effectLst/>
-                        <a:latin typeface="Times New Roman" panose="02020603050405020304" pitchFamily="18" charset="0"/>
-                        <a:ea typeface="新細明體" panose="02020500000000000000" pitchFamily="18" charset="-120"/>
-                      </a:endParaRPr>
-                    </a:p>
-                  </a:txBody>
-                  <a:tcPr marL="3199" marR="3199" marT="3199" marB="0" anchor="ctr"/>
-                </a:tc>
-                <a:tc>
-                  <a:txBody>
-                    <a:bodyPr/>
-                    <a:lstStyle/>
-                    <a:p>
-                      <a:pPr algn="l" rtl="0" fontAlgn="ctr"/>
-                      <a:r>
-                        <a:rPr lang="en-US" sz="1400" u="none" strike="noStrike" dirty="0">
-                          <a:effectLst/>
-                        </a:rPr>
-                        <a:t> 128GB/s</a:t>
-                      </a:r>
-                      <a:endParaRPr lang="en-US" sz="1400" b="0" i="0" u="none" strike="noStrike" dirty="0">
-                        <a:solidFill>
-                          <a:srgbClr val="000000"/>
-                        </a:solidFill>
-                        <a:effectLst/>
-                        <a:latin typeface="Times New Roman" panose="02020603050405020304" pitchFamily="18" charset="0"/>
-                        <a:ea typeface="新細明體" panose="02020500000000000000" pitchFamily="18" charset="-120"/>
-                      </a:endParaRPr>
-                    </a:p>
-                  </a:txBody>
-                  <a:tcPr marL="3199" marR="3199" marT="3199" marB="0" anchor="ctr"/>
-                </a:tc>
-                <a:extLst>
-                  <a:ext uri="{0D108BD9-81ED-4DB2-BD59-A6C34878D82A}">
-                    <a16:rowId xmlns:a16="http://schemas.microsoft.com/office/drawing/2014/main" val="1934203722"/>
-                  </a:ext>
-                </a:extLst>
-              </a:tr>
-              <a:tr h="466691">
-                <a:tc>
-                  <a:txBody>
-                    <a:bodyPr/>
-                    <a:lstStyle/>
-                    <a:p>
-                      <a:pPr algn="l" rtl="0" fontAlgn="ctr"/>
-                      <a:r>
-                        <a:rPr lang="en-US" sz="1400" u="none" strike="noStrike">
-                          <a:effectLst/>
-                        </a:rPr>
-                        <a:t>Name of Trace</a:t>
-                      </a:r>
-                      <a:endParaRPr lang="en-US" sz="1400" b="0" i="0" u="none" strike="noStrike">
-                        <a:solidFill>
-                          <a:srgbClr val="000000"/>
-                        </a:solidFill>
-                        <a:effectLst/>
-                        <a:latin typeface="Times New Roman" panose="02020603050405020304" pitchFamily="18" charset="0"/>
-                        <a:ea typeface="新細明體" panose="02020500000000000000" pitchFamily="18" charset="-120"/>
-                      </a:endParaRPr>
-                    </a:p>
-                  </a:txBody>
-                  <a:tcPr marL="3199" marR="3199" marT="3199" marB="0" anchor="ctr"/>
-                </a:tc>
-                <a:tc>
-                  <a:txBody>
-                    <a:bodyPr/>
-                    <a:lstStyle/>
-                    <a:p>
-                      <a:pPr algn="l" rtl="0" fontAlgn="ctr"/>
-                      <a:r>
-                        <a:rPr lang="en-US" sz="1400" u="none" strike="noStrike" dirty="0">
-                          <a:effectLst/>
-                        </a:rPr>
-                        <a:t> Single Core Partial LLM Workload Trace</a:t>
-                      </a:r>
-                      <a:endParaRPr lang="en-US" sz="1400" b="0" i="0" u="none" strike="noStrike" dirty="0">
-                        <a:solidFill>
-                          <a:srgbClr val="000000"/>
-                        </a:solidFill>
-                        <a:effectLst/>
-                        <a:latin typeface="Times New Roman" panose="02020603050405020304" pitchFamily="18" charset="0"/>
-                        <a:ea typeface="新細明體" panose="02020500000000000000" pitchFamily="18" charset="-120"/>
-                      </a:endParaRPr>
-                    </a:p>
-                  </a:txBody>
-                  <a:tcPr marL="3199" marR="3199" marT="3199" marB="0" anchor="ctr"/>
-                </a:tc>
-                <a:extLst>
-                  <a:ext uri="{0D108BD9-81ED-4DB2-BD59-A6C34878D82A}">
-                    <a16:rowId xmlns:a16="http://schemas.microsoft.com/office/drawing/2014/main" val="2545509150"/>
-                  </a:ext>
-                </a:extLst>
-              </a:tr>
-              <a:tr h="582657">
-                <a:tc>
-                  <a:txBody>
-                    <a:bodyPr/>
-                    <a:lstStyle/>
-                    <a:p>
-                      <a:pPr algn="l" rtl="0" fontAlgn="ctr"/>
-                      <a:r>
-                        <a:rPr lang="en-US" sz="1400" u="none" strike="noStrike" dirty="0">
-                          <a:effectLst/>
-                        </a:rPr>
-                        <a:t>Number of Traces</a:t>
-                      </a:r>
-                      <a:endParaRPr lang="en-US" sz="1400" b="0" i="0" u="none" strike="noStrike" dirty="0">
-                        <a:solidFill>
-                          <a:srgbClr val="000000"/>
-                        </a:solidFill>
-                        <a:effectLst/>
-                        <a:latin typeface="Times New Roman" panose="02020603050405020304" pitchFamily="18" charset="0"/>
-                        <a:ea typeface="新細明體" panose="02020500000000000000" pitchFamily="18" charset="-120"/>
-                      </a:endParaRPr>
-                    </a:p>
-                  </a:txBody>
-                  <a:tcPr marL="3199" marR="3199" marT="3199" marB="0" anchor="ctr"/>
-                </a:tc>
-                <a:tc>
-                  <a:txBody>
-                    <a:bodyPr/>
-                    <a:lstStyle/>
-                    <a:p>
-                      <a:pPr algn="l" rtl="0" fontAlgn="ctr"/>
-                      <a:r>
-                        <a:rPr lang="en-US" altLang="zh-TW" sz="1400" u="none" strike="noStrike" dirty="0">
-                          <a:effectLst/>
-                        </a:rPr>
-                        <a:t> 193881265</a:t>
-                      </a:r>
-                      <a:endParaRPr lang="en-US" altLang="zh-TW" sz="1400" b="0" i="0" u="none" strike="noStrike" dirty="0">
-                        <a:solidFill>
-                          <a:srgbClr val="000000"/>
-                        </a:solidFill>
-                        <a:effectLst/>
-                        <a:latin typeface="Times New Roman" panose="02020603050405020304" pitchFamily="18" charset="0"/>
-                        <a:ea typeface="新細明體" panose="02020500000000000000" pitchFamily="18" charset="-120"/>
-                      </a:endParaRPr>
-                    </a:p>
-                  </a:txBody>
-                  <a:tcPr marL="3199" marR="3199" marT="3199" marB="0" anchor="ctr"/>
-                </a:tc>
-                <a:extLst>
-                  <a:ext uri="{0D108BD9-81ED-4DB2-BD59-A6C34878D82A}">
-                    <a16:rowId xmlns:a16="http://schemas.microsoft.com/office/drawing/2014/main" val="2360300040"/>
-                  </a:ext>
-                </a:extLst>
-              </a:tr>
-              <a:tr h="582657">
-                <a:tc>
-                  <a:txBody>
-                    <a:bodyPr/>
-                    <a:lstStyle/>
-                    <a:p>
-                      <a:pPr marR="0" algn="l" rtl="0" fontAlgn="ctr">
-                        <a:lnSpc>
-                          <a:spcPct val="100000"/>
-                        </a:lnSpc>
-                        <a:spcBef>
-                          <a:spcPts val="0"/>
-                        </a:spcBef>
-                        <a:spcAft>
-                          <a:spcPts val="0"/>
-                        </a:spcAft>
-                        <a:buClr>
-                          <a:srgbClr val="000000"/>
-                        </a:buClr>
-                        <a:buFont typeface="Arial"/>
-                      </a:pPr>
-                      <a:r>
-                        <a:rPr lang="en-US" sz="1400" b="0" i="0" u="none" strike="noStrike" cap="none" dirty="0">
-                          <a:solidFill>
-                            <a:schemeClr val="dk1"/>
-                          </a:solidFill>
-                          <a:effectLst/>
-                          <a:latin typeface="+mn-lt"/>
-                          <a:ea typeface="+mn-ea"/>
-                          <a:cs typeface="+mn-cs"/>
-                          <a:sym typeface="Arial"/>
-                        </a:rPr>
-                        <a:t>Bank Sizes</a:t>
-                      </a:r>
-                    </a:p>
-                  </a:txBody>
-                  <a:tcPr marL="3199" marR="3199" marT="3199" marB="0" anchor="ctr"/>
-                </a:tc>
-                <a:tc>
-                  <a:txBody>
-                    <a:bodyPr/>
-                    <a:lstStyle/>
-                    <a:p>
-                      <a:pPr algn="l" rtl="0" fontAlgn="ctr"/>
-                      <a:r>
-                        <a:rPr lang="en-US" altLang="zh-TW" sz="1400" b="0" i="0" u="none" strike="noStrike" dirty="0">
-                          <a:solidFill>
-                            <a:srgbClr val="000000"/>
-                          </a:solidFill>
-                          <a:effectLst/>
-                          <a:latin typeface="Times New Roman" panose="02020603050405020304" pitchFamily="18" charset="0"/>
-                          <a:ea typeface="新細明體" panose="02020500000000000000" pitchFamily="18" charset="-120"/>
-                        </a:rPr>
-                        <a:t> </a:t>
-                      </a:r>
-                      <a:r>
-                        <a:rPr lang="en-US" altLang="zh-TW" sz="1400" b="0" i="0" u="none" strike="noStrike" cap="none" dirty="0">
-                          <a:solidFill>
-                            <a:schemeClr val="dk1"/>
-                          </a:solidFill>
-                          <a:effectLst/>
-                          <a:latin typeface="+mn-lt"/>
-                          <a:ea typeface="+mn-ea"/>
-                          <a:cs typeface="+mn-cs"/>
-                          <a:sym typeface="Arial"/>
-                        </a:rPr>
-                        <a:t>256Mb,512Mb,1024Mb &amp; 2048Mb</a:t>
-                      </a:r>
-                    </a:p>
-                  </a:txBody>
-                  <a:tcPr marL="3199" marR="3199" marT="3199" marB="0" anchor="ctr"/>
-                </a:tc>
-                <a:extLst>
-                  <a:ext uri="{0D108BD9-81ED-4DB2-BD59-A6C34878D82A}">
-                    <a16:rowId xmlns:a16="http://schemas.microsoft.com/office/drawing/2014/main" val="3951287086"/>
-                  </a:ext>
-                </a:extLst>
-              </a:tr>
-              <a:tr h="582657">
-                <a:tc>
-                  <a:txBody>
-                    <a:bodyPr/>
-                    <a:lstStyle/>
-                    <a:p>
-                      <a:pPr marR="0" algn="l" rtl="0" fontAlgn="ctr">
-                        <a:lnSpc>
-                          <a:spcPct val="100000"/>
-                        </a:lnSpc>
-                        <a:spcBef>
-                          <a:spcPts val="0"/>
-                        </a:spcBef>
-                        <a:spcAft>
-                          <a:spcPts val="0"/>
-                        </a:spcAft>
-                        <a:buClr>
-                          <a:srgbClr val="000000"/>
-                        </a:buClr>
-                        <a:buFont typeface="Arial"/>
-                      </a:pPr>
-                      <a:r>
-                        <a:rPr lang="en-US" sz="1400" b="0" i="0" u="none" strike="noStrike" cap="none" dirty="0">
-                          <a:solidFill>
-                            <a:schemeClr val="dk1"/>
-                          </a:solidFill>
-                          <a:effectLst/>
-                          <a:latin typeface="+mn-lt"/>
-                          <a:ea typeface="+mn-ea"/>
-                          <a:cs typeface="+mn-cs"/>
-                          <a:sym typeface="Arial"/>
-                        </a:rPr>
-                        <a:t>Clock Frequency</a:t>
-                      </a:r>
-                    </a:p>
-                  </a:txBody>
-                  <a:tcPr marL="3199" marR="3199" marT="3199" marB="0" anchor="ctr"/>
-                </a:tc>
-                <a:tc>
-                  <a:txBody>
-                    <a:bodyPr/>
-                    <a:lstStyle/>
-                    <a:p>
-                      <a:pPr algn="l" rtl="0" fontAlgn="ctr"/>
-                      <a:r>
-                        <a:rPr lang="en-US" altLang="zh-TW" sz="1400" b="0" i="0" u="none" strike="noStrike" cap="none" dirty="0">
-                          <a:solidFill>
-                            <a:schemeClr val="dk1"/>
-                          </a:solidFill>
-                          <a:effectLst/>
-                          <a:latin typeface="+mn-lt"/>
-                          <a:ea typeface="+mn-ea"/>
-                          <a:cs typeface="+mn-cs"/>
-                          <a:sym typeface="Arial"/>
-                        </a:rPr>
-                        <a:t> 1Ghz</a:t>
-                      </a:r>
-                    </a:p>
-                  </a:txBody>
-                  <a:tcPr marL="3199" marR="3199" marT="3199" marB="0" anchor="ctr"/>
-                </a:tc>
-                <a:extLst>
-                  <a:ext uri="{0D108BD9-81ED-4DB2-BD59-A6C34878D82A}">
-                    <a16:rowId xmlns:a16="http://schemas.microsoft.com/office/drawing/2014/main" val="2221958745"/>
-                  </a:ext>
-                </a:extLst>
-              </a:tr>
-            </a:tbl>
-          </a:graphicData>
-        </a:graphic>
-      </p:graphicFrame>
-    </p:spTree>
-    <p:extLst>
-      <p:ext uri="{BB962C8B-B14F-4D97-AF65-F5344CB8AC3E}">
-        <p14:creationId xmlns:p14="http://schemas.microsoft.com/office/powerpoint/2010/main" val="2631714638"/>
-      </p:ext>
-    </p:extLst>
-  </p:cSld>
-  <p:clrMapOvr>
-    <a:masterClrMapping/>
-  </p:clrMapOvr>
-</p:sld>
-</file>
-
-<file path=ppt/slides/slide4.xml><?xml version="1.0" encoding="utf-8"?>
-<p:sld xmlns:a="http://schemas.openxmlformats.org/drawingml/2006/main" xmlns:r="http://schemas.openxmlformats.org/officeDocument/2006/relationships" xmlns:p="http://schemas.openxmlformats.org/presentationml/2006/main">
-  <p:cSld>
-    <p:spTree>
-      <p:nvGrpSpPr>
-        <p:cNvPr id="1" name="Shape 62">
-          <a:extLst>
-            <a:ext uri="{FF2B5EF4-FFF2-40B4-BE49-F238E27FC236}">
-              <a16:creationId xmlns:a16="http://schemas.microsoft.com/office/drawing/2014/main" id="{571CDDBB-9439-8325-5DF3-7BA66FDEC60C}"/>
-            </a:ext>
-          </a:extLst>
-        </p:cNvPr>
-        <p:cNvGrpSpPr/>
-        <p:nvPr/>
-      </p:nvGrpSpPr>
-      <p:grpSpPr>
-        <a:xfrm>
-          <a:off x="0" y="0"/>
-          <a:ext cx="0" cy="0"/>
-          <a:chOff x="0" y="0"/>
-          <a:chExt cx="0" cy="0"/>
-        </a:xfrm>
-      </p:grpSpPr>
-      <p:sp>
-        <p:nvSpPr>
-          <p:cNvPr id="63" name="Google Shape;63;g35318edb1a6_0_0">
-            <a:extLst>
-              <a:ext uri="{FF2B5EF4-FFF2-40B4-BE49-F238E27FC236}">
-                <a16:creationId xmlns:a16="http://schemas.microsoft.com/office/drawing/2014/main" id="{FFEE51F0-A8CF-DC9E-2949-8BE8E30805FE}"/>
-              </a:ext>
-            </a:extLst>
-          </p:cNvPr>
-          <p:cNvSpPr txBox="1">
-            <a:spLocks noGrp="1"/>
-          </p:cNvSpPr>
-          <p:nvPr>
-            <p:ph type="title"/>
-          </p:nvPr>
-        </p:nvSpPr>
-        <p:spPr>
-          <a:xfrm>
-            <a:off x="326797" y="98470"/>
-            <a:ext cx="8686573" cy="649200"/>
-          </a:xfrm>
-          <a:prstGeom prst="rect">
-            <a:avLst/>
-          </a:prstGeom>
-          <a:noFill/>
-          <a:ln>
-            <a:noFill/>
-          </a:ln>
-        </p:spPr>
-        <p:txBody>
-          <a:bodyPr spcFirstLastPara="1" wrap="square" lIns="0" tIns="45700" rIns="91425" bIns="45700" anchor="b" anchorCtr="0">
-            <a:noAutofit/>
-          </a:bodyPr>
-          <a:lstStyle/>
-          <a:p>
-            <a:pPr marL="0" lvl="0" indent="0" algn="l" rtl="0">
-              <a:lnSpc>
-                <a:spcPct val="100000"/>
-              </a:lnSpc>
-              <a:spcBef>
-                <a:spcPts val="0"/>
-              </a:spcBef>
-              <a:spcAft>
-                <a:spcPts val="0"/>
-              </a:spcAft>
-              <a:buSzPts val="1400"/>
-              <a:buNone/>
-            </a:pPr>
-            <a:r>
-              <a:rPr lang="en-US" dirty="0"/>
-              <a:t>Timing Constraints</a:t>
-            </a:r>
-            <a:r>
-              <a:rPr lang="zh-TW" altLang="en-US" dirty="0"/>
-              <a:t> </a:t>
-            </a:r>
-            <a:r>
-              <a:rPr lang="en-US" altLang="zh-TW" dirty="0"/>
-              <a:t>Changes</a:t>
-            </a:r>
-            <a:endParaRPr dirty="0"/>
-          </a:p>
-        </p:txBody>
-      </p:sp>
-      <p:graphicFrame>
-        <p:nvGraphicFramePr>
-          <p:cNvPr id="3" name="圖表 2">
-            <a:extLst>
-              <a:ext uri="{FF2B5EF4-FFF2-40B4-BE49-F238E27FC236}">
-                <a16:creationId xmlns:a16="http://schemas.microsoft.com/office/drawing/2014/main" id="{26D7D6A6-43F9-81A2-3E1F-56BD614F45CB}"/>
-              </a:ext>
-            </a:extLst>
-          </p:cNvPr>
-          <p:cNvGraphicFramePr>
-            <a:graphicFrameLocks/>
-          </p:cNvGraphicFramePr>
-          <p:nvPr>
-            <p:extLst>
-              <p:ext uri="{D42A27DB-BD31-4B8C-83A1-F6EECF244321}">
-                <p14:modId xmlns:p14="http://schemas.microsoft.com/office/powerpoint/2010/main" val="2837738265"/>
-              </p:ext>
-            </p:extLst>
-          </p:nvPr>
-        </p:nvGraphicFramePr>
-        <p:xfrm>
-          <a:off x="1336765" y="885040"/>
-          <a:ext cx="6069875" cy="3005724"/>
-        </p:xfrm>
-        <a:graphic>
-          <a:graphicData uri="http://schemas.openxmlformats.org/drawingml/2006/chart">
-            <c:chart xmlns:c="http://schemas.openxmlformats.org/drawingml/2006/chart" xmlns:r="http://schemas.openxmlformats.org/officeDocument/2006/relationships" r:id="rId3"/>
-          </a:graphicData>
-        </a:graphic>
-      </p:graphicFrame>
-      <p:graphicFrame>
-        <p:nvGraphicFramePr>
-          <p:cNvPr id="4" name="圖表 3">
-            <a:extLst>
-              <a:ext uri="{FF2B5EF4-FFF2-40B4-BE49-F238E27FC236}">
-                <a16:creationId xmlns:a16="http://schemas.microsoft.com/office/drawing/2014/main" id="{EB7E83A2-F50F-F711-BC8D-4A376AFD6A27}"/>
-              </a:ext>
-            </a:extLst>
-          </p:cNvPr>
-          <p:cNvGraphicFramePr>
-            <a:graphicFrameLocks/>
-          </p:cNvGraphicFramePr>
-          <p:nvPr>
-            <p:extLst>
-              <p:ext uri="{D42A27DB-BD31-4B8C-83A1-F6EECF244321}">
-                <p14:modId xmlns:p14="http://schemas.microsoft.com/office/powerpoint/2010/main" val="1379004587"/>
-              </p:ext>
-            </p:extLst>
-          </p:nvPr>
-        </p:nvGraphicFramePr>
-        <p:xfrm>
-          <a:off x="1336765" y="3890764"/>
-          <a:ext cx="6222275" cy="2664823"/>
-        </p:xfrm>
-        <a:graphic>
-          <a:graphicData uri="http://schemas.openxmlformats.org/drawingml/2006/chart">
-            <c:chart xmlns:c="http://schemas.openxmlformats.org/drawingml/2006/chart" xmlns:r="http://schemas.openxmlformats.org/officeDocument/2006/relationships" r:id="rId4"/>
-          </a:graphicData>
-        </a:graphic>
-      </p:graphicFrame>
-    </p:spTree>
-    <p:extLst>
-      <p:ext uri="{BB962C8B-B14F-4D97-AF65-F5344CB8AC3E}">
-        <p14:creationId xmlns:p14="http://schemas.microsoft.com/office/powerpoint/2010/main" val="1366340140"/>
-      </p:ext>
-    </p:extLst>
-  </p:cSld>
-  <p:clrMapOvr>
-    <a:masterClrMapping/>
-  </p:clrMapOvr>
-</p:sld>
-</file>
-
-<file path=ppt/slides/slide5.xml><?xml version="1.0" encoding="utf-8"?>
-<p:sld xmlns:a="http://schemas.openxmlformats.org/drawingml/2006/main" xmlns:r="http://schemas.openxmlformats.org/officeDocument/2006/relationships" xmlns:p="http://schemas.openxmlformats.org/presentationml/2006/main">
-  <p:cSld>
-    <p:spTree>
-      <p:nvGrpSpPr>
-        <p:cNvPr id="1" name="Shape 62">
-          <a:extLst>
-            <a:ext uri="{FF2B5EF4-FFF2-40B4-BE49-F238E27FC236}">
-              <a16:creationId xmlns:a16="http://schemas.microsoft.com/office/drawing/2014/main" id="{471AEEA7-935B-A9E9-F463-3DC5166EE8FD}"/>
-            </a:ext>
-          </a:extLst>
-        </p:cNvPr>
-        <p:cNvGrpSpPr/>
-        <p:nvPr/>
-      </p:nvGrpSpPr>
-      <p:grpSpPr>
-        <a:xfrm>
-          <a:off x="0" y="0"/>
-          <a:ext cx="0" cy="0"/>
-          <a:chOff x="0" y="0"/>
-          <a:chExt cx="0" cy="0"/>
-        </a:xfrm>
-      </p:grpSpPr>
-      <p:sp>
-        <p:nvSpPr>
-          <p:cNvPr id="63" name="Google Shape;63;g35318edb1a6_0_0">
-            <a:extLst>
-              <a:ext uri="{FF2B5EF4-FFF2-40B4-BE49-F238E27FC236}">
-                <a16:creationId xmlns:a16="http://schemas.microsoft.com/office/drawing/2014/main" id="{482A337E-C9B1-5680-F7B9-A1B4F1D9CCF5}"/>
-              </a:ext>
-            </a:extLst>
-          </p:cNvPr>
-          <p:cNvSpPr txBox="1">
-            <a:spLocks noGrp="1"/>
-          </p:cNvSpPr>
-          <p:nvPr>
-            <p:ph type="title"/>
-          </p:nvPr>
-        </p:nvSpPr>
-        <p:spPr>
-          <a:xfrm>
-            <a:off x="326797" y="98470"/>
-            <a:ext cx="8686573" cy="649200"/>
-          </a:xfrm>
-          <a:prstGeom prst="rect">
-            <a:avLst/>
-          </a:prstGeom>
-          <a:noFill/>
-          <a:ln>
-            <a:noFill/>
-          </a:ln>
-        </p:spPr>
-        <p:txBody>
-          <a:bodyPr spcFirstLastPara="1" wrap="square" lIns="0" tIns="45700" rIns="91425" bIns="45700" anchor="b" anchorCtr="0">
-            <a:noAutofit/>
-          </a:bodyPr>
-          <a:lstStyle/>
-          <a:p>
-            <a:pPr marL="0" lvl="0" indent="0" algn="l" rtl="0">
-              <a:lnSpc>
-                <a:spcPct val="100000"/>
-              </a:lnSpc>
-              <a:spcBef>
-                <a:spcPts val="0"/>
-              </a:spcBef>
-              <a:spcAft>
-                <a:spcPts val="0"/>
-              </a:spcAft>
-              <a:buSzPts val="1400"/>
-              <a:buNone/>
-            </a:pPr>
-            <a:r>
-              <a:rPr lang="en-US" dirty="0"/>
-              <a:t>Refresh Counts with Different Bank Sizes</a:t>
-            </a:r>
-            <a:endParaRPr dirty="0"/>
-          </a:p>
-        </p:txBody>
-      </p:sp>
-      <p:graphicFrame>
-        <p:nvGraphicFramePr>
-          <p:cNvPr id="5" name="圖表 4">
-            <a:extLst>
-              <a:ext uri="{FF2B5EF4-FFF2-40B4-BE49-F238E27FC236}">
-                <a16:creationId xmlns:a16="http://schemas.microsoft.com/office/drawing/2014/main" id="{C7A59D09-5276-EE42-2812-4E8C23C3AD86}"/>
-              </a:ext>
-            </a:extLst>
-          </p:cNvPr>
-          <p:cNvGraphicFramePr>
-            <a:graphicFrameLocks/>
-          </p:cNvGraphicFramePr>
-          <p:nvPr>
-            <p:extLst>
-              <p:ext uri="{D42A27DB-BD31-4B8C-83A1-F6EECF244321}">
-                <p14:modId xmlns:p14="http://schemas.microsoft.com/office/powerpoint/2010/main" val="2374174340"/>
-              </p:ext>
-            </p:extLst>
-          </p:nvPr>
-        </p:nvGraphicFramePr>
-        <p:xfrm>
-          <a:off x="646011" y="2246811"/>
-          <a:ext cx="7851977" cy="4119155"/>
-        </p:xfrm>
-        <a:graphic>
-          <a:graphicData uri="http://schemas.openxmlformats.org/drawingml/2006/chart">
-            <c:chart xmlns:c="http://schemas.openxmlformats.org/drawingml/2006/chart" xmlns:r="http://schemas.openxmlformats.org/officeDocument/2006/relationships" r:id="rId3"/>
-          </a:graphicData>
-        </a:graphic>
-      </p:graphicFrame>
-      <p:sp>
-        <p:nvSpPr>
-          <p:cNvPr id="6" name="Google Shape;459;p72">
-            <a:extLst>
-              <a:ext uri="{FF2B5EF4-FFF2-40B4-BE49-F238E27FC236}">
-                <a16:creationId xmlns:a16="http://schemas.microsoft.com/office/drawing/2014/main" id="{143B1440-E427-0137-F076-338B922606F9}"/>
-              </a:ext>
-            </a:extLst>
-          </p:cNvPr>
-          <p:cNvSpPr txBox="1"/>
-          <p:nvPr/>
-        </p:nvSpPr>
-        <p:spPr>
-          <a:xfrm>
-            <a:off x="308842" y="945788"/>
-            <a:ext cx="8170842" cy="926556"/>
-          </a:xfrm>
-          <a:prstGeom prst="rect">
-            <a:avLst/>
-          </a:prstGeom>
-          <a:noFill/>
-          <a:ln>
-            <a:noFill/>
-          </a:ln>
-        </p:spPr>
-        <p:txBody>
-          <a:bodyPr spcFirstLastPara="1" wrap="square" lIns="91425" tIns="45700" rIns="91425" bIns="45700" anchor="t" anchorCtr="0">
-            <a:noAutofit/>
-          </a:bodyPr>
-          <a:lstStyle/>
-          <a:p>
-            <a:pPr marL="360363" marR="0" lvl="0" indent="-360363" algn="l" rtl="0">
-              <a:lnSpc>
-                <a:spcPct val="90000"/>
-              </a:lnSpc>
-              <a:spcBef>
-                <a:spcPts val="0"/>
-              </a:spcBef>
-              <a:spcAft>
-                <a:spcPts val="0"/>
-              </a:spcAft>
-              <a:buClr>
-                <a:srgbClr val="D60093"/>
-              </a:buClr>
-              <a:buSzPts val="2560"/>
-              <a:buFont typeface="Arial"/>
-              <a:buChar char="■"/>
-            </a:pPr>
-            <a:r>
-              <a:rPr lang="en-US" altLang="zh-TW" sz="2800" dirty="0">
-                <a:solidFill>
-                  <a:schemeClr val="dk1"/>
-                </a:solidFill>
-                <a:latin typeface="Calibri"/>
-                <a:ea typeface="Calibri"/>
-                <a:cs typeface="Calibri"/>
-                <a:sym typeface="Calibri"/>
-              </a:rPr>
-              <a:t>Worse Timing Constraints leads to longer execution time leads to more refreshes</a:t>
-            </a:r>
-            <a:endParaRPr lang="en-US" altLang="zh-TW" sz="2800" dirty="0">
-              <a:solidFill>
-                <a:srgbClr val="FF0000"/>
-              </a:solidFill>
-              <a:latin typeface="Calibri"/>
-              <a:ea typeface="Calibri"/>
-              <a:cs typeface="Calibri"/>
-              <a:sym typeface="Calibri"/>
-            </a:endParaRPr>
-          </a:p>
-        </p:txBody>
-      </p:sp>
-    </p:spTree>
-    <p:extLst>
-      <p:ext uri="{BB962C8B-B14F-4D97-AF65-F5344CB8AC3E}">
-        <p14:creationId xmlns:p14="http://schemas.microsoft.com/office/powerpoint/2010/main" val="545443106"/>
-      </p:ext>
-    </p:extLst>
-  </p:cSld>
-  <p:clrMapOvr>
-    <a:masterClrMapping/>
-  </p:clrMapOvr>
-</p:sld>
-</file>
-
-<file path=ppt/slides/slide6.xml><?xml version="1.0" encoding="utf-8"?>
-<p:sld xmlns:a="http://schemas.openxmlformats.org/drawingml/2006/main" xmlns:r="http://schemas.openxmlformats.org/officeDocument/2006/relationships" xmlns:p="http://schemas.openxmlformats.org/presentationml/2006/main">
-  <p:cSld>
-    <p:spTree>
-      <p:nvGrpSpPr>
-        <p:cNvPr id="1" name="Shape 62">
-          <a:extLst>
-            <a:ext uri="{FF2B5EF4-FFF2-40B4-BE49-F238E27FC236}">
-              <a16:creationId xmlns:a16="http://schemas.microsoft.com/office/drawing/2014/main" id="{EE801DCE-BA5A-23B1-CEF8-67FF8DC23D8E}"/>
-            </a:ext>
-          </a:extLst>
-        </p:cNvPr>
-        <p:cNvGrpSpPr/>
-        <p:nvPr/>
-      </p:nvGrpSpPr>
-      <p:grpSpPr>
-        <a:xfrm>
-          <a:off x="0" y="0"/>
-          <a:ext cx="0" cy="0"/>
-          <a:chOff x="0" y="0"/>
-          <a:chExt cx="0" cy="0"/>
-        </a:xfrm>
-      </p:grpSpPr>
-      <p:sp>
-        <p:nvSpPr>
-          <p:cNvPr id="63" name="Google Shape;63;g35318edb1a6_0_0">
-            <a:extLst>
-              <a:ext uri="{FF2B5EF4-FFF2-40B4-BE49-F238E27FC236}">
-                <a16:creationId xmlns:a16="http://schemas.microsoft.com/office/drawing/2014/main" id="{24AE7B09-5C0C-ECD4-1040-DDE3DFA452B7}"/>
-              </a:ext>
-            </a:extLst>
-          </p:cNvPr>
-          <p:cNvSpPr txBox="1">
-            <a:spLocks noGrp="1"/>
-          </p:cNvSpPr>
-          <p:nvPr>
-            <p:ph type="title"/>
-          </p:nvPr>
-        </p:nvSpPr>
-        <p:spPr>
-          <a:xfrm>
-            <a:off x="326797" y="98470"/>
-            <a:ext cx="8686573" cy="649200"/>
-          </a:xfrm>
-          <a:prstGeom prst="rect">
-            <a:avLst/>
-          </a:prstGeom>
-          <a:noFill/>
-          <a:ln>
-            <a:noFill/>
-          </a:ln>
-        </p:spPr>
-        <p:txBody>
-          <a:bodyPr spcFirstLastPara="1" wrap="square" lIns="0" tIns="45700" rIns="91425" bIns="45700" anchor="b" anchorCtr="0">
-            <a:noAutofit/>
-          </a:bodyPr>
-          <a:lstStyle/>
-          <a:p>
-            <a:pPr marL="0" lvl="0" indent="0" algn="l" rtl="0">
-              <a:lnSpc>
-                <a:spcPct val="100000"/>
-              </a:lnSpc>
-              <a:spcBef>
-                <a:spcPts val="0"/>
-              </a:spcBef>
-              <a:spcAft>
-                <a:spcPts val="0"/>
-              </a:spcAft>
-              <a:buSzPts val="1400"/>
-              <a:buNone/>
-            </a:pPr>
-            <a:r>
-              <a:rPr lang="en-US" dirty="0"/>
-              <a:t>Refresh Counts with Different Bank Sizes</a:t>
-            </a:r>
-            <a:endParaRPr dirty="0"/>
-          </a:p>
-        </p:txBody>
-      </p:sp>
-      <p:sp>
-        <p:nvSpPr>
-          <p:cNvPr id="6" name="Google Shape;459;p72">
-            <a:extLst>
-              <a:ext uri="{FF2B5EF4-FFF2-40B4-BE49-F238E27FC236}">
-                <a16:creationId xmlns:a16="http://schemas.microsoft.com/office/drawing/2014/main" id="{FC818565-7CD1-E9F8-B0EA-569082D61B5C}"/>
-              </a:ext>
-            </a:extLst>
-          </p:cNvPr>
-          <p:cNvSpPr txBox="1"/>
-          <p:nvPr/>
-        </p:nvSpPr>
-        <p:spPr>
-          <a:xfrm>
-            <a:off x="308842" y="945788"/>
-            <a:ext cx="8170842" cy="1124674"/>
-          </a:xfrm>
-          <a:prstGeom prst="rect">
-            <a:avLst/>
-          </a:prstGeom>
-          <a:noFill/>
-          <a:ln>
-            <a:noFill/>
-          </a:ln>
-        </p:spPr>
-        <p:txBody>
-          <a:bodyPr spcFirstLastPara="1" wrap="square" lIns="91425" tIns="45700" rIns="91425" bIns="45700" anchor="t" anchorCtr="0">
-            <a:noAutofit/>
-          </a:bodyPr>
-          <a:lstStyle/>
-          <a:p>
-            <a:pPr marL="360363" marR="0" lvl="0" indent="-360363" algn="l" rtl="0">
-              <a:lnSpc>
-                <a:spcPct val="90000"/>
-              </a:lnSpc>
-              <a:spcBef>
-                <a:spcPts val="0"/>
-              </a:spcBef>
-              <a:spcAft>
-                <a:spcPts val="0"/>
-              </a:spcAft>
-              <a:buClr>
-                <a:srgbClr val="D60093"/>
-              </a:buClr>
-              <a:buSzPts val="2560"/>
-              <a:buFont typeface="Arial"/>
-              <a:buChar char="■"/>
-            </a:pPr>
-            <a:r>
-              <a:rPr lang="en-US" altLang="zh-TW" sz="2800" dirty="0">
-                <a:solidFill>
-                  <a:schemeClr val="dk1"/>
-                </a:solidFill>
-                <a:latin typeface="Calibri"/>
-                <a:ea typeface="Calibri"/>
-                <a:cs typeface="Calibri"/>
-                <a:sym typeface="Calibri"/>
-              </a:rPr>
-              <a:t>WUPR helps skips unnecessary refreshes thus refresh counts does not change much as bank size increases</a:t>
-            </a:r>
-            <a:endParaRPr lang="en-US" altLang="zh-TW" sz="2800" dirty="0">
-              <a:solidFill>
-                <a:srgbClr val="FF0000"/>
-              </a:solidFill>
-              <a:latin typeface="Calibri"/>
-              <a:ea typeface="Calibri"/>
-              <a:cs typeface="Calibri"/>
-              <a:sym typeface="Calibri"/>
-            </a:endParaRPr>
-          </a:p>
-        </p:txBody>
-      </p:sp>
-      <p:graphicFrame>
-        <p:nvGraphicFramePr>
-          <p:cNvPr id="2" name="圖表 1">
-            <a:extLst>
-              <a:ext uri="{FF2B5EF4-FFF2-40B4-BE49-F238E27FC236}">
-                <a16:creationId xmlns:a16="http://schemas.microsoft.com/office/drawing/2014/main" id="{0117C26E-16F2-0194-1982-06A9063A4E9F}"/>
-              </a:ext>
-            </a:extLst>
-          </p:cNvPr>
-          <p:cNvGraphicFramePr>
-            <a:graphicFrameLocks/>
-          </p:cNvGraphicFramePr>
-          <p:nvPr>
-            <p:extLst>
-              <p:ext uri="{D42A27DB-BD31-4B8C-83A1-F6EECF244321}">
-                <p14:modId xmlns:p14="http://schemas.microsoft.com/office/powerpoint/2010/main" val="1889668960"/>
-              </p:ext>
-            </p:extLst>
-          </p:nvPr>
-        </p:nvGraphicFramePr>
-        <p:xfrm>
-          <a:off x="461554" y="2070462"/>
-          <a:ext cx="8018130" cy="4269378"/>
-        </p:xfrm>
-        <a:graphic>
-          <a:graphicData uri="http://schemas.openxmlformats.org/drawingml/2006/chart">
-            <c:chart xmlns:c="http://schemas.openxmlformats.org/drawingml/2006/chart" xmlns:r="http://schemas.openxmlformats.org/officeDocument/2006/relationships" r:id="rId3"/>
-          </a:graphicData>
-        </a:graphic>
-      </p:graphicFrame>
-    </p:spTree>
-    <p:extLst>
-      <p:ext uri="{BB962C8B-B14F-4D97-AF65-F5344CB8AC3E}">
-        <p14:creationId xmlns:p14="http://schemas.microsoft.com/office/powerpoint/2010/main" val="2136109863"/>
-      </p:ext>
-    </p:extLst>
-  </p:cSld>
-  <p:clrMapOvr>
-    <a:masterClrMapping/>
-  </p:clrMapOvr>
-</p:sld>
-</file>
-
-<file path=ppt/slides/slide7.xml><?xml version="1.0" encoding="utf-8"?>
-<p:sld xmlns:a="http://schemas.openxmlformats.org/drawingml/2006/main" xmlns:r="http://schemas.openxmlformats.org/officeDocument/2006/relationships" xmlns:p="http://schemas.openxmlformats.org/presentationml/2006/main">
-  <p:cSld>
-    <p:spTree>
-      <p:nvGrpSpPr>
-        <p:cNvPr id="1" name="Shape 62">
-          <a:extLst>
-            <a:ext uri="{FF2B5EF4-FFF2-40B4-BE49-F238E27FC236}">
-              <a16:creationId xmlns:a16="http://schemas.microsoft.com/office/drawing/2014/main" id="{691976F1-73A2-A4E3-37BD-C4B43308EE45}"/>
-            </a:ext>
-          </a:extLst>
-        </p:cNvPr>
-        <p:cNvGrpSpPr/>
-        <p:nvPr/>
-      </p:nvGrpSpPr>
-      <p:grpSpPr>
-        <a:xfrm>
-          <a:off x="0" y="0"/>
-          <a:ext cx="0" cy="0"/>
-          <a:chOff x="0" y="0"/>
-          <a:chExt cx="0" cy="0"/>
-        </a:xfrm>
-      </p:grpSpPr>
-      <p:sp>
-        <p:nvSpPr>
-          <p:cNvPr id="63" name="Google Shape;63;g35318edb1a6_0_0">
-            <a:extLst>
-              <a:ext uri="{FF2B5EF4-FFF2-40B4-BE49-F238E27FC236}">
-                <a16:creationId xmlns:a16="http://schemas.microsoft.com/office/drawing/2014/main" id="{0CA82115-1F4D-E5CF-92E4-2C72DA94BA7A}"/>
-              </a:ext>
-            </a:extLst>
-          </p:cNvPr>
-          <p:cNvSpPr txBox="1">
-            <a:spLocks noGrp="1"/>
-          </p:cNvSpPr>
-          <p:nvPr>
-            <p:ph type="title"/>
-          </p:nvPr>
-        </p:nvSpPr>
-        <p:spPr>
-          <a:xfrm>
-            <a:off x="326797" y="98470"/>
-            <a:ext cx="8817203" cy="649200"/>
-          </a:xfrm>
-          <a:prstGeom prst="rect">
-            <a:avLst/>
-          </a:prstGeom>
-          <a:noFill/>
-          <a:ln>
-            <a:noFill/>
-          </a:ln>
-        </p:spPr>
-        <p:txBody>
-          <a:bodyPr spcFirstLastPara="1" wrap="square" lIns="0" tIns="45700" rIns="91425" bIns="45700" anchor="b" anchorCtr="0">
-            <a:noAutofit/>
-          </a:bodyPr>
-          <a:lstStyle/>
-          <a:p>
-            <a:pPr marL="0" lvl="0" indent="0" algn="l" rtl="0">
-              <a:lnSpc>
-                <a:spcPct val="100000"/>
-              </a:lnSpc>
-              <a:spcBef>
-                <a:spcPts val="0"/>
-              </a:spcBef>
-              <a:spcAft>
-                <a:spcPts val="0"/>
-              </a:spcAft>
-              <a:buSzPts val="1400"/>
-              <a:buNone/>
-            </a:pPr>
-            <a:r>
-              <a:rPr lang="en-US" dirty="0"/>
-              <a:t>Average Bandwidth with Different Bank Sizes</a:t>
-            </a:r>
-            <a:endParaRPr dirty="0"/>
-          </a:p>
-        </p:txBody>
-      </p:sp>
-      <p:sp>
-        <p:nvSpPr>
-          <p:cNvPr id="6" name="Google Shape;459;p72">
-            <a:extLst>
-              <a:ext uri="{FF2B5EF4-FFF2-40B4-BE49-F238E27FC236}">
-                <a16:creationId xmlns:a16="http://schemas.microsoft.com/office/drawing/2014/main" id="{753162EB-7ADC-E9F4-0B57-663ADF985C2B}"/>
-              </a:ext>
-            </a:extLst>
-          </p:cNvPr>
-          <p:cNvSpPr txBox="1"/>
-          <p:nvPr/>
-        </p:nvSpPr>
-        <p:spPr>
-          <a:xfrm>
-            <a:off x="308842" y="945788"/>
-            <a:ext cx="8170842" cy="1274898"/>
-          </a:xfrm>
-          <a:prstGeom prst="rect">
-            <a:avLst/>
-          </a:prstGeom>
-          <a:noFill/>
-          <a:ln>
-            <a:noFill/>
-          </a:ln>
-        </p:spPr>
-        <p:txBody>
-          <a:bodyPr spcFirstLastPara="1" wrap="square" lIns="91425" tIns="45700" rIns="91425" bIns="45700" anchor="t" anchorCtr="0">
-            <a:noAutofit/>
-          </a:bodyPr>
-          <a:lstStyle/>
-          <a:p>
-            <a:pPr marL="360363" marR="0" lvl="0" indent="-360363" algn="l" rtl="0">
-              <a:lnSpc>
-                <a:spcPct val="90000"/>
-              </a:lnSpc>
-              <a:spcBef>
-                <a:spcPts val="0"/>
-              </a:spcBef>
-              <a:spcAft>
-                <a:spcPts val="0"/>
-              </a:spcAft>
-              <a:buClr>
-                <a:srgbClr val="D60093"/>
-              </a:buClr>
-              <a:buSzPts val="2560"/>
-              <a:buFont typeface="Arial"/>
-              <a:buChar char="■"/>
-            </a:pPr>
-            <a:r>
-              <a:rPr lang="en-US" altLang="zh-TW" sz="2800" dirty="0">
-                <a:solidFill>
-                  <a:schemeClr val="dk1"/>
-                </a:solidFill>
-                <a:latin typeface="Calibri"/>
-                <a:ea typeface="Calibri"/>
-                <a:cs typeface="Calibri"/>
-                <a:sym typeface="Calibri"/>
-              </a:rPr>
-              <a:t>Larger banks size bank leads to longer execution time, more long period refreshes, WUPR skipping refreshes performs well for larger banks</a:t>
-            </a:r>
-            <a:endParaRPr lang="en-US" altLang="zh-TW" sz="2800" dirty="0">
-              <a:solidFill>
-                <a:srgbClr val="FF0000"/>
-              </a:solidFill>
-              <a:latin typeface="Calibri"/>
-              <a:ea typeface="Calibri"/>
-              <a:cs typeface="Calibri"/>
-              <a:sym typeface="Calibri"/>
-            </a:endParaRPr>
-          </a:p>
-        </p:txBody>
-      </p:sp>
-      <p:graphicFrame>
-        <p:nvGraphicFramePr>
-          <p:cNvPr id="3" name="圖表 2">
-            <a:extLst>
-              <a:ext uri="{FF2B5EF4-FFF2-40B4-BE49-F238E27FC236}">
-                <a16:creationId xmlns:a16="http://schemas.microsoft.com/office/drawing/2014/main" id="{79081E58-55EF-500A-83D7-591EAD991BD4}"/>
-              </a:ext>
-            </a:extLst>
-          </p:cNvPr>
-          <p:cNvGraphicFramePr>
-            <a:graphicFrameLocks/>
-          </p:cNvGraphicFramePr>
-          <p:nvPr>
-            <p:extLst>
-              <p:ext uri="{D42A27DB-BD31-4B8C-83A1-F6EECF244321}">
-                <p14:modId xmlns:p14="http://schemas.microsoft.com/office/powerpoint/2010/main" val="2875008541"/>
-              </p:ext>
-            </p:extLst>
-          </p:nvPr>
-        </p:nvGraphicFramePr>
-        <p:xfrm>
-          <a:off x="426719" y="2484121"/>
-          <a:ext cx="8070919" cy="3942806"/>
-        </p:xfrm>
-        <a:graphic>
-          <a:graphicData uri="http://schemas.openxmlformats.org/drawingml/2006/chart">
-            <c:chart xmlns:c="http://schemas.openxmlformats.org/drawingml/2006/chart" xmlns:r="http://schemas.openxmlformats.org/officeDocument/2006/relationships" r:id="rId3"/>
-          </a:graphicData>
-        </a:graphic>
-      </p:graphicFrame>
-    </p:spTree>
-    <p:extLst>
-      <p:ext uri="{BB962C8B-B14F-4D97-AF65-F5344CB8AC3E}">
-        <p14:creationId xmlns:p14="http://schemas.microsoft.com/office/powerpoint/2010/main" val="2845781419"/>
-      </p:ext>
-    </p:extLst>
-  </p:cSld>
-  <p:clrMapOvr>
-    <a:masterClrMapping/>
-  </p:clrMapOvr>
-</p:sld>
-</file>
-
-<file path=ppt/slides/slide8.xml><?xml version="1.0" encoding="utf-8"?>
-<p:sld xmlns:a="http://schemas.openxmlformats.org/drawingml/2006/main" xmlns:r="http://schemas.openxmlformats.org/officeDocument/2006/relationships" xmlns:p="http://schemas.openxmlformats.org/presentationml/2006/main">
-  <p:cSld>
-    <p:spTree>
-      <p:nvGrpSpPr>
-        <p:cNvPr id="1" name="Shape 62">
-          <a:extLst>
-            <a:ext uri="{FF2B5EF4-FFF2-40B4-BE49-F238E27FC236}">
-              <a16:creationId xmlns:a16="http://schemas.microsoft.com/office/drawing/2014/main" id="{DA05A083-7401-6DF3-026E-EF354E790501}"/>
-            </a:ext>
-          </a:extLst>
-        </p:cNvPr>
-        <p:cNvGrpSpPr/>
-        <p:nvPr/>
-      </p:nvGrpSpPr>
-      <p:grpSpPr>
-        <a:xfrm>
-          <a:off x="0" y="0"/>
-          <a:ext cx="0" cy="0"/>
-          <a:chOff x="0" y="0"/>
-          <a:chExt cx="0" cy="0"/>
-        </a:xfrm>
-      </p:grpSpPr>
-      <p:sp>
-        <p:nvSpPr>
-          <p:cNvPr id="63" name="Google Shape;63;g35318edb1a6_0_0">
-            <a:extLst>
-              <a:ext uri="{FF2B5EF4-FFF2-40B4-BE49-F238E27FC236}">
-                <a16:creationId xmlns:a16="http://schemas.microsoft.com/office/drawing/2014/main" id="{2EEE6ECE-8723-A5EE-4C72-91614EDDFBB4}"/>
-              </a:ext>
-            </a:extLst>
-          </p:cNvPr>
-          <p:cNvSpPr txBox="1">
-            <a:spLocks noGrp="1"/>
-          </p:cNvSpPr>
-          <p:nvPr>
-            <p:ph type="title"/>
-          </p:nvPr>
-        </p:nvSpPr>
-        <p:spPr>
-          <a:xfrm>
-            <a:off x="308842" y="72344"/>
-            <a:ext cx="8817203" cy="649200"/>
-          </a:xfrm>
-          <a:prstGeom prst="rect">
-            <a:avLst/>
-          </a:prstGeom>
-          <a:noFill/>
-          <a:ln>
-            <a:noFill/>
-          </a:ln>
-        </p:spPr>
-        <p:txBody>
-          <a:bodyPr spcFirstLastPara="1" wrap="square" lIns="0" tIns="45700" rIns="91425" bIns="45700" anchor="b" anchorCtr="0">
-            <a:noAutofit/>
-          </a:bodyPr>
-          <a:lstStyle/>
-          <a:p>
-            <a:pPr marL="0" lvl="0" indent="0" algn="l" rtl="0">
-              <a:lnSpc>
-                <a:spcPct val="100000"/>
-              </a:lnSpc>
-              <a:spcBef>
-                <a:spcPts val="0"/>
-              </a:spcBef>
-              <a:spcAft>
-                <a:spcPts val="0"/>
-              </a:spcAft>
-              <a:buSzPts val="1400"/>
-              <a:buNone/>
-            </a:pPr>
-            <a:r>
-              <a:rPr lang="en-US" dirty="0"/>
-              <a:t>Average Bandwidth with Different Bank Sizes</a:t>
-            </a:r>
-            <a:endParaRPr dirty="0"/>
-          </a:p>
-        </p:txBody>
-      </p:sp>
-      <p:sp>
-        <p:nvSpPr>
-          <p:cNvPr id="6" name="Google Shape;459;p72">
-            <a:extLst>
-              <a:ext uri="{FF2B5EF4-FFF2-40B4-BE49-F238E27FC236}">
-                <a16:creationId xmlns:a16="http://schemas.microsoft.com/office/drawing/2014/main" id="{622F1220-B603-6B04-B14B-E9AC0D42A5DB}"/>
-              </a:ext>
-            </a:extLst>
-          </p:cNvPr>
-          <p:cNvSpPr txBox="1"/>
-          <p:nvPr/>
-        </p:nvSpPr>
-        <p:spPr>
-          <a:xfrm>
-            <a:off x="308842" y="945787"/>
-            <a:ext cx="8170842" cy="1196521"/>
-          </a:xfrm>
-          <a:prstGeom prst="rect">
-            <a:avLst/>
-          </a:prstGeom>
-          <a:noFill/>
-          <a:ln>
-            <a:noFill/>
-          </a:ln>
-        </p:spPr>
-        <p:txBody>
-          <a:bodyPr spcFirstLastPara="1" wrap="square" lIns="91425" tIns="45700" rIns="91425" bIns="45700" anchor="t" anchorCtr="0">
-            <a:noAutofit/>
-          </a:bodyPr>
-          <a:lstStyle/>
-          <a:p>
-            <a:pPr marL="360363" marR="0" lvl="0" indent="-360363" algn="l" rtl="0">
-              <a:lnSpc>
-                <a:spcPct val="90000"/>
-              </a:lnSpc>
-              <a:spcBef>
-                <a:spcPts val="0"/>
-              </a:spcBef>
-              <a:spcAft>
-                <a:spcPts val="0"/>
-              </a:spcAft>
-              <a:buClr>
-                <a:srgbClr val="D60093"/>
-              </a:buClr>
-              <a:buSzPts val="2560"/>
-              <a:buFont typeface="Arial"/>
-              <a:buChar char="■"/>
-            </a:pPr>
-            <a:r>
-              <a:rPr lang="en-US" altLang="zh-TW" sz="2800" dirty="0">
-                <a:solidFill>
-                  <a:schemeClr val="dk1"/>
-                </a:solidFill>
-                <a:latin typeface="Calibri"/>
-                <a:ea typeface="Calibri"/>
-                <a:cs typeface="Calibri"/>
-                <a:sym typeface="Calibri"/>
-              </a:rPr>
-              <a:t>Larger banks size leads to higher energy consumption due to longer latency and higher access energy</a:t>
-            </a:r>
-            <a:endParaRPr lang="en-US" altLang="zh-TW" sz="2800" dirty="0">
-              <a:solidFill>
-                <a:srgbClr val="FF0000"/>
-              </a:solidFill>
-              <a:latin typeface="Calibri"/>
-              <a:ea typeface="Calibri"/>
-              <a:cs typeface="Calibri"/>
-              <a:sym typeface="Calibri"/>
-            </a:endParaRPr>
-          </a:p>
-        </p:txBody>
-      </p:sp>
-      <p:graphicFrame>
-        <p:nvGraphicFramePr>
-          <p:cNvPr id="2" name="圖表 1">
-            <a:extLst>
-              <a:ext uri="{FF2B5EF4-FFF2-40B4-BE49-F238E27FC236}">
-                <a16:creationId xmlns:a16="http://schemas.microsoft.com/office/drawing/2014/main" id="{D5A3F5F8-C55D-26D6-8249-F0A46A44B46C}"/>
-              </a:ext>
-            </a:extLst>
-          </p:cNvPr>
-          <p:cNvGraphicFramePr>
-            <a:graphicFrameLocks/>
-          </p:cNvGraphicFramePr>
-          <p:nvPr>
-            <p:extLst>
-              <p:ext uri="{D42A27DB-BD31-4B8C-83A1-F6EECF244321}">
-                <p14:modId xmlns:p14="http://schemas.microsoft.com/office/powerpoint/2010/main" val="3109355982"/>
-              </p:ext>
-            </p:extLst>
-          </p:nvPr>
-        </p:nvGraphicFramePr>
-        <p:xfrm>
-          <a:off x="326797" y="2281646"/>
-          <a:ext cx="8416609" cy="4110445"/>
-        </p:xfrm>
-        <a:graphic>
-          <a:graphicData uri="http://schemas.openxmlformats.org/drawingml/2006/chart">
-            <c:chart xmlns:c="http://schemas.openxmlformats.org/drawingml/2006/chart" xmlns:r="http://schemas.openxmlformats.org/officeDocument/2006/relationships" r:id="rId3"/>
-          </a:graphicData>
-        </a:graphic>
-      </p:graphicFrame>
-    </p:spTree>
-    <p:extLst>
-      <p:ext uri="{BB962C8B-B14F-4D97-AF65-F5344CB8AC3E}">
-        <p14:creationId xmlns:p14="http://schemas.microsoft.com/office/powerpoint/2010/main" val="423195628"/>
-      </p:ext>
-    </p:extLst>
-  </p:cSld>
-  <p:clrMapOvr>
-    <a:masterClrMapping/>
-  </p:clrMapOvr>
-</p:sld>
-</file>
-
-<file path=ppt/slides/slide9.xml><?xml version="1.0" encoding="utf-8"?>
 <p:sld xmlns:a="http://schemas.openxmlformats.org/drawingml/2006/main" xmlns:r="http://schemas.openxmlformats.org/officeDocument/2006/relationships" xmlns:p="http://schemas.openxmlformats.org/presentationml/2006/main">
   <p:cSld>
     <p:spTree>
@@ -22756,6 +21526,2651 @@
 </p:sld>
 </file>
 
+<file path=ppt/slides/slide12.xml><?xml version="1.0" encoding="utf-8"?>
+<p:sld xmlns:a="http://schemas.openxmlformats.org/drawingml/2006/main" xmlns:r="http://schemas.openxmlformats.org/officeDocument/2006/relationships" xmlns:p="http://schemas.openxmlformats.org/presentationml/2006/main">
+  <p:cSld>
+    <p:spTree>
+      <p:nvGrpSpPr>
+        <p:cNvPr id="1" name="Shape 183">
+          <a:extLst>
+            <a:ext uri="{FF2B5EF4-FFF2-40B4-BE49-F238E27FC236}">
+              <a16:creationId xmlns:a16="http://schemas.microsoft.com/office/drawing/2014/main" id="{0B895FD6-1D1C-B6EA-77E9-A897BBAAACF2}"/>
+            </a:ext>
+          </a:extLst>
+        </p:cNvPr>
+        <p:cNvGrpSpPr/>
+        <p:nvPr/>
+      </p:nvGrpSpPr>
+      <p:grpSpPr>
+        <a:xfrm>
+          <a:off x="0" y="0"/>
+          <a:ext cx="0" cy="0"/>
+          <a:chOff x="0" y="0"/>
+          <a:chExt cx="0" cy="0"/>
+        </a:xfrm>
+      </p:grpSpPr>
+      <p:sp>
+        <p:nvSpPr>
+          <p:cNvPr id="184" name="Google Shape;184;p7">
+            <a:extLst>
+              <a:ext uri="{FF2B5EF4-FFF2-40B4-BE49-F238E27FC236}">
+                <a16:creationId xmlns:a16="http://schemas.microsoft.com/office/drawing/2014/main" id="{3C8FAC79-7FFD-1393-7F1B-DC14422689F0}"/>
+              </a:ext>
+            </a:extLst>
+          </p:cNvPr>
+          <p:cNvSpPr txBox="1">
+            <a:spLocks noGrp="1"/>
+          </p:cNvSpPr>
+          <p:nvPr>
+            <p:ph type="title"/>
+          </p:nvPr>
+        </p:nvSpPr>
+        <p:spPr>
+          <a:xfrm>
+            <a:off x="544513" y="115888"/>
+            <a:ext cx="7699500" cy="649200"/>
+          </a:xfrm>
+          <a:prstGeom prst="rect">
+            <a:avLst/>
+          </a:prstGeom>
+          <a:noFill/>
+          <a:ln>
+            <a:noFill/>
+          </a:ln>
+        </p:spPr>
+        <p:txBody>
+          <a:bodyPr spcFirstLastPara="1" wrap="square" lIns="0" tIns="45700" rIns="91425" bIns="45700" anchor="b" anchorCtr="0">
+            <a:noAutofit/>
+          </a:bodyPr>
+          <a:lstStyle/>
+          <a:p>
+            <a:pPr marL="0" lvl="0" indent="0" algn="l" rtl="0">
+              <a:lnSpc>
+                <a:spcPct val="100000"/>
+              </a:lnSpc>
+              <a:spcBef>
+                <a:spcPts val="0"/>
+              </a:spcBef>
+              <a:spcAft>
+                <a:spcPts val="0"/>
+              </a:spcAft>
+              <a:buSzPts val="1400"/>
+              <a:buNone/>
+            </a:pPr>
+            <a:r>
+              <a:rPr lang="en-US" dirty="0"/>
+              <a:t>Original 3D-DRAM Die</a:t>
+            </a:r>
+            <a:endParaRPr dirty="0"/>
+          </a:p>
+        </p:txBody>
+      </p:sp>
+      <p:pic>
+        <p:nvPicPr>
+          <p:cNvPr id="4" name="圖片 3" descr="一張含有 文字, 螢幕擷取畫面, 圖表, 方案 的圖片&#10;&#10;自動產生的描述">
+            <a:extLst>
+              <a:ext uri="{FF2B5EF4-FFF2-40B4-BE49-F238E27FC236}">
+                <a16:creationId xmlns:a16="http://schemas.microsoft.com/office/drawing/2014/main" id="{B8F25890-E162-E8D4-166B-66CDD3FDE806}"/>
+              </a:ext>
+            </a:extLst>
+          </p:cNvPr>
+          <p:cNvPicPr>
+            <a:picLocks noChangeAspect="1"/>
+          </p:cNvPicPr>
+          <p:nvPr/>
+        </p:nvPicPr>
+        <p:blipFill>
+          <a:blip r:embed="rId3"/>
+          <a:stretch>
+            <a:fillRect/>
+          </a:stretch>
+        </p:blipFill>
+        <p:spPr>
+          <a:xfrm>
+            <a:off x="0" y="1049998"/>
+            <a:ext cx="9144000" cy="4758004"/>
+          </a:xfrm>
+          <a:prstGeom prst="rect">
+            <a:avLst/>
+          </a:prstGeom>
+        </p:spPr>
+      </p:pic>
+    </p:spTree>
+    <p:extLst>
+      <p:ext uri="{BB962C8B-B14F-4D97-AF65-F5344CB8AC3E}">
+        <p14:creationId xmlns:p14="http://schemas.microsoft.com/office/powerpoint/2010/main" val="1908090360"/>
+      </p:ext>
+    </p:extLst>
+  </p:cSld>
+  <p:clrMapOvr>
+    <a:masterClrMapping/>
+  </p:clrMapOvr>
+</p:sld>
+</file>
+
+<file path=ppt/slides/slide13.xml><?xml version="1.0" encoding="utf-8"?>
+<p:sld xmlns:a="http://schemas.openxmlformats.org/drawingml/2006/main" xmlns:r="http://schemas.openxmlformats.org/officeDocument/2006/relationships" xmlns:p="http://schemas.openxmlformats.org/presentationml/2006/main">
+  <p:cSld>
+    <p:spTree>
+      <p:nvGrpSpPr>
+        <p:cNvPr id="1" name="Shape 183">
+          <a:extLst>
+            <a:ext uri="{FF2B5EF4-FFF2-40B4-BE49-F238E27FC236}">
+              <a16:creationId xmlns:a16="http://schemas.microsoft.com/office/drawing/2014/main" id="{963AFD96-6A53-80D1-8725-9D63EF7FA5F1}"/>
+            </a:ext>
+          </a:extLst>
+        </p:cNvPr>
+        <p:cNvGrpSpPr/>
+        <p:nvPr/>
+      </p:nvGrpSpPr>
+      <p:grpSpPr>
+        <a:xfrm>
+          <a:off x="0" y="0"/>
+          <a:ext cx="0" cy="0"/>
+          <a:chOff x="0" y="0"/>
+          <a:chExt cx="0" cy="0"/>
+        </a:xfrm>
+      </p:grpSpPr>
+      <p:sp>
+        <p:nvSpPr>
+          <p:cNvPr id="184" name="Google Shape;184;p7">
+            <a:extLst>
+              <a:ext uri="{FF2B5EF4-FFF2-40B4-BE49-F238E27FC236}">
+                <a16:creationId xmlns:a16="http://schemas.microsoft.com/office/drawing/2014/main" id="{D805F054-16B8-2E37-4010-493FF95BDE1F}"/>
+              </a:ext>
+            </a:extLst>
+          </p:cNvPr>
+          <p:cNvSpPr txBox="1">
+            <a:spLocks noGrp="1"/>
+          </p:cNvSpPr>
+          <p:nvPr>
+            <p:ph type="title"/>
+          </p:nvPr>
+        </p:nvSpPr>
+        <p:spPr>
+          <a:xfrm>
+            <a:off x="544513" y="115888"/>
+            <a:ext cx="7699500" cy="649200"/>
+          </a:xfrm>
+          <a:prstGeom prst="rect">
+            <a:avLst/>
+          </a:prstGeom>
+          <a:noFill/>
+          <a:ln>
+            <a:noFill/>
+          </a:ln>
+        </p:spPr>
+        <p:txBody>
+          <a:bodyPr spcFirstLastPara="1" wrap="square" lIns="0" tIns="45700" rIns="91425" bIns="45700" anchor="b" anchorCtr="0">
+            <a:noAutofit/>
+          </a:bodyPr>
+          <a:lstStyle/>
+          <a:p>
+            <a:pPr marL="0" lvl="0" indent="0" algn="l" rtl="0">
+              <a:lnSpc>
+                <a:spcPct val="100000"/>
+              </a:lnSpc>
+              <a:spcBef>
+                <a:spcPts val="0"/>
+              </a:spcBef>
+              <a:spcAft>
+                <a:spcPts val="0"/>
+              </a:spcAft>
+              <a:buSzPts val="1400"/>
+              <a:buNone/>
+            </a:pPr>
+            <a:r>
+              <a:rPr lang="en-US" dirty="0"/>
+              <a:t>3D-DRAM Die Modification</a:t>
+            </a:r>
+            <a:endParaRPr dirty="0"/>
+          </a:p>
+        </p:txBody>
+      </p:sp>
+      <p:pic>
+        <p:nvPicPr>
+          <p:cNvPr id="5" name="圖片 4" descr="一張含有 文字, 螢幕擷取畫面, 圖表, 方案 的圖片&#10;&#10;自動產生的描述">
+            <a:extLst>
+              <a:ext uri="{FF2B5EF4-FFF2-40B4-BE49-F238E27FC236}">
+                <a16:creationId xmlns:a16="http://schemas.microsoft.com/office/drawing/2014/main" id="{618FC703-F975-ED01-F0D1-7902CC6A05EE}"/>
+              </a:ext>
+            </a:extLst>
+          </p:cNvPr>
+          <p:cNvPicPr>
+            <a:picLocks noChangeAspect="1"/>
+          </p:cNvPicPr>
+          <p:nvPr/>
+        </p:nvPicPr>
+        <p:blipFill>
+          <a:blip r:embed="rId3"/>
+          <a:stretch>
+            <a:fillRect/>
+          </a:stretch>
+        </p:blipFill>
+        <p:spPr>
+          <a:xfrm>
+            <a:off x="0" y="1049998"/>
+            <a:ext cx="9144000" cy="4758004"/>
+          </a:xfrm>
+          <a:prstGeom prst="rect">
+            <a:avLst/>
+          </a:prstGeom>
+        </p:spPr>
+      </p:pic>
+    </p:spTree>
+    <p:extLst>
+      <p:ext uri="{BB962C8B-B14F-4D97-AF65-F5344CB8AC3E}">
+        <p14:creationId xmlns:p14="http://schemas.microsoft.com/office/powerpoint/2010/main" val="3777710963"/>
+      </p:ext>
+    </p:extLst>
+  </p:cSld>
+  <p:clrMapOvr>
+    <a:masterClrMapping/>
+  </p:clrMapOvr>
+</p:sld>
+</file>
+
+<file path=ppt/slides/slide14.xml><?xml version="1.0" encoding="utf-8"?>
+<p:sld xmlns:a="http://schemas.openxmlformats.org/drawingml/2006/main" xmlns:r="http://schemas.openxmlformats.org/officeDocument/2006/relationships" xmlns:p="http://schemas.openxmlformats.org/presentationml/2006/main">
+  <p:cSld>
+    <p:spTree>
+      <p:nvGrpSpPr>
+        <p:cNvPr id="1" name="Shape 183">
+          <a:extLst>
+            <a:ext uri="{FF2B5EF4-FFF2-40B4-BE49-F238E27FC236}">
+              <a16:creationId xmlns:a16="http://schemas.microsoft.com/office/drawing/2014/main" id="{4947B9AA-CA10-B0DC-87B3-4CDF022B6B6C}"/>
+            </a:ext>
+          </a:extLst>
+        </p:cNvPr>
+        <p:cNvGrpSpPr/>
+        <p:nvPr/>
+      </p:nvGrpSpPr>
+      <p:grpSpPr>
+        <a:xfrm>
+          <a:off x="0" y="0"/>
+          <a:ext cx="0" cy="0"/>
+          <a:chOff x="0" y="0"/>
+          <a:chExt cx="0" cy="0"/>
+        </a:xfrm>
+      </p:grpSpPr>
+      <p:sp>
+        <p:nvSpPr>
+          <p:cNvPr id="184" name="Google Shape;184;p7">
+            <a:extLst>
+              <a:ext uri="{FF2B5EF4-FFF2-40B4-BE49-F238E27FC236}">
+                <a16:creationId xmlns:a16="http://schemas.microsoft.com/office/drawing/2014/main" id="{2AF44B2A-C11C-F304-9748-54AD0579BCC8}"/>
+              </a:ext>
+            </a:extLst>
+          </p:cNvPr>
+          <p:cNvSpPr txBox="1">
+            <a:spLocks noGrp="1"/>
+          </p:cNvSpPr>
+          <p:nvPr>
+            <p:ph type="title"/>
+          </p:nvPr>
+        </p:nvSpPr>
+        <p:spPr>
+          <a:xfrm>
+            <a:off x="544513" y="115888"/>
+            <a:ext cx="7699500" cy="649200"/>
+          </a:xfrm>
+          <a:prstGeom prst="rect">
+            <a:avLst/>
+          </a:prstGeom>
+          <a:noFill/>
+          <a:ln>
+            <a:noFill/>
+          </a:ln>
+        </p:spPr>
+        <p:txBody>
+          <a:bodyPr spcFirstLastPara="1" wrap="square" lIns="0" tIns="45700" rIns="91425" bIns="45700" anchor="b" anchorCtr="0">
+            <a:noAutofit/>
+          </a:bodyPr>
+          <a:lstStyle/>
+          <a:p>
+            <a:pPr marL="0" lvl="0" indent="0" algn="l" rtl="0">
+              <a:lnSpc>
+                <a:spcPct val="100000"/>
+              </a:lnSpc>
+              <a:spcBef>
+                <a:spcPts val="0"/>
+              </a:spcBef>
+              <a:spcAft>
+                <a:spcPts val="0"/>
+              </a:spcAft>
+              <a:buSzPts val="1400"/>
+              <a:buNone/>
+            </a:pPr>
+            <a:r>
+              <a:rPr lang="en-US" dirty="0"/>
+              <a:t>Reference</a:t>
+            </a:r>
+            <a:endParaRPr dirty="0"/>
+          </a:p>
+        </p:txBody>
+      </p:sp>
+      <p:sp>
+        <p:nvSpPr>
+          <p:cNvPr id="3" name="Google Shape;509;p89">
+            <a:extLst>
+              <a:ext uri="{FF2B5EF4-FFF2-40B4-BE49-F238E27FC236}">
+                <a16:creationId xmlns:a16="http://schemas.microsoft.com/office/drawing/2014/main" id="{E9F4CF19-FF35-63BF-81C6-37361815E653}"/>
+              </a:ext>
+            </a:extLst>
+          </p:cNvPr>
+          <p:cNvSpPr txBox="1"/>
+          <p:nvPr/>
+        </p:nvSpPr>
+        <p:spPr>
+          <a:xfrm>
+            <a:off x="471605" y="955722"/>
+            <a:ext cx="8024324" cy="1200288"/>
+          </a:xfrm>
+          <a:prstGeom prst="rect">
+            <a:avLst/>
+          </a:prstGeom>
+          <a:noFill/>
+          <a:ln>
+            <a:noFill/>
+          </a:ln>
+        </p:spPr>
+        <p:txBody>
+          <a:bodyPr spcFirstLastPara="1" wrap="square" lIns="91425" tIns="45700" rIns="91425" bIns="45700" anchor="t" anchorCtr="0">
+            <a:spAutoFit/>
+          </a:bodyPr>
+          <a:lstStyle/>
+          <a:p>
+            <a:pPr marL="0" marR="0" lvl="0" indent="0" algn="l" rtl="0">
+              <a:spcBef>
+                <a:spcPts val="0"/>
+              </a:spcBef>
+              <a:spcAft>
+                <a:spcPts val="0"/>
+              </a:spcAft>
+              <a:buNone/>
+            </a:pPr>
+            <a:r>
+              <a:rPr lang="en-US" sz="1800" dirty="0">
+                <a:solidFill>
+                  <a:schemeClr val="dk1"/>
+                </a:solidFill>
+                <a:latin typeface="Calibri"/>
+                <a:ea typeface="Calibri"/>
+                <a:cs typeface="Calibri"/>
+                <a:sym typeface="Calibri"/>
+              </a:rPr>
+              <a:t>[1] I. </a:t>
+            </a:r>
+            <a:r>
+              <a:rPr lang="en-US" sz="1800" dirty="0" err="1">
+                <a:solidFill>
+                  <a:schemeClr val="dk1"/>
+                </a:solidFill>
+                <a:latin typeface="Calibri"/>
+                <a:ea typeface="Calibri"/>
+                <a:cs typeface="Calibri"/>
+                <a:sym typeface="Calibri"/>
+              </a:rPr>
+              <a:t>Bhati</a:t>
+            </a:r>
+            <a:r>
+              <a:rPr lang="en-US" sz="1800" dirty="0">
+                <a:solidFill>
+                  <a:schemeClr val="dk1"/>
+                </a:solidFill>
+                <a:latin typeface="Calibri"/>
+                <a:ea typeface="Calibri"/>
+                <a:cs typeface="Calibri"/>
+                <a:sym typeface="Calibri"/>
+              </a:rPr>
+              <a:t>, Z. Chishti, S.-L. Lu, and B. L. Jacob, "Flexible Auto-Refresh: Enabling Scalable and Energy-Efficient DRAM Refresh Reductions," in </a:t>
+            </a:r>
+            <a:r>
+              <a:rPr lang="en-US" sz="1800" i="1" dirty="0">
+                <a:solidFill>
+                  <a:schemeClr val="dk1"/>
+                </a:solidFill>
+                <a:latin typeface="Calibri"/>
+                <a:ea typeface="Calibri"/>
+                <a:cs typeface="Calibri"/>
+                <a:sym typeface="Calibri"/>
+              </a:rPr>
+              <a:t>Proceedings of the 42nd Annual International Symposium on Computer Architecture (ISCA)</a:t>
+            </a:r>
+            <a:r>
+              <a:rPr lang="en-US" sz="1800" dirty="0">
+                <a:solidFill>
+                  <a:schemeClr val="dk1"/>
+                </a:solidFill>
+                <a:latin typeface="Calibri"/>
+                <a:ea typeface="Calibri"/>
+                <a:cs typeface="Calibri"/>
+                <a:sym typeface="Calibri"/>
+              </a:rPr>
+              <a:t>, Portland, OR, USA, June 2015</a:t>
+            </a:r>
+            <a:endParaRPr dirty="0"/>
+          </a:p>
+        </p:txBody>
+      </p:sp>
+    </p:spTree>
+    <p:extLst>
+      <p:ext uri="{BB962C8B-B14F-4D97-AF65-F5344CB8AC3E}">
+        <p14:creationId xmlns:p14="http://schemas.microsoft.com/office/powerpoint/2010/main" val="2466767213"/>
+      </p:ext>
+    </p:extLst>
+  </p:cSld>
+  <p:clrMapOvr>
+    <a:masterClrMapping/>
+  </p:clrMapOvr>
+</p:sld>
+</file>
+
+<file path=ppt/slides/slide2.xml><?xml version="1.0" encoding="utf-8"?>
+<p:sld xmlns:a="http://schemas.openxmlformats.org/drawingml/2006/main" xmlns:r="http://schemas.openxmlformats.org/officeDocument/2006/relationships" xmlns:p="http://schemas.openxmlformats.org/presentationml/2006/main">
+  <p:cSld>
+    <p:spTree>
+      <p:nvGrpSpPr>
+        <p:cNvPr id="1" name="Shape 62"/>
+        <p:cNvGrpSpPr/>
+        <p:nvPr/>
+      </p:nvGrpSpPr>
+      <p:grpSpPr>
+        <a:xfrm>
+          <a:off x="0" y="0"/>
+          <a:ext cx="0" cy="0"/>
+          <a:chOff x="0" y="0"/>
+          <a:chExt cx="0" cy="0"/>
+        </a:xfrm>
+      </p:grpSpPr>
+      <p:sp>
+        <p:nvSpPr>
+          <p:cNvPr id="63" name="Google Shape;63;g35318edb1a6_0_0"/>
+          <p:cNvSpPr txBox="1">
+            <a:spLocks noGrp="1"/>
+          </p:cNvSpPr>
+          <p:nvPr>
+            <p:ph type="title"/>
+          </p:nvPr>
+        </p:nvSpPr>
+        <p:spPr>
+          <a:xfrm>
+            <a:off x="544513" y="115888"/>
+            <a:ext cx="7699500" cy="649200"/>
+          </a:xfrm>
+          <a:prstGeom prst="rect">
+            <a:avLst/>
+          </a:prstGeom>
+          <a:noFill/>
+          <a:ln>
+            <a:noFill/>
+          </a:ln>
+        </p:spPr>
+        <p:txBody>
+          <a:bodyPr spcFirstLastPara="1" wrap="square" lIns="0" tIns="45700" rIns="91425" bIns="45700" anchor="b" anchorCtr="0">
+            <a:noAutofit/>
+          </a:bodyPr>
+          <a:lstStyle/>
+          <a:p>
+            <a:pPr marL="0" lvl="0" indent="0" algn="l" rtl="0">
+              <a:lnSpc>
+                <a:spcPct val="100000"/>
+              </a:lnSpc>
+              <a:spcBef>
+                <a:spcPts val="0"/>
+              </a:spcBef>
+              <a:spcAft>
+                <a:spcPts val="0"/>
+              </a:spcAft>
+              <a:buSzPts val="1400"/>
+              <a:buNone/>
+            </a:pPr>
+            <a:r>
+              <a:rPr lang="en-US"/>
+              <a:t>Recent Progress</a:t>
+            </a:r>
+            <a:endParaRPr/>
+          </a:p>
+        </p:txBody>
+      </p:sp>
+      <p:sp>
+        <p:nvSpPr>
+          <p:cNvPr id="65" name="Google Shape;65;g35318edb1a6_0_0"/>
+          <p:cNvSpPr txBox="1"/>
+          <p:nvPr/>
+        </p:nvSpPr>
+        <p:spPr>
+          <a:xfrm>
+            <a:off x="252082" y="2240101"/>
+            <a:ext cx="8423700" cy="934992"/>
+          </a:xfrm>
+          <a:prstGeom prst="rect">
+            <a:avLst/>
+          </a:prstGeom>
+          <a:noFill/>
+          <a:ln>
+            <a:noFill/>
+          </a:ln>
+        </p:spPr>
+        <p:txBody>
+          <a:bodyPr spcFirstLastPara="1" wrap="square" lIns="91425" tIns="45700" rIns="91425" bIns="45700" anchor="t" anchorCtr="0">
+            <a:noAutofit/>
+          </a:bodyPr>
+          <a:lstStyle/>
+          <a:p>
+            <a:pPr marL="457200" marR="0" lvl="0" indent="-391160" algn="l" rtl="0">
+              <a:lnSpc>
+                <a:spcPct val="90000"/>
+              </a:lnSpc>
+              <a:spcBef>
+                <a:spcPts val="640"/>
+              </a:spcBef>
+              <a:spcAft>
+                <a:spcPts val="0"/>
+              </a:spcAft>
+              <a:buClr>
+                <a:srgbClr val="D60093"/>
+              </a:buClr>
+              <a:buSzPts val="2560"/>
+              <a:buFont typeface="Noto Sans Symbols"/>
+              <a:buChar char="■"/>
+            </a:pPr>
+            <a:r>
+              <a:rPr lang="en-US" sz="2800" dirty="0">
+                <a:solidFill>
+                  <a:srgbClr val="333333"/>
+                </a:solidFill>
+                <a:highlight>
+                  <a:srgbClr val="FFFFFF"/>
+                </a:highlight>
+              </a:rPr>
+              <a:t>Add the description of modification to DRAM logic Die for WUPR </a:t>
+            </a:r>
+            <a:endParaRPr sz="2800" b="0" i="0" u="none" strike="noStrike" cap="none" dirty="0">
+              <a:solidFill>
+                <a:srgbClr val="333333"/>
+              </a:solidFill>
+              <a:highlight>
+                <a:srgbClr val="FFFFFF"/>
+              </a:highlight>
+              <a:latin typeface="Arial"/>
+              <a:ea typeface="Arial"/>
+              <a:cs typeface="Arial"/>
+              <a:sym typeface="Arial"/>
+            </a:endParaRPr>
+          </a:p>
+          <a:p>
+            <a:pPr marL="457200" marR="0" lvl="0" indent="0" algn="l" rtl="0">
+              <a:lnSpc>
+                <a:spcPct val="90000"/>
+              </a:lnSpc>
+              <a:spcBef>
+                <a:spcPts val="640"/>
+              </a:spcBef>
+              <a:spcAft>
+                <a:spcPts val="0"/>
+              </a:spcAft>
+              <a:buClr>
+                <a:srgbClr val="000000"/>
+              </a:buClr>
+              <a:buSzPts val="2800"/>
+              <a:buFont typeface="Arial"/>
+              <a:buNone/>
+            </a:pPr>
+            <a:endParaRPr sz="2800" b="0" i="0" u="none" strike="noStrike" cap="none" dirty="0">
+              <a:solidFill>
+                <a:srgbClr val="333333"/>
+              </a:solidFill>
+              <a:highlight>
+                <a:srgbClr val="FFFFFF"/>
+              </a:highlight>
+              <a:latin typeface="Arial"/>
+              <a:ea typeface="Arial"/>
+              <a:cs typeface="Arial"/>
+              <a:sym typeface="Arial"/>
+            </a:endParaRPr>
+          </a:p>
+          <a:p>
+            <a:pPr marL="457200" marR="0" lvl="0" indent="0" algn="l" rtl="0">
+              <a:lnSpc>
+                <a:spcPct val="90000"/>
+              </a:lnSpc>
+              <a:spcBef>
+                <a:spcPts val="640"/>
+              </a:spcBef>
+              <a:spcAft>
+                <a:spcPts val="0"/>
+              </a:spcAft>
+              <a:buClr>
+                <a:srgbClr val="000000"/>
+              </a:buClr>
+              <a:buSzPts val="2800"/>
+              <a:buFont typeface="Arial"/>
+              <a:buNone/>
+            </a:pPr>
+            <a:endParaRPr sz="2800" b="0" i="0" u="none" strike="noStrike" cap="none" dirty="0">
+              <a:solidFill>
+                <a:srgbClr val="333333"/>
+              </a:solidFill>
+              <a:highlight>
+                <a:srgbClr val="FFFFFF"/>
+              </a:highlight>
+              <a:latin typeface="Arial"/>
+              <a:ea typeface="Arial"/>
+              <a:cs typeface="Arial"/>
+              <a:sym typeface="Arial"/>
+            </a:endParaRPr>
+          </a:p>
+          <a:p>
+            <a:pPr marL="0" marR="0" lvl="0" indent="0" algn="l" rtl="0">
+              <a:lnSpc>
+                <a:spcPct val="90000"/>
+              </a:lnSpc>
+              <a:spcBef>
+                <a:spcPts val="640"/>
+              </a:spcBef>
+              <a:spcAft>
+                <a:spcPts val="0"/>
+              </a:spcAft>
+              <a:buClr>
+                <a:srgbClr val="000000"/>
+              </a:buClr>
+              <a:buSzPts val="2800"/>
+              <a:buFont typeface="Arial"/>
+              <a:buNone/>
+            </a:pPr>
+            <a:endParaRPr sz="2800" b="0" i="0" u="none" strike="noStrike" cap="none" dirty="0">
+              <a:solidFill>
+                <a:srgbClr val="333333"/>
+              </a:solidFill>
+              <a:highlight>
+                <a:srgbClr val="FFFFFF"/>
+              </a:highlight>
+              <a:latin typeface="Arial"/>
+              <a:ea typeface="Arial"/>
+              <a:cs typeface="Arial"/>
+              <a:sym typeface="Arial"/>
+            </a:endParaRPr>
+          </a:p>
+          <a:p>
+            <a:pPr marL="0" marR="0" lvl="0" indent="0" algn="l" rtl="0">
+              <a:lnSpc>
+                <a:spcPct val="90000"/>
+              </a:lnSpc>
+              <a:spcBef>
+                <a:spcPts val="640"/>
+              </a:spcBef>
+              <a:spcAft>
+                <a:spcPts val="0"/>
+              </a:spcAft>
+              <a:buClr>
+                <a:srgbClr val="000000"/>
+              </a:buClr>
+              <a:buSzPts val="2800"/>
+              <a:buFont typeface="Arial"/>
+              <a:buNone/>
+            </a:pPr>
+            <a:endParaRPr sz="2800" b="0" i="0" u="none" strike="noStrike" cap="none" dirty="0">
+              <a:solidFill>
+                <a:srgbClr val="333333"/>
+              </a:solidFill>
+              <a:highlight>
+                <a:srgbClr val="FFFFFF"/>
+              </a:highlight>
+              <a:latin typeface="Arial"/>
+              <a:ea typeface="Arial"/>
+              <a:cs typeface="Arial"/>
+              <a:sym typeface="Arial"/>
+            </a:endParaRPr>
+          </a:p>
+          <a:p>
+            <a:pPr marL="0" marR="0" lvl="0" indent="0" algn="l" rtl="0">
+              <a:lnSpc>
+                <a:spcPct val="90000"/>
+              </a:lnSpc>
+              <a:spcBef>
+                <a:spcPts val="640"/>
+              </a:spcBef>
+              <a:spcAft>
+                <a:spcPts val="0"/>
+              </a:spcAft>
+              <a:buClr>
+                <a:srgbClr val="000000"/>
+              </a:buClr>
+              <a:buSzPts val="2800"/>
+              <a:buFont typeface="Arial"/>
+              <a:buNone/>
+            </a:pPr>
+            <a:r>
+              <a:rPr lang="en-US" sz="2800" b="0" i="0" u="none" strike="noStrike" cap="none" dirty="0">
+                <a:solidFill>
+                  <a:srgbClr val="333333"/>
+                </a:solidFill>
+                <a:highlight>
+                  <a:srgbClr val="FFFFFF"/>
+                </a:highlight>
+                <a:latin typeface="Arial"/>
+                <a:ea typeface="Arial"/>
+                <a:cs typeface="Arial"/>
+                <a:sym typeface="Arial"/>
+              </a:rPr>
+              <a:t>	</a:t>
+            </a:r>
+            <a:endParaRPr sz="2800" b="0" i="0" u="none" strike="noStrike" cap="none" dirty="0">
+              <a:solidFill>
+                <a:srgbClr val="333333"/>
+              </a:solidFill>
+              <a:highlight>
+                <a:srgbClr val="FFFFFF"/>
+              </a:highlight>
+              <a:latin typeface="Arial"/>
+              <a:ea typeface="Arial"/>
+              <a:cs typeface="Arial"/>
+              <a:sym typeface="Arial"/>
+            </a:endParaRPr>
+          </a:p>
+          <a:p>
+            <a:pPr marL="66040" marR="0" lvl="0" indent="0" algn="l" rtl="0">
+              <a:lnSpc>
+                <a:spcPct val="90000"/>
+              </a:lnSpc>
+              <a:spcBef>
+                <a:spcPts val="640"/>
+              </a:spcBef>
+              <a:spcAft>
+                <a:spcPts val="0"/>
+              </a:spcAft>
+              <a:buClr>
+                <a:srgbClr val="000000"/>
+              </a:buClr>
+              <a:buSzPts val="2800"/>
+              <a:buFont typeface="Arial"/>
+              <a:buNone/>
+            </a:pPr>
+            <a:endParaRPr sz="2800" b="0" i="0" u="none" strike="noStrike" cap="none" dirty="0">
+              <a:solidFill>
+                <a:srgbClr val="333333"/>
+              </a:solidFill>
+              <a:highlight>
+                <a:srgbClr val="FFFFFF"/>
+              </a:highlight>
+              <a:latin typeface="Arial"/>
+              <a:ea typeface="Arial"/>
+              <a:cs typeface="Arial"/>
+              <a:sym typeface="Arial"/>
+            </a:endParaRPr>
+          </a:p>
+        </p:txBody>
+      </p:sp>
+      <p:sp>
+        <p:nvSpPr>
+          <p:cNvPr id="3" name="Google Shape;65;g35318edb1a6_0_0">
+            <a:extLst>
+              <a:ext uri="{FF2B5EF4-FFF2-40B4-BE49-F238E27FC236}">
+                <a16:creationId xmlns:a16="http://schemas.microsoft.com/office/drawing/2014/main" id="{81530426-663E-8423-96B7-EEE68DA17F29}"/>
+              </a:ext>
+            </a:extLst>
+          </p:cNvPr>
+          <p:cNvSpPr txBox="1"/>
+          <p:nvPr/>
+        </p:nvSpPr>
+        <p:spPr>
+          <a:xfrm>
+            <a:off x="252082" y="1076054"/>
+            <a:ext cx="8423700" cy="1144632"/>
+          </a:xfrm>
+          <a:prstGeom prst="rect">
+            <a:avLst/>
+          </a:prstGeom>
+          <a:noFill/>
+          <a:ln>
+            <a:noFill/>
+          </a:ln>
+        </p:spPr>
+        <p:txBody>
+          <a:bodyPr spcFirstLastPara="1" wrap="square" lIns="91425" tIns="45700" rIns="91425" bIns="45700" anchor="t" anchorCtr="0">
+            <a:noAutofit/>
+          </a:bodyPr>
+          <a:lstStyle/>
+          <a:p>
+            <a:pPr marL="457200" marR="0" lvl="0" indent="-391160" algn="l" rtl="0">
+              <a:lnSpc>
+                <a:spcPct val="90000"/>
+              </a:lnSpc>
+              <a:spcBef>
+                <a:spcPts val="640"/>
+              </a:spcBef>
+              <a:spcAft>
+                <a:spcPts val="0"/>
+              </a:spcAft>
+              <a:buClr>
+                <a:srgbClr val="D60093"/>
+              </a:buClr>
+              <a:buSzPts val="2560"/>
+              <a:buFont typeface="Noto Sans Symbols"/>
+              <a:buChar char="■"/>
+            </a:pPr>
+            <a:r>
+              <a:rPr lang="en-US" sz="2800" b="0" i="0" u="none" strike="noStrike" cap="none" dirty="0">
+                <a:solidFill>
+                  <a:srgbClr val="333333"/>
+                </a:solidFill>
+                <a:highlight>
+                  <a:srgbClr val="FFFFFF"/>
+                </a:highlight>
+                <a:latin typeface="Arial"/>
+                <a:ea typeface="Arial"/>
+                <a:cs typeface="Arial"/>
+                <a:sym typeface="Arial"/>
+              </a:rPr>
+              <a:t>Analyze Refresh Counts, Average Bandwidth &amp; Energy under different Bank Size</a:t>
+            </a:r>
+            <a:endParaRPr sz="2800" b="0" i="0" u="none" strike="noStrike" cap="none" dirty="0">
+              <a:solidFill>
+                <a:srgbClr val="333333"/>
+              </a:solidFill>
+              <a:highlight>
+                <a:srgbClr val="FFFFFF"/>
+              </a:highlight>
+              <a:latin typeface="Arial"/>
+              <a:ea typeface="Arial"/>
+              <a:cs typeface="Arial"/>
+              <a:sym typeface="Arial"/>
+            </a:endParaRPr>
+          </a:p>
+        </p:txBody>
+      </p:sp>
+    </p:spTree>
+  </p:cSld>
+  <p:clrMapOvr>
+    <a:masterClrMapping/>
+  </p:clrMapOvr>
+</p:sld>
+</file>
+
+<file path=ppt/slides/slide3.xml><?xml version="1.0" encoding="utf-8"?>
+<p:sld xmlns:a="http://schemas.openxmlformats.org/drawingml/2006/main" xmlns:r="http://schemas.openxmlformats.org/officeDocument/2006/relationships" xmlns:p="http://schemas.openxmlformats.org/presentationml/2006/main">
+  <p:cSld>
+    <p:spTree>
+      <p:nvGrpSpPr>
+        <p:cNvPr id="1" name="Shape 62">
+          <a:extLst>
+            <a:ext uri="{FF2B5EF4-FFF2-40B4-BE49-F238E27FC236}">
+              <a16:creationId xmlns:a16="http://schemas.microsoft.com/office/drawing/2014/main" id="{BA16091A-FCD7-CBE2-DEC5-B641654D4CA6}"/>
+            </a:ext>
+          </a:extLst>
+        </p:cNvPr>
+        <p:cNvGrpSpPr/>
+        <p:nvPr/>
+      </p:nvGrpSpPr>
+      <p:grpSpPr>
+        <a:xfrm>
+          <a:off x="0" y="0"/>
+          <a:ext cx="0" cy="0"/>
+          <a:chOff x="0" y="0"/>
+          <a:chExt cx="0" cy="0"/>
+        </a:xfrm>
+      </p:grpSpPr>
+      <p:sp>
+        <p:nvSpPr>
+          <p:cNvPr id="63" name="Google Shape;63;g35318edb1a6_0_0">
+            <a:extLst>
+              <a:ext uri="{FF2B5EF4-FFF2-40B4-BE49-F238E27FC236}">
+                <a16:creationId xmlns:a16="http://schemas.microsoft.com/office/drawing/2014/main" id="{711529E3-67A5-0CDD-3DC4-18CAB1DA3ABD}"/>
+              </a:ext>
+            </a:extLst>
+          </p:cNvPr>
+          <p:cNvSpPr txBox="1">
+            <a:spLocks noGrp="1"/>
+          </p:cNvSpPr>
+          <p:nvPr>
+            <p:ph type="title"/>
+          </p:nvPr>
+        </p:nvSpPr>
+        <p:spPr>
+          <a:xfrm>
+            <a:off x="544513" y="115888"/>
+            <a:ext cx="7699500" cy="649200"/>
+          </a:xfrm>
+          <a:prstGeom prst="rect">
+            <a:avLst/>
+          </a:prstGeom>
+          <a:noFill/>
+          <a:ln>
+            <a:noFill/>
+          </a:ln>
+        </p:spPr>
+        <p:txBody>
+          <a:bodyPr spcFirstLastPara="1" wrap="square" lIns="0" tIns="45700" rIns="91425" bIns="45700" anchor="b" anchorCtr="0">
+            <a:noAutofit/>
+          </a:bodyPr>
+          <a:lstStyle/>
+          <a:p>
+            <a:pPr marL="0" lvl="0" indent="0" algn="l" rtl="0">
+              <a:lnSpc>
+                <a:spcPct val="100000"/>
+              </a:lnSpc>
+              <a:spcBef>
+                <a:spcPts val="0"/>
+              </a:spcBef>
+              <a:spcAft>
+                <a:spcPts val="0"/>
+              </a:spcAft>
+              <a:buSzPts val="1400"/>
+              <a:buNone/>
+            </a:pPr>
+            <a:r>
+              <a:rPr lang="en-US" dirty="0"/>
+              <a:t>Bank Analysis Configuration</a:t>
+            </a:r>
+            <a:endParaRPr dirty="0"/>
+          </a:p>
+        </p:txBody>
+      </p:sp>
+      <p:graphicFrame>
+        <p:nvGraphicFramePr>
+          <p:cNvPr id="2" name="表格 1">
+            <a:extLst>
+              <a:ext uri="{FF2B5EF4-FFF2-40B4-BE49-F238E27FC236}">
+                <a16:creationId xmlns:a16="http://schemas.microsoft.com/office/drawing/2014/main" id="{891FD3DC-8B84-B7E9-FDC2-9D22071AC6D7}"/>
+              </a:ext>
+            </a:extLst>
+          </p:cNvPr>
+          <p:cNvGraphicFramePr>
+            <a:graphicFrameLocks noGrp="1"/>
+          </p:cNvGraphicFramePr>
+          <p:nvPr>
+            <p:extLst>
+              <p:ext uri="{D42A27DB-BD31-4B8C-83A1-F6EECF244321}">
+                <p14:modId xmlns:p14="http://schemas.microsoft.com/office/powerpoint/2010/main" val="4029277724"/>
+              </p:ext>
+            </p:extLst>
+          </p:nvPr>
+        </p:nvGraphicFramePr>
+        <p:xfrm>
+          <a:off x="314298" y="1097284"/>
+          <a:ext cx="8159930" cy="5512704"/>
+        </p:xfrm>
+        <a:graphic>
+          <a:graphicData uri="http://schemas.openxmlformats.org/drawingml/2006/table">
+            <a:tbl>
+              <a:tblPr>
+                <a:tableStyleId>{D7AC3CCA-C797-4891-BE02-D94E43425B78}</a:tableStyleId>
+              </a:tblPr>
+              <a:tblGrid>
+                <a:gridCol w="2000466">
+                  <a:extLst>
+                    <a:ext uri="{9D8B030D-6E8A-4147-A177-3AD203B41FA5}">
+                      <a16:colId xmlns:a16="http://schemas.microsoft.com/office/drawing/2014/main" val="339215098"/>
+                    </a:ext>
+                  </a:extLst>
+                </a:gridCol>
+                <a:gridCol w="6159464">
+                  <a:extLst>
+                    <a:ext uri="{9D8B030D-6E8A-4147-A177-3AD203B41FA5}">
+                      <a16:colId xmlns:a16="http://schemas.microsoft.com/office/drawing/2014/main" val="784070351"/>
+                    </a:ext>
+                  </a:extLst>
+                </a:gridCol>
+              </a:tblGrid>
+              <a:tr h="412742">
+                <a:tc gridSpan="2">
+                  <a:txBody>
+                    <a:bodyPr/>
+                    <a:lstStyle/>
+                    <a:p>
+                      <a:pPr algn="ctr" rtl="0" fontAlgn="ctr"/>
+                      <a:r>
+                        <a:rPr lang="en-US" sz="1400" b="1" u="none" strike="noStrike" dirty="0">
+                          <a:effectLst/>
+                        </a:rPr>
+                        <a:t>Simulation Configuration</a:t>
+                      </a:r>
+                      <a:endParaRPr lang="en-US" sz="1400" b="1" i="0" u="none" strike="noStrike" dirty="0">
+                        <a:solidFill>
+                          <a:srgbClr val="000000"/>
+                        </a:solidFill>
+                        <a:effectLst/>
+                        <a:latin typeface="Times New Roman" panose="02020603050405020304" pitchFamily="18" charset="0"/>
+                        <a:ea typeface="新細明體" panose="02020500000000000000" pitchFamily="18" charset="-120"/>
+                      </a:endParaRPr>
+                    </a:p>
+                  </a:txBody>
+                  <a:tcPr marL="3199" marR="3199" marT="3199" marB="0" anchor="ctr"/>
+                </a:tc>
+                <a:tc hMerge="1">
+                  <a:txBody>
+                    <a:bodyPr/>
+                    <a:lstStyle/>
+                    <a:p>
+                      <a:endParaRPr lang="zh-TW" altLang="en-US"/>
+                    </a:p>
+                  </a:txBody>
+                  <a:tcPr/>
+                </a:tc>
+                <a:extLst>
+                  <a:ext uri="{0D108BD9-81ED-4DB2-BD59-A6C34878D82A}">
+                    <a16:rowId xmlns:a16="http://schemas.microsoft.com/office/drawing/2014/main" val="2303104111"/>
+                  </a:ext>
+                </a:extLst>
+              </a:tr>
+              <a:tr h="742939">
+                <a:tc>
+                  <a:txBody>
+                    <a:bodyPr/>
+                    <a:lstStyle/>
+                    <a:p>
+                      <a:pPr algn="l" rtl="0" fontAlgn="ctr"/>
+                      <a:r>
+                        <a:rPr lang="en-US" sz="1400" u="none" strike="noStrike">
+                          <a:effectLst/>
+                        </a:rPr>
+                        <a:t>DRAM Model</a:t>
+                      </a:r>
+                      <a:endParaRPr lang="en-US" sz="1400" b="0" i="0" u="none" strike="noStrike">
+                        <a:solidFill>
+                          <a:srgbClr val="000000"/>
+                        </a:solidFill>
+                        <a:effectLst/>
+                        <a:latin typeface="Times New Roman" panose="02020603050405020304" pitchFamily="18" charset="0"/>
+                        <a:ea typeface="新細明體" panose="02020500000000000000" pitchFamily="18" charset="-120"/>
+                      </a:endParaRPr>
+                    </a:p>
+                  </a:txBody>
+                  <a:tcPr marL="3199" marR="3199" marT="3199" marB="0" anchor="ctr"/>
+                </a:tc>
+                <a:tc>
+                  <a:txBody>
+                    <a:bodyPr/>
+                    <a:lstStyle/>
+                    <a:p>
+                      <a:pPr algn="l" rtl="0" fontAlgn="ctr"/>
+                      <a:r>
+                        <a:rPr lang="en-US" sz="1400" u="none" strike="noStrike" dirty="0">
+                          <a:effectLst/>
+                        </a:rPr>
+                        <a:t> Proposed 3D-DRAM Model</a:t>
+                      </a:r>
+                      <a:endParaRPr lang="en-US" sz="1400" b="0" i="0" u="none" strike="noStrike" dirty="0">
+                        <a:solidFill>
+                          <a:srgbClr val="000000"/>
+                        </a:solidFill>
+                        <a:effectLst/>
+                        <a:latin typeface="Times New Roman" panose="02020603050405020304" pitchFamily="18" charset="0"/>
+                        <a:ea typeface="新細明體" panose="02020500000000000000" pitchFamily="18" charset="-120"/>
+                      </a:endParaRPr>
+                    </a:p>
+                  </a:txBody>
+                  <a:tcPr marL="3199" marR="3199" marT="3199" marB="0" anchor="ctr"/>
+                </a:tc>
+                <a:extLst>
+                  <a:ext uri="{0D108BD9-81ED-4DB2-BD59-A6C34878D82A}">
+                    <a16:rowId xmlns:a16="http://schemas.microsoft.com/office/drawing/2014/main" val="2463347823"/>
+                  </a:ext>
+                </a:extLst>
+              </a:tr>
+              <a:tr h="531407">
+                <a:tc>
+                  <a:txBody>
+                    <a:bodyPr/>
+                    <a:lstStyle/>
+                    <a:p>
+                      <a:pPr algn="l" rtl="0" fontAlgn="ctr"/>
+                      <a:r>
+                        <a:rPr lang="en-US" sz="1400" u="none" strike="noStrike" dirty="0">
+                          <a:effectLst/>
+                        </a:rPr>
+                        <a:t>Number of Banks</a:t>
+                      </a:r>
+                      <a:endParaRPr lang="en-US" sz="1400" b="0" i="0" u="none" strike="noStrike" dirty="0">
+                        <a:solidFill>
+                          <a:srgbClr val="000000"/>
+                        </a:solidFill>
+                        <a:effectLst/>
+                        <a:latin typeface="Times New Roman" panose="02020603050405020304" pitchFamily="18" charset="0"/>
+                        <a:ea typeface="新細明體" panose="02020500000000000000" pitchFamily="18" charset="-120"/>
+                      </a:endParaRPr>
+                    </a:p>
+                  </a:txBody>
+                  <a:tcPr marL="3199" marR="3199" marT="3199" marB="0" anchor="ctr"/>
+                </a:tc>
+                <a:tc>
+                  <a:txBody>
+                    <a:bodyPr/>
+                    <a:lstStyle/>
+                    <a:p>
+                      <a:pPr algn="l" rtl="0" fontAlgn="ctr"/>
+                      <a:r>
+                        <a:rPr lang="en-US" altLang="zh-TW" sz="1400" u="none" strike="noStrike" dirty="0">
+                          <a:effectLst/>
+                        </a:rPr>
+                        <a:t> 64</a:t>
+                      </a:r>
+                      <a:endParaRPr lang="en-US" altLang="zh-TW" sz="1400" b="0" i="0" u="none" strike="noStrike" dirty="0">
+                        <a:solidFill>
+                          <a:srgbClr val="000000"/>
+                        </a:solidFill>
+                        <a:effectLst/>
+                        <a:latin typeface="Times New Roman" panose="02020603050405020304" pitchFamily="18" charset="0"/>
+                        <a:ea typeface="新細明體" panose="02020500000000000000" pitchFamily="18" charset="-120"/>
+                      </a:endParaRPr>
+                    </a:p>
+                  </a:txBody>
+                  <a:tcPr marL="3199" marR="3199" marT="3199" marB="0" anchor="ctr"/>
+                </a:tc>
+                <a:extLst>
+                  <a:ext uri="{0D108BD9-81ED-4DB2-BD59-A6C34878D82A}">
+                    <a16:rowId xmlns:a16="http://schemas.microsoft.com/office/drawing/2014/main" val="831542304"/>
+                  </a:ext>
+                </a:extLst>
+              </a:tr>
+              <a:tr h="531407">
+                <a:tc>
+                  <a:txBody>
+                    <a:bodyPr/>
+                    <a:lstStyle/>
+                    <a:p>
+                      <a:pPr algn="l" rtl="0" fontAlgn="ctr"/>
+                      <a:r>
+                        <a:rPr lang="en-US" sz="1400" u="none" strike="noStrike" dirty="0">
+                          <a:effectLst/>
+                        </a:rPr>
+                        <a:t>Ideal Bandwidth</a:t>
+                      </a:r>
+                      <a:endParaRPr lang="en-US" sz="1400" b="0" i="0" u="none" strike="noStrike" dirty="0">
+                        <a:solidFill>
+                          <a:srgbClr val="000000"/>
+                        </a:solidFill>
+                        <a:effectLst/>
+                        <a:latin typeface="Times New Roman" panose="02020603050405020304" pitchFamily="18" charset="0"/>
+                        <a:ea typeface="新細明體" panose="02020500000000000000" pitchFamily="18" charset="-120"/>
+                      </a:endParaRPr>
+                    </a:p>
+                  </a:txBody>
+                  <a:tcPr marL="3199" marR="3199" marT="3199" marB="0" anchor="ctr"/>
+                </a:tc>
+                <a:tc>
+                  <a:txBody>
+                    <a:bodyPr/>
+                    <a:lstStyle/>
+                    <a:p>
+                      <a:pPr algn="l" rtl="0" fontAlgn="ctr"/>
+                      <a:r>
+                        <a:rPr lang="en-US" sz="1400" u="none" strike="noStrike" dirty="0">
+                          <a:effectLst/>
+                        </a:rPr>
+                        <a:t> 2TB/s</a:t>
+                      </a:r>
+                      <a:endParaRPr lang="en-US" sz="1400" b="0" i="0" u="none" strike="noStrike" dirty="0">
+                        <a:solidFill>
+                          <a:srgbClr val="000000"/>
+                        </a:solidFill>
+                        <a:effectLst/>
+                        <a:latin typeface="Times New Roman" panose="02020603050405020304" pitchFamily="18" charset="0"/>
+                        <a:ea typeface="新細明體" panose="02020500000000000000" pitchFamily="18" charset="-120"/>
+                      </a:endParaRPr>
+                    </a:p>
+                  </a:txBody>
+                  <a:tcPr marL="3199" marR="3199" marT="3199" marB="0" anchor="ctr"/>
+                </a:tc>
+                <a:extLst>
+                  <a:ext uri="{0D108BD9-81ED-4DB2-BD59-A6C34878D82A}">
+                    <a16:rowId xmlns:a16="http://schemas.microsoft.com/office/drawing/2014/main" val="2765397341"/>
+                  </a:ext>
+                </a:extLst>
+              </a:tr>
+              <a:tr h="742939">
+                <a:tc>
+                  <a:txBody>
+                    <a:bodyPr/>
+                    <a:lstStyle/>
+                    <a:p>
+                      <a:pPr algn="l" rtl="0" fontAlgn="ctr"/>
+                      <a:r>
+                        <a:rPr lang="en-US" sz="1400" u="none" strike="noStrike" dirty="0">
+                          <a:effectLst/>
+                        </a:rPr>
+                        <a:t>Ideal Bandwidth per Core</a:t>
+                      </a:r>
+                      <a:endParaRPr lang="en-US" sz="1400" b="0" i="0" u="none" strike="noStrike" dirty="0">
+                        <a:solidFill>
+                          <a:srgbClr val="000000"/>
+                        </a:solidFill>
+                        <a:effectLst/>
+                        <a:latin typeface="Times New Roman" panose="02020603050405020304" pitchFamily="18" charset="0"/>
+                        <a:ea typeface="新細明體" panose="02020500000000000000" pitchFamily="18" charset="-120"/>
+                      </a:endParaRPr>
+                    </a:p>
+                  </a:txBody>
+                  <a:tcPr marL="3199" marR="3199" marT="3199" marB="0" anchor="ctr"/>
+                </a:tc>
+                <a:tc>
+                  <a:txBody>
+                    <a:bodyPr/>
+                    <a:lstStyle/>
+                    <a:p>
+                      <a:pPr algn="l" rtl="0" fontAlgn="ctr"/>
+                      <a:r>
+                        <a:rPr lang="en-US" sz="1400" u="none" strike="noStrike" dirty="0">
+                          <a:effectLst/>
+                        </a:rPr>
+                        <a:t> 128GB/s</a:t>
+                      </a:r>
+                      <a:endParaRPr lang="en-US" sz="1400" b="0" i="0" u="none" strike="noStrike" dirty="0">
+                        <a:solidFill>
+                          <a:srgbClr val="000000"/>
+                        </a:solidFill>
+                        <a:effectLst/>
+                        <a:latin typeface="Times New Roman" panose="02020603050405020304" pitchFamily="18" charset="0"/>
+                        <a:ea typeface="新細明體" panose="02020500000000000000" pitchFamily="18" charset="-120"/>
+                      </a:endParaRPr>
+                    </a:p>
+                  </a:txBody>
+                  <a:tcPr marL="3199" marR="3199" marT="3199" marB="0" anchor="ctr"/>
+                </a:tc>
+                <a:extLst>
+                  <a:ext uri="{0D108BD9-81ED-4DB2-BD59-A6C34878D82A}">
+                    <a16:rowId xmlns:a16="http://schemas.microsoft.com/office/drawing/2014/main" val="1934203722"/>
+                  </a:ext>
+                </a:extLst>
+              </a:tr>
+              <a:tr h="425642">
+                <a:tc>
+                  <a:txBody>
+                    <a:bodyPr/>
+                    <a:lstStyle/>
+                    <a:p>
+                      <a:pPr algn="l" rtl="0" fontAlgn="ctr"/>
+                      <a:r>
+                        <a:rPr lang="en-US" sz="1400" u="none" strike="noStrike">
+                          <a:effectLst/>
+                        </a:rPr>
+                        <a:t>Name of Trace</a:t>
+                      </a:r>
+                      <a:endParaRPr lang="en-US" sz="1400" b="0" i="0" u="none" strike="noStrike">
+                        <a:solidFill>
+                          <a:srgbClr val="000000"/>
+                        </a:solidFill>
+                        <a:effectLst/>
+                        <a:latin typeface="Times New Roman" panose="02020603050405020304" pitchFamily="18" charset="0"/>
+                        <a:ea typeface="新細明體" panose="02020500000000000000" pitchFamily="18" charset="-120"/>
+                      </a:endParaRPr>
+                    </a:p>
+                  </a:txBody>
+                  <a:tcPr marL="3199" marR="3199" marT="3199" marB="0" anchor="ctr"/>
+                </a:tc>
+                <a:tc>
+                  <a:txBody>
+                    <a:bodyPr/>
+                    <a:lstStyle/>
+                    <a:p>
+                      <a:pPr algn="l" rtl="0" fontAlgn="ctr"/>
+                      <a:r>
+                        <a:rPr lang="en-US" sz="1400" u="none" strike="noStrike" dirty="0">
+                          <a:effectLst/>
+                        </a:rPr>
+                        <a:t> Single Core Partial LLM Workload Trace</a:t>
+                      </a:r>
+                      <a:endParaRPr lang="en-US" sz="1400" b="0" i="0" u="none" strike="noStrike" dirty="0">
+                        <a:solidFill>
+                          <a:srgbClr val="000000"/>
+                        </a:solidFill>
+                        <a:effectLst/>
+                        <a:latin typeface="Times New Roman" panose="02020603050405020304" pitchFamily="18" charset="0"/>
+                        <a:ea typeface="新細明體" panose="02020500000000000000" pitchFamily="18" charset="-120"/>
+                      </a:endParaRPr>
+                    </a:p>
+                  </a:txBody>
+                  <a:tcPr marL="3199" marR="3199" marT="3199" marB="0" anchor="ctr"/>
+                </a:tc>
+                <a:extLst>
+                  <a:ext uri="{0D108BD9-81ED-4DB2-BD59-A6C34878D82A}">
+                    <a16:rowId xmlns:a16="http://schemas.microsoft.com/office/drawing/2014/main" val="2545509150"/>
+                  </a:ext>
+                </a:extLst>
+              </a:tr>
+              <a:tr h="531407">
+                <a:tc>
+                  <a:txBody>
+                    <a:bodyPr/>
+                    <a:lstStyle/>
+                    <a:p>
+                      <a:pPr algn="l" rtl="0" fontAlgn="ctr"/>
+                      <a:r>
+                        <a:rPr lang="en-US" sz="1400" u="none" strike="noStrike" dirty="0">
+                          <a:effectLst/>
+                        </a:rPr>
+                        <a:t>Number of Traces</a:t>
+                      </a:r>
+                      <a:endParaRPr lang="en-US" sz="1400" b="0" i="0" u="none" strike="noStrike" dirty="0">
+                        <a:solidFill>
+                          <a:srgbClr val="000000"/>
+                        </a:solidFill>
+                        <a:effectLst/>
+                        <a:latin typeface="Times New Roman" panose="02020603050405020304" pitchFamily="18" charset="0"/>
+                        <a:ea typeface="新細明體" panose="02020500000000000000" pitchFamily="18" charset="-120"/>
+                      </a:endParaRPr>
+                    </a:p>
+                  </a:txBody>
+                  <a:tcPr marL="3199" marR="3199" marT="3199" marB="0" anchor="ctr"/>
+                </a:tc>
+                <a:tc>
+                  <a:txBody>
+                    <a:bodyPr/>
+                    <a:lstStyle/>
+                    <a:p>
+                      <a:pPr algn="l" rtl="0" fontAlgn="ctr"/>
+                      <a:r>
+                        <a:rPr lang="en-US" altLang="zh-TW" sz="1400" u="none" strike="noStrike" dirty="0">
+                          <a:effectLst/>
+                        </a:rPr>
+                        <a:t> 193881265</a:t>
+                      </a:r>
+                      <a:endParaRPr lang="en-US" altLang="zh-TW" sz="1400" b="0" i="0" u="none" strike="noStrike" dirty="0">
+                        <a:solidFill>
+                          <a:srgbClr val="000000"/>
+                        </a:solidFill>
+                        <a:effectLst/>
+                        <a:latin typeface="Times New Roman" panose="02020603050405020304" pitchFamily="18" charset="0"/>
+                        <a:ea typeface="新細明體" panose="02020500000000000000" pitchFamily="18" charset="-120"/>
+                      </a:endParaRPr>
+                    </a:p>
+                  </a:txBody>
+                  <a:tcPr marL="3199" marR="3199" marT="3199" marB="0" anchor="ctr"/>
+                </a:tc>
+                <a:extLst>
+                  <a:ext uri="{0D108BD9-81ED-4DB2-BD59-A6C34878D82A}">
+                    <a16:rowId xmlns:a16="http://schemas.microsoft.com/office/drawing/2014/main" val="2360300040"/>
+                  </a:ext>
+                </a:extLst>
+              </a:tr>
+              <a:tr h="531407">
+                <a:tc>
+                  <a:txBody>
+                    <a:bodyPr/>
+                    <a:lstStyle/>
+                    <a:p>
+                      <a:pPr marR="0" algn="l" rtl="0" fontAlgn="ctr">
+                        <a:lnSpc>
+                          <a:spcPct val="100000"/>
+                        </a:lnSpc>
+                        <a:spcBef>
+                          <a:spcPts val="0"/>
+                        </a:spcBef>
+                        <a:spcAft>
+                          <a:spcPts val="0"/>
+                        </a:spcAft>
+                        <a:buClr>
+                          <a:srgbClr val="000000"/>
+                        </a:buClr>
+                        <a:buFont typeface="Arial"/>
+                      </a:pPr>
+                      <a:r>
+                        <a:rPr lang="en-US" sz="1400" b="0" i="0" u="none" strike="noStrike" cap="none" dirty="0">
+                          <a:solidFill>
+                            <a:schemeClr val="dk1"/>
+                          </a:solidFill>
+                          <a:effectLst/>
+                          <a:latin typeface="+mn-lt"/>
+                          <a:ea typeface="+mn-ea"/>
+                          <a:cs typeface="+mn-cs"/>
+                          <a:sym typeface="Arial"/>
+                        </a:rPr>
+                        <a:t>Bank Sizes</a:t>
+                      </a:r>
+                    </a:p>
+                  </a:txBody>
+                  <a:tcPr marL="3199" marR="3199" marT="3199" marB="0" anchor="ctr"/>
+                </a:tc>
+                <a:tc>
+                  <a:txBody>
+                    <a:bodyPr/>
+                    <a:lstStyle/>
+                    <a:p>
+                      <a:pPr algn="l" rtl="0" fontAlgn="ctr"/>
+                      <a:r>
+                        <a:rPr lang="en-US" altLang="zh-TW" sz="1400" b="0" i="0" u="none" strike="noStrike" dirty="0">
+                          <a:solidFill>
+                            <a:srgbClr val="000000"/>
+                          </a:solidFill>
+                          <a:effectLst/>
+                          <a:latin typeface="Times New Roman" panose="02020603050405020304" pitchFamily="18" charset="0"/>
+                          <a:ea typeface="新細明體" panose="02020500000000000000" pitchFamily="18" charset="-120"/>
+                        </a:rPr>
+                        <a:t> </a:t>
+                      </a:r>
+                      <a:r>
+                        <a:rPr lang="en-US" altLang="zh-TW" sz="1400" b="0" i="0" u="none" strike="noStrike" cap="none" dirty="0">
+                          <a:solidFill>
+                            <a:schemeClr val="dk1"/>
+                          </a:solidFill>
+                          <a:effectLst/>
+                          <a:latin typeface="+mn-lt"/>
+                          <a:ea typeface="+mn-ea"/>
+                          <a:cs typeface="+mn-cs"/>
+                          <a:sym typeface="Arial"/>
+                        </a:rPr>
+                        <a:t>256Mb,512Mb,1024Mb &amp; 2048Mb</a:t>
+                      </a:r>
+                    </a:p>
+                  </a:txBody>
+                  <a:tcPr marL="3199" marR="3199" marT="3199" marB="0" anchor="ctr"/>
+                </a:tc>
+                <a:extLst>
+                  <a:ext uri="{0D108BD9-81ED-4DB2-BD59-A6C34878D82A}">
+                    <a16:rowId xmlns:a16="http://schemas.microsoft.com/office/drawing/2014/main" val="3951287086"/>
+                  </a:ext>
+                </a:extLst>
+              </a:tr>
+              <a:tr h="531407">
+                <a:tc>
+                  <a:txBody>
+                    <a:bodyPr/>
+                    <a:lstStyle/>
+                    <a:p>
+                      <a:pPr marR="0" algn="l" rtl="0" fontAlgn="ctr">
+                        <a:lnSpc>
+                          <a:spcPct val="100000"/>
+                        </a:lnSpc>
+                        <a:spcBef>
+                          <a:spcPts val="0"/>
+                        </a:spcBef>
+                        <a:spcAft>
+                          <a:spcPts val="0"/>
+                        </a:spcAft>
+                        <a:buClr>
+                          <a:srgbClr val="000000"/>
+                        </a:buClr>
+                        <a:buFont typeface="Arial"/>
+                      </a:pPr>
+                      <a:r>
+                        <a:rPr lang="en-US" sz="1400" b="0" i="0" u="none" strike="noStrike" cap="none" dirty="0">
+                          <a:solidFill>
+                            <a:schemeClr val="dk1"/>
+                          </a:solidFill>
+                          <a:effectLst/>
+                          <a:latin typeface="+mn-lt"/>
+                          <a:ea typeface="+mn-ea"/>
+                          <a:cs typeface="+mn-cs"/>
+                          <a:sym typeface="Arial"/>
+                        </a:rPr>
+                        <a:t>Clock Frequency</a:t>
+                      </a:r>
+                    </a:p>
+                  </a:txBody>
+                  <a:tcPr marL="3199" marR="3199" marT="3199" marB="0" anchor="ctr"/>
+                </a:tc>
+                <a:tc>
+                  <a:txBody>
+                    <a:bodyPr/>
+                    <a:lstStyle/>
+                    <a:p>
+                      <a:pPr algn="l" rtl="0" fontAlgn="ctr"/>
+                      <a:r>
+                        <a:rPr lang="en-US" altLang="zh-TW" sz="1400" b="0" i="0" u="none" strike="noStrike" cap="none" dirty="0">
+                          <a:solidFill>
+                            <a:schemeClr val="dk1"/>
+                          </a:solidFill>
+                          <a:effectLst/>
+                          <a:latin typeface="+mn-lt"/>
+                          <a:ea typeface="+mn-ea"/>
+                          <a:cs typeface="+mn-cs"/>
+                          <a:sym typeface="Arial"/>
+                        </a:rPr>
+                        <a:t> 1Ghz</a:t>
+                      </a:r>
+                    </a:p>
+                  </a:txBody>
+                  <a:tcPr marL="3199" marR="3199" marT="3199" marB="0" anchor="ctr"/>
+                </a:tc>
+                <a:extLst>
+                  <a:ext uri="{0D108BD9-81ED-4DB2-BD59-A6C34878D82A}">
+                    <a16:rowId xmlns:a16="http://schemas.microsoft.com/office/drawing/2014/main" val="2221958745"/>
+                  </a:ext>
+                </a:extLst>
+              </a:tr>
+              <a:tr h="531407">
+                <a:tc>
+                  <a:txBody>
+                    <a:bodyPr/>
+                    <a:lstStyle/>
+                    <a:p>
+                      <a:pPr marR="0" algn="l" rtl="0" fontAlgn="ctr">
+                        <a:lnSpc>
+                          <a:spcPct val="100000"/>
+                        </a:lnSpc>
+                        <a:spcBef>
+                          <a:spcPts val="0"/>
+                        </a:spcBef>
+                        <a:spcAft>
+                          <a:spcPts val="0"/>
+                        </a:spcAft>
+                        <a:buClr>
+                          <a:srgbClr val="000000"/>
+                        </a:buClr>
+                        <a:buFont typeface="Arial"/>
+                      </a:pPr>
+                      <a:r>
+                        <a:rPr lang="en-US" sz="1400" b="0" i="0" u="none" strike="noStrike" cap="none" dirty="0">
+                          <a:solidFill>
+                            <a:schemeClr val="dk1"/>
+                          </a:solidFill>
+                          <a:effectLst/>
+                          <a:latin typeface="+mn-lt"/>
+                          <a:ea typeface="+mn-ea"/>
+                          <a:cs typeface="+mn-cs"/>
+                          <a:sym typeface="Arial"/>
+                        </a:rPr>
+                        <a:t>DRAM Technology Node</a:t>
+                      </a:r>
+                    </a:p>
+                  </a:txBody>
+                  <a:tcPr marL="3199" marR="3199" marT="3199" marB="0" anchor="ctr"/>
+                </a:tc>
+                <a:tc>
+                  <a:txBody>
+                    <a:bodyPr/>
+                    <a:lstStyle/>
+                    <a:p>
+                      <a:pPr algn="l" rtl="0" fontAlgn="ctr"/>
+                      <a:r>
+                        <a:rPr lang="en-US" altLang="zh-TW" sz="1400" b="0" i="0" u="none" strike="noStrike" cap="none" dirty="0">
+                          <a:solidFill>
+                            <a:schemeClr val="dk1"/>
+                          </a:solidFill>
+                          <a:effectLst/>
+                          <a:latin typeface="+mn-lt"/>
+                          <a:ea typeface="+mn-ea"/>
+                          <a:cs typeface="+mn-cs"/>
+                          <a:sym typeface="Arial"/>
+                        </a:rPr>
+                        <a:t> ITRS 32nm </a:t>
+                      </a:r>
+                    </a:p>
+                  </a:txBody>
+                  <a:tcPr marL="3199" marR="3199" marT="3199" marB="0" anchor="ctr"/>
+                </a:tc>
+                <a:extLst>
+                  <a:ext uri="{0D108BD9-81ED-4DB2-BD59-A6C34878D82A}">
+                    <a16:rowId xmlns:a16="http://schemas.microsoft.com/office/drawing/2014/main" val="32751248"/>
+                  </a:ext>
+                </a:extLst>
+              </a:tr>
+            </a:tbl>
+          </a:graphicData>
+        </a:graphic>
+      </p:graphicFrame>
+    </p:spTree>
+    <p:extLst>
+      <p:ext uri="{BB962C8B-B14F-4D97-AF65-F5344CB8AC3E}">
+        <p14:creationId xmlns:p14="http://schemas.microsoft.com/office/powerpoint/2010/main" val="2631714638"/>
+      </p:ext>
+    </p:extLst>
+  </p:cSld>
+  <p:clrMapOvr>
+    <a:masterClrMapping/>
+  </p:clrMapOvr>
+</p:sld>
+</file>
+
+<file path=ppt/slides/slide4.xml><?xml version="1.0" encoding="utf-8"?>
+<p:sld xmlns:a="http://schemas.openxmlformats.org/drawingml/2006/main" xmlns:r="http://schemas.openxmlformats.org/officeDocument/2006/relationships" xmlns:p="http://schemas.openxmlformats.org/presentationml/2006/main">
+  <p:cSld>
+    <p:spTree>
+      <p:nvGrpSpPr>
+        <p:cNvPr id="1" name="Shape 62">
+          <a:extLst>
+            <a:ext uri="{FF2B5EF4-FFF2-40B4-BE49-F238E27FC236}">
+              <a16:creationId xmlns:a16="http://schemas.microsoft.com/office/drawing/2014/main" id="{571CDDBB-9439-8325-5DF3-7BA66FDEC60C}"/>
+            </a:ext>
+          </a:extLst>
+        </p:cNvPr>
+        <p:cNvGrpSpPr/>
+        <p:nvPr/>
+      </p:nvGrpSpPr>
+      <p:grpSpPr>
+        <a:xfrm>
+          <a:off x="0" y="0"/>
+          <a:ext cx="0" cy="0"/>
+          <a:chOff x="0" y="0"/>
+          <a:chExt cx="0" cy="0"/>
+        </a:xfrm>
+      </p:grpSpPr>
+      <p:sp>
+        <p:nvSpPr>
+          <p:cNvPr id="63" name="Google Shape;63;g35318edb1a6_0_0">
+            <a:extLst>
+              <a:ext uri="{FF2B5EF4-FFF2-40B4-BE49-F238E27FC236}">
+                <a16:creationId xmlns:a16="http://schemas.microsoft.com/office/drawing/2014/main" id="{FFEE51F0-A8CF-DC9E-2949-8BE8E30805FE}"/>
+              </a:ext>
+            </a:extLst>
+          </p:cNvPr>
+          <p:cNvSpPr txBox="1">
+            <a:spLocks noGrp="1"/>
+          </p:cNvSpPr>
+          <p:nvPr>
+            <p:ph type="title"/>
+          </p:nvPr>
+        </p:nvSpPr>
+        <p:spPr>
+          <a:xfrm>
+            <a:off x="326797" y="98470"/>
+            <a:ext cx="8686573" cy="649200"/>
+          </a:xfrm>
+          <a:prstGeom prst="rect">
+            <a:avLst/>
+          </a:prstGeom>
+          <a:noFill/>
+          <a:ln>
+            <a:noFill/>
+          </a:ln>
+        </p:spPr>
+        <p:txBody>
+          <a:bodyPr spcFirstLastPara="1" wrap="square" lIns="0" tIns="45700" rIns="91425" bIns="45700" anchor="b" anchorCtr="0">
+            <a:noAutofit/>
+          </a:bodyPr>
+          <a:lstStyle/>
+          <a:p>
+            <a:pPr marL="0" lvl="0" indent="0" algn="l" rtl="0">
+              <a:lnSpc>
+                <a:spcPct val="100000"/>
+              </a:lnSpc>
+              <a:spcBef>
+                <a:spcPts val="0"/>
+              </a:spcBef>
+              <a:spcAft>
+                <a:spcPts val="0"/>
+              </a:spcAft>
+              <a:buSzPts val="1400"/>
+              <a:buNone/>
+            </a:pPr>
+            <a:r>
+              <a:rPr lang="en-US" dirty="0"/>
+              <a:t>Timing Constraints</a:t>
+            </a:r>
+            <a:r>
+              <a:rPr lang="zh-TW" altLang="en-US" dirty="0"/>
+              <a:t> </a:t>
+            </a:r>
+            <a:r>
+              <a:rPr lang="en-US" altLang="zh-TW" dirty="0"/>
+              <a:t>Trend</a:t>
+            </a:r>
+            <a:endParaRPr dirty="0"/>
+          </a:p>
+        </p:txBody>
+      </p:sp>
+      <p:graphicFrame>
+        <p:nvGraphicFramePr>
+          <p:cNvPr id="3" name="圖表 2">
+            <a:extLst>
+              <a:ext uri="{FF2B5EF4-FFF2-40B4-BE49-F238E27FC236}">
+                <a16:creationId xmlns:a16="http://schemas.microsoft.com/office/drawing/2014/main" id="{26D7D6A6-43F9-81A2-3E1F-56BD614F45CB}"/>
+              </a:ext>
+            </a:extLst>
+          </p:cNvPr>
+          <p:cNvGraphicFramePr>
+            <a:graphicFrameLocks/>
+          </p:cNvGraphicFramePr>
+          <p:nvPr>
+            <p:extLst>
+              <p:ext uri="{D42A27DB-BD31-4B8C-83A1-F6EECF244321}">
+                <p14:modId xmlns:p14="http://schemas.microsoft.com/office/powerpoint/2010/main" val="2837738265"/>
+              </p:ext>
+            </p:extLst>
+          </p:nvPr>
+        </p:nvGraphicFramePr>
+        <p:xfrm>
+          <a:off x="1336765" y="885040"/>
+          <a:ext cx="6069875" cy="3005724"/>
+        </p:xfrm>
+        <a:graphic>
+          <a:graphicData uri="http://schemas.openxmlformats.org/drawingml/2006/chart">
+            <c:chart xmlns:c="http://schemas.openxmlformats.org/drawingml/2006/chart" xmlns:r="http://schemas.openxmlformats.org/officeDocument/2006/relationships" r:id="rId3"/>
+          </a:graphicData>
+        </a:graphic>
+      </p:graphicFrame>
+      <p:graphicFrame>
+        <p:nvGraphicFramePr>
+          <p:cNvPr id="4" name="圖表 3">
+            <a:extLst>
+              <a:ext uri="{FF2B5EF4-FFF2-40B4-BE49-F238E27FC236}">
+                <a16:creationId xmlns:a16="http://schemas.microsoft.com/office/drawing/2014/main" id="{EB7E83A2-F50F-F711-BC8D-4A376AFD6A27}"/>
+              </a:ext>
+            </a:extLst>
+          </p:cNvPr>
+          <p:cNvGraphicFramePr>
+            <a:graphicFrameLocks/>
+          </p:cNvGraphicFramePr>
+          <p:nvPr>
+            <p:extLst>
+              <p:ext uri="{D42A27DB-BD31-4B8C-83A1-F6EECF244321}">
+                <p14:modId xmlns:p14="http://schemas.microsoft.com/office/powerpoint/2010/main" val="1379004587"/>
+              </p:ext>
+            </p:extLst>
+          </p:nvPr>
+        </p:nvGraphicFramePr>
+        <p:xfrm>
+          <a:off x="1336765" y="3890764"/>
+          <a:ext cx="6222275" cy="2664823"/>
+        </p:xfrm>
+        <a:graphic>
+          <a:graphicData uri="http://schemas.openxmlformats.org/drawingml/2006/chart">
+            <c:chart xmlns:c="http://schemas.openxmlformats.org/drawingml/2006/chart" xmlns:r="http://schemas.openxmlformats.org/officeDocument/2006/relationships" r:id="rId4"/>
+          </a:graphicData>
+        </a:graphic>
+      </p:graphicFrame>
+    </p:spTree>
+    <p:extLst>
+      <p:ext uri="{BB962C8B-B14F-4D97-AF65-F5344CB8AC3E}">
+        <p14:creationId xmlns:p14="http://schemas.microsoft.com/office/powerpoint/2010/main" val="1366340140"/>
+      </p:ext>
+    </p:extLst>
+  </p:cSld>
+  <p:clrMapOvr>
+    <a:masterClrMapping/>
+  </p:clrMapOvr>
+</p:sld>
+</file>
+
+<file path=ppt/slides/slide5.xml><?xml version="1.0" encoding="utf-8"?>
+<p:sld xmlns:a="http://schemas.openxmlformats.org/drawingml/2006/main" xmlns:r="http://schemas.openxmlformats.org/officeDocument/2006/relationships" xmlns:p="http://schemas.openxmlformats.org/presentationml/2006/main">
+  <p:cSld>
+    <p:spTree>
+      <p:nvGrpSpPr>
+        <p:cNvPr id="1" name="Shape 62">
+          <a:extLst>
+            <a:ext uri="{FF2B5EF4-FFF2-40B4-BE49-F238E27FC236}">
+              <a16:creationId xmlns:a16="http://schemas.microsoft.com/office/drawing/2014/main" id="{AC030251-D706-E16A-A3CD-85893CA89B44}"/>
+            </a:ext>
+          </a:extLst>
+        </p:cNvPr>
+        <p:cNvGrpSpPr/>
+        <p:nvPr/>
+      </p:nvGrpSpPr>
+      <p:grpSpPr>
+        <a:xfrm>
+          <a:off x="0" y="0"/>
+          <a:ext cx="0" cy="0"/>
+          <a:chOff x="0" y="0"/>
+          <a:chExt cx="0" cy="0"/>
+        </a:xfrm>
+      </p:grpSpPr>
+      <p:sp>
+        <p:nvSpPr>
+          <p:cNvPr id="63" name="Google Shape;63;g35318edb1a6_0_0">
+            <a:extLst>
+              <a:ext uri="{FF2B5EF4-FFF2-40B4-BE49-F238E27FC236}">
+                <a16:creationId xmlns:a16="http://schemas.microsoft.com/office/drawing/2014/main" id="{6780C65D-6E11-76B0-F31D-4612A002DF0C}"/>
+              </a:ext>
+            </a:extLst>
+          </p:cNvPr>
+          <p:cNvSpPr txBox="1">
+            <a:spLocks noGrp="1"/>
+          </p:cNvSpPr>
+          <p:nvPr>
+            <p:ph type="title"/>
+          </p:nvPr>
+        </p:nvSpPr>
+        <p:spPr>
+          <a:xfrm>
+            <a:off x="326797" y="98470"/>
+            <a:ext cx="8686573" cy="649200"/>
+          </a:xfrm>
+          <a:prstGeom prst="rect">
+            <a:avLst/>
+          </a:prstGeom>
+          <a:noFill/>
+          <a:ln>
+            <a:noFill/>
+          </a:ln>
+        </p:spPr>
+        <p:txBody>
+          <a:bodyPr spcFirstLastPara="1" wrap="square" lIns="0" tIns="45700" rIns="91425" bIns="45700" anchor="b" anchorCtr="0">
+            <a:noAutofit/>
+          </a:bodyPr>
+          <a:lstStyle/>
+          <a:p>
+            <a:pPr marL="0" lvl="0" indent="0" algn="l" rtl="0">
+              <a:lnSpc>
+                <a:spcPct val="100000"/>
+              </a:lnSpc>
+              <a:spcBef>
+                <a:spcPts val="0"/>
+              </a:spcBef>
+              <a:spcAft>
+                <a:spcPts val="0"/>
+              </a:spcAft>
+              <a:buSzPts val="1400"/>
+              <a:buNone/>
+            </a:pPr>
+            <a:r>
+              <a:rPr lang="en-US" altLang="zh-TW" dirty="0"/>
+              <a:t>Energy per accesses trend</a:t>
+            </a:r>
+            <a:endParaRPr dirty="0"/>
+          </a:p>
+        </p:txBody>
+      </p:sp>
+      <p:graphicFrame>
+        <p:nvGraphicFramePr>
+          <p:cNvPr id="5" name="圖表 4">
+            <a:extLst>
+              <a:ext uri="{FF2B5EF4-FFF2-40B4-BE49-F238E27FC236}">
+                <a16:creationId xmlns:a16="http://schemas.microsoft.com/office/drawing/2014/main" id="{66BA2443-DC2B-23BA-988A-C99634FC6BDF}"/>
+              </a:ext>
+            </a:extLst>
+          </p:cNvPr>
+          <p:cNvGraphicFramePr>
+            <a:graphicFrameLocks/>
+          </p:cNvGraphicFramePr>
+          <p:nvPr>
+            <p:extLst>
+              <p:ext uri="{D42A27DB-BD31-4B8C-83A1-F6EECF244321}">
+                <p14:modId xmlns:p14="http://schemas.microsoft.com/office/powerpoint/2010/main" val="827828675"/>
+              </p:ext>
+            </p:extLst>
+          </p:nvPr>
+        </p:nvGraphicFramePr>
+        <p:xfrm>
+          <a:off x="530135" y="1500051"/>
+          <a:ext cx="8083730" cy="4639491"/>
+        </p:xfrm>
+        <a:graphic>
+          <a:graphicData uri="http://schemas.openxmlformats.org/drawingml/2006/chart">
+            <c:chart xmlns:c="http://schemas.openxmlformats.org/drawingml/2006/chart" xmlns:r="http://schemas.openxmlformats.org/officeDocument/2006/relationships" r:id="rId3"/>
+          </a:graphicData>
+        </a:graphic>
+      </p:graphicFrame>
+    </p:spTree>
+    <p:extLst>
+      <p:ext uri="{BB962C8B-B14F-4D97-AF65-F5344CB8AC3E}">
+        <p14:creationId xmlns:p14="http://schemas.microsoft.com/office/powerpoint/2010/main" val="1275645337"/>
+      </p:ext>
+    </p:extLst>
+  </p:cSld>
+  <p:clrMapOvr>
+    <a:masterClrMapping/>
+  </p:clrMapOvr>
+</p:sld>
+</file>
+
+<file path=ppt/slides/slide6.xml><?xml version="1.0" encoding="utf-8"?>
+<p:sld xmlns:a="http://schemas.openxmlformats.org/drawingml/2006/main" xmlns:r="http://schemas.openxmlformats.org/officeDocument/2006/relationships" xmlns:p="http://schemas.openxmlformats.org/presentationml/2006/main">
+  <p:cSld>
+    <p:spTree>
+      <p:nvGrpSpPr>
+        <p:cNvPr id="1" name="Shape 62">
+          <a:extLst>
+            <a:ext uri="{FF2B5EF4-FFF2-40B4-BE49-F238E27FC236}">
+              <a16:creationId xmlns:a16="http://schemas.microsoft.com/office/drawing/2014/main" id="{471AEEA7-935B-A9E9-F463-3DC5166EE8FD}"/>
+            </a:ext>
+          </a:extLst>
+        </p:cNvPr>
+        <p:cNvGrpSpPr/>
+        <p:nvPr/>
+      </p:nvGrpSpPr>
+      <p:grpSpPr>
+        <a:xfrm>
+          <a:off x="0" y="0"/>
+          <a:ext cx="0" cy="0"/>
+          <a:chOff x="0" y="0"/>
+          <a:chExt cx="0" cy="0"/>
+        </a:xfrm>
+      </p:grpSpPr>
+      <p:sp>
+        <p:nvSpPr>
+          <p:cNvPr id="63" name="Google Shape;63;g35318edb1a6_0_0">
+            <a:extLst>
+              <a:ext uri="{FF2B5EF4-FFF2-40B4-BE49-F238E27FC236}">
+                <a16:creationId xmlns:a16="http://schemas.microsoft.com/office/drawing/2014/main" id="{482A337E-C9B1-5680-F7B9-A1B4F1D9CCF5}"/>
+              </a:ext>
+            </a:extLst>
+          </p:cNvPr>
+          <p:cNvSpPr txBox="1">
+            <a:spLocks noGrp="1"/>
+          </p:cNvSpPr>
+          <p:nvPr>
+            <p:ph type="title"/>
+          </p:nvPr>
+        </p:nvSpPr>
+        <p:spPr>
+          <a:xfrm>
+            <a:off x="326797" y="98470"/>
+            <a:ext cx="8686573" cy="649200"/>
+          </a:xfrm>
+          <a:prstGeom prst="rect">
+            <a:avLst/>
+          </a:prstGeom>
+          <a:noFill/>
+          <a:ln>
+            <a:noFill/>
+          </a:ln>
+        </p:spPr>
+        <p:txBody>
+          <a:bodyPr spcFirstLastPara="1" wrap="square" lIns="0" tIns="45700" rIns="91425" bIns="45700" anchor="b" anchorCtr="0">
+            <a:noAutofit/>
+          </a:bodyPr>
+          <a:lstStyle/>
+          <a:p>
+            <a:pPr marL="0" lvl="0" indent="0" algn="l" rtl="0">
+              <a:lnSpc>
+                <a:spcPct val="100000"/>
+              </a:lnSpc>
+              <a:spcBef>
+                <a:spcPts val="0"/>
+              </a:spcBef>
+              <a:spcAft>
+                <a:spcPts val="0"/>
+              </a:spcAft>
+              <a:buSzPts val="1400"/>
+              <a:buNone/>
+            </a:pPr>
+            <a:r>
+              <a:rPr lang="en-US" dirty="0"/>
+              <a:t>Refresh Counts with Different Bank Sizes</a:t>
+            </a:r>
+            <a:endParaRPr dirty="0"/>
+          </a:p>
+        </p:txBody>
+      </p:sp>
+      <p:graphicFrame>
+        <p:nvGraphicFramePr>
+          <p:cNvPr id="5" name="圖表 4">
+            <a:extLst>
+              <a:ext uri="{FF2B5EF4-FFF2-40B4-BE49-F238E27FC236}">
+                <a16:creationId xmlns:a16="http://schemas.microsoft.com/office/drawing/2014/main" id="{C7A59D09-5276-EE42-2812-4E8C23C3AD86}"/>
+              </a:ext>
+            </a:extLst>
+          </p:cNvPr>
+          <p:cNvGraphicFramePr>
+            <a:graphicFrameLocks/>
+          </p:cNvGraphicFramePr>
+          <p:nvPr>
+            <p:extLst>
+              <p:ext uri="{D42A27DB-BD31-4B8C-83A1-F6EECF244321}">
+                <p14:modId xmlns:p14="http://schemas.microsoft.com/office/powerpoint/2010/main" val="2374174340"/>
+              </p:ext>
+            </p:extLst>
+          </p:nvPr>
+        </p:nvGraphicFramePr>
+        <p:xfrm>
+          <a:off x="646011" y="2246811"/>
+          <a:ext cx="7851977" cy="4119155"/>
+        </p:xfrm>
+        <a:graphic>
+          <a:graphicData uri="http://schemas.openxmlformats.org/drawingml/2006/chart">
+            <c:chart xmlns:c="http://schemas.openxmlformats.org/drawingml/2006/chart" xmlns:r="http://schemas.openxmlformats.org/officeDocument/2006/relationships" r:id="rId3"/>
+          </a:graphicData>
+        </a:graphic>
+      </p:graphicFrame>
+      <p:sp>
+        <p:nvSpPr>
+          <p:cNvPr id="6" name="Google Shape;459;p72">
+            <a:extLst>
+              <a:ext uri="{FF2B5EF4-FFF2-40B4-BE49-F238E27FC236}">
+                <a16:creationId xmlns:a16="http://schemas.microsoft.com/office/drawing/2014/main" id="{143B1440-E427-0137-F076-338B922606F9}"/>
+              </a:ext>
+            </a:extLst>
+          </p:cNvPr>
+          <p:cNvSpPr txBox="1"/>
+          <p:nvPr/>
+        </p:nvSpPr>
+        <p:spPr>
+          <a:xfrm>
+            <a:off x="308842" y="945788"/>
+            <a:ext cx="8170842" cy="926556"/>
+          </a:xfrm>
+          <a:prstGeom prst="rect">
+            <a:avLst/>
+          </a:prstGeom>
+          <a:noFill/>
+          <a:ln>
+            <a:noFill/>
+          </a:ln>
+        </p:spPr>
+        <p:txBody>
+          <a:bodyPr spcFirstLastPara="1" wrap="square" lIns="91425" tIns="45700" rIns="91425" bIns="45700" anchor="t" anchorCtr="0">
+            <a:noAutofit/>
+          </a:bodyPr>
+          <a:lstStyle/>
+          <a:p>
+            <a:pPr marL="360363" marR="0" lvl="0" indent="-360363" algn="l" rtl="0">
+              <a:lnSpc>
+                <a:spcPct val="90000"/>
+              </a:lnSpc>
+              <a:spcBef>
+                <a:spcPts val="0"/>
+              </a:spcBef>
+              <a:spcAft>
+                <a:spcPts val="0"/>
+              </a:spcAft>
+              <a:buClr>
+                <a:srgbClr val="D60093"/>
+              </a:buClr>
+              <a:buSzPts val="2560"/>
+              <a:buFont typeface="Arial"/>
+              <a:buChar char="■"/>
+            </a:pPr>
+            <a:r>
+              <a:rPr lang="en-US" altLang="zh-TW" sz="2800" dirty="0">
+                <a:solidFill>
+                  <a:schemeClr val="dk1"/>
+                </a:solidFill>
+                <a:latin typeface="Calibri"/>
+                <a:ea typeface="Calibri"/>
+                <a:cs typeface="Calibri"/>
+                <a:sym typeface="Calibri"/>
+              </a:rPr>
+              <a:t>Worse Timing Constraints leads to longer execution time leads to more refreshes</a:t>
+            </a:r>
+            <a:endParaRPr lang="en-US" altLang="zh-TW" sz="2800" dirty="0">
+              <a:solidFill>
+                <a:srgbClr val="FF0000"/>
+              </a:solidFill>
+              <a:latin typeface="Calibri"/>
+              <a:ea typeface="Calibri"/>
+              <a:cs typeface="Calibri"/>
+              <a:sym typeface="Calibri"/>
+            </a:endParaRPr>
+          </a:p>
+        </p:txBody>
+      </p:sp>
+    </p:spTree>
+    <p:extLst>
+      <p:ext uri="{BB962C8B-B14F-4D97-AF65-F5344CB8AC3E}">
+        <p14:creationId xmlns:p14="http://schemas.microsoft.com/office/powerpoint/2010/main" val="545443106"/>
+      </p:ext>
+    </p:extLst>
+  </p:cSld>
+  <p:clrMapOvr>
+    <a:masterClrMapping/>
+  </p:clrMapOvr>
+</p:sld>
+</file>
+
+<file path=ppt/slides/slide7.xml><?xml version="1.0" encoding="utf-8"?>
+<p:sld xmlns:a="http://schemas.openxmlformats.org/drawingml/2006/main" xmlns:r="http://schemas.openxmlformats.org/officeDocument/2006/relationships" xmlns:p="http://schemas.openxmlformats.org/presentationml/2006/main">
+  <p:cSld>
+    <p:spTree>
+      <p:nvGrpSpPr>
+        <p:cNvPr id="1" name="Shape 62">
+          <a:extLst>
+            <a:ext uri="{FF2B5EF4-FFF2-40B4-BE49-F238E27FC236}">
+              <a16:creationId xmlns:a16="http://schemas.microsoft.com/office/drawing/2014/main" id="{EE801DCE-BA5A-23B1-CEF8-67FF8DC23D8E}"/>
+            </a:ext>
+          </a:extLst>
+        </p:cNvPr>
+        <p:cNvGrpSpPr/>
+        <p:nvPr/>
+      </p:nvGrpSpPr>
+      <p:grpSpPr>
+        <a:xfrm>
+          <a:off x="0" y="0"/>
+          <a:ext cx="0" cy="0"/>
+          <a:chOff x="0" y="0"/>
+          <a:chExt cx="0" cy="0"/>
+        </a:xfrm>
+      </p:grpSpPr>
+      <p:sp>
+        <p:nvSpPr>
+          <p:cNvPr id="63" name="Google Shape;63;g35318edb1a6_0_0">
+            <a:extLst>
+              <a:ext uri="{FF2B5EF4-FFF2-40B4-BE49-F238E27FC236}">
+                <a16:creationId xmlns:a16="http://schemas.microsoft.com/office/drawing/2014/main" id="{24AE7B09-5C0C-ECD4-1040-DDE3DFA452B7}"/>
+              </a:ext>
+            </a:extLst>
+          </p:cNvPr>
+          <p:cNvSpPr txBox="1">
+            <a:spLocks noGrp="1"/>
+          </p:cNvSpPr>
+          <p:nvPr>
+            <p:ph type="title"/>
+          </p:nvPr>
+        </p:nvSpPr>
+        <p:spPr>
+          <a:xfrm>
+            <a:off x="326797" y="98470"/>
+            <a:ext cx="8686573" cy="649200"/>
+          </a:xfrm>
+          <a:prstGeom prst="rect">
+            <a:avLst/>
+          </a:prstGeom>
+          <a:noFill/>
+          <a:ln>
+            <a:noFill/>
+          </a:ln>
+        </p:spPr>
+        <p:txBody>
+          <a:bodyPr spcFirstLastPara="1" wrap="square" lIns="0" tIns="45700" rIns="91425" bIns="45700" anchor="b" anchorCtr="0">
+            <a:noAutofit/>
+          </a:bodyPr>
+          <a:lstStyle/>
+          <a:p>
+            <a:pPr marL="0" lvl="0" indent="0" algn="l" rtl="0">
+              <a:lnSpc>
+                <a:spcPct val="100000"/>
+              </a:lnSpc>
+              <a:spcBef>
+                <a:spcPts val="0"/>
+              </a:spcBef>
+              <a:spcAft>
+                <a:spcPts val="0"/>
+              </a:spcAft>
+              <a:buSzPts val="1400"/>
+              <a:buNone/>
+            </a:pPr>
+            <a:r>
+              <a:rPr lang="en-US" dirty="0"/>
+              <a:t>Refresh Counts with Different Bank Sizes</a:t>
+            </a:r>
+            <a:endParaRPr dirty="0"/>
+          </a:p>
+        </p:txBody>
+      </p:sp>
+      <p:sp>
+        <p:nvSpPr>
+          <p:cNvPr id="6" name="Google Shape;459;p72">
+            <a:extLst>
+              <a:ext uri="{FF2B5EF4-FFF2-40B4-BE49-F238E27FC236}">
+                <a16:creationId xmlns:a16="http://schemas.microsoft.com/office/drawing/2014/main" id="{FC818565-7CD1-E9F8-B0EA-569082D61B5C}"/>
+              </a:ext>
+            </a:extLst>
+          </p:cNvPr>
+          <p:cNvSpPr txBox="1"/>
+          <p:nvPr/>
+        </p:nvSpPr>
+        <p:spPr>
+          <a:xfrm>
+            <a:off x="308842" y="945788"/>
+            <a:ext cx="8170842" cy="1124674"/>
+          </a:xfrm>
+          <a:prstGeom prst="rect">
+            <a:avLst/>
+          </a:prstGeom>
+          <a:noFill/>
+          <a:ln>
+            <a:noFill/>
+          </a:ln>
+        </p:spPr>
+        <p:txBody>
+          <a:bodyPr spcFirstLastPara="1" wrap="square" lIns="91425" tIns="45700" rIns="91425" bIns="45700" anchor="t" anchorCtr="0">
+            <a:noAutofit/>
+          </a:bodyPr>
+          <a:lstStyle/>
+          <a:p>
+            <a:pPr marL="360363" marR="0" lvl="0" indent="-360363" algn="l" rtl="0">
+              <a:lnSpc>
+                <a:spcPct val="90000"/>
+              </a:lnSpc>
+              <a:spcBef>
+                <a:spcPts val="0"/>
+              </a:spcBef>
+              <a:spcAft>
+                <a:spcPts val="0"/>
+              </a:spcAft>
+              <a:buClr>
+                <a:srgbClr val="D60093"/>
+              </a:buClr>
+              <a:buSzPts val="2560"/>
+              <a:buFont typeface="Arial"/>
+              <a:buChar char="■"/>
+            </a:pPr>
+            <a:r>
+              <a:rPr lang="en-US" altLang="zh-TW" sz="2800" dirty="0">
+                <a:solidFill>
+                  <a:schemeClr val="dk1"/>
+                </a:solidFill>
+                <a:latin typeface="Calibri"/>
+                <a:ea typeface="Calibri"/>
+                <a:cs typeface="Calibri"/>
+                <a:sym typeface="Calibri"/>
+              </a:rPr>
+              <a:t>WUPR helps skips unnecessary refreshes thus refresh counts does not change much as bank size increases</a:t>
+            </a:r>
+            <a:endParaRPr lang="en-US" altLang="zh-TW" sz="2800" dirty="0">
+              <a:solidFill>
+                <a:srgbClr val="FF0000"/>
+              </a:solidFill>
+              <a:latin typeface="Calibri"/>
+              <a:ea typeface="Calibri"/>
+              <a:cs typeface="Calibri"/>
+              <a:sym typeface="Calibri"/>
+            </a:endParaRPr>
+          </a:p>
+        </p:txBody>
+      </p:sp>
+      <p:graphicFrame>
+        <p:nvGraphicFramePr>
+          <p:cNvPr id="2" name="圖表 1">
+            <a:extLst>
+              <a:ext uri="{FF2B5EF4-FFF2-40B4-BE49-F238E27FC236}">
+                <a16:creationId xmlns:a16="http://schemas.microsoft.com/office/drawing/2014/main" id="{0117C26E-16F2-0194-1982-06A9063A4E9F}"/>
+              </a:ext>
+            </a:extLst>
+          </p:cNvPr>
+          <p:cNvGraphicFramePr>
+            <a:graphicFrameLocks/>
+          </p:cNvGraphicFramePr>
+          <p:nvPr>
+            <p:extLst>
+              <p:ext uri="{D42A27DB-BD31-4B8C-83A1-F6EECF244321}">
+                <p14:modId xmlns:p14="http://schemas.microsoft.com/office/powerpoint/2010/main" val="1889668960"/>
+              </p:ext>
+            </p:extLst>
+          </p:nvPr>
+        </p:nvGraphicFramePr>
+        <p:xfrm>
+          <a:off x="461554" y="2070462"/>
+          <a:ext cx="8018130" cy="4269378"/>
+        </p:xfrm>
+        <a:graphic>
+          <a:graphicData uri="http://schemas.openxmlformats.org/drawingml/2006/chart">
+            <c:chart xmlns:c="http://schemas.openxmlformats.org/drawingml/2006/chart" xmlns:r="http://schemas.openxmlformats.org/officeDocument/2006/relationships" r:id="rId3"/>
+          </a:graphicData>
+        </a:graphic>
+      </p:graphicFrame>
+    </p:spTree>
+    <p:extLst>
+      <p:ext uri="{BB962C8B-B14F-4D97-AF65-F5344CB8AC3E}">
+        <p14:creationId xmlns:p14="http://schemas.microsoft.com/office/powerpoint/2010/main" val="2136109863"/>
+      </p:ext>
+    </p:extLst>
+  </p:cSld>
+  <p:clrMapOvr>
+    <a:masterClrMapping/>
+  </p:clrMapOvr>
+</p:sld>
+</file>
+
+<file path=ppt/slides/slide8.xml><?xml version="1.0" encoding="utf-8"?>
+<p:sld xmlns:a="http://schemas.openxmlformats.org/drawingml/2006/main" xmlns:r="http://schemas.openxmlformats.org/officeDocument/2006/relationships" xmlns:p="http://schemas.openxmlformats.org/presentationml/2006/main">
+  <p:cSld>
+    <p:spTree>
+      <p:nvGrpSpPr>
+        <p:cNvPr id="1" name="Shape 62">
+          <a:extLst>
+            <a:ext uri="{FF2B5EF4-FFF2-40B4-BE49-F238E27FC236}">
+              <a16:creationId xmlns:a16="http://schemas.microsoft.com/office/drawing/2014/main" id="{691976F1-73A2-A4E3-37BD-C4B43308EE45}"/>
+            </a:ext>
+          </a:extLst>
+        </p:cNvPr>
+        <p:cNvGrpSpPr/>
+        <p:nvPr/>
+      </p:nvGrpSpPr>
+      <p:grpSpPr>
+        <a:xfrm>
+          <a:off x="0" y="0"/>
+          <a:ext cx="0" cy="0"/>
+          <a:chOff x="0" y="0"/>
+          <a:chExt cx="0" cy="0"/>
+        </a:xfrm>
+      </p:grpSpPr>
+      <p:sp>
+        <p:nvSpPr>
+          <p:cNvPr id="63" name="Google Shape;63;g35318edb1a6_0_0">
+            <a:extLst>
+              <a:ext uri="{FF2B5EF4-FFF2-40B4-BE49-F238E27FC236}">
+                <a16:creationId xmlns:a16="http://schemas.microsoft.com/office/drawing/2014/main" id="{0CA82115-1F4D-E5CF-92E4-2C72DA94BA7A}"/>
+              </a:ext>
+            </a:extLst>
+          </p:cNvPr>
+          <p:cNvSpPr txBox="1">
+            <a:spLocks noGrp="1"/>
+          </p:cNvSpPr>
+          <p:nvPr>
+            <p:ph type="title"/>
+          </p:nvPr>
+        </p:nvSpPr>
+        <p:spPr>
+          <a:xfrm>
+            <a:off x="326797" y="98470"/>
+            <a:ext cx="8817203" cy="649200"/>
+          </a:xfrm>
+          <a:prstGeom prst="rect">
+            <a:avLst/>
+          </a:prstGeom>
+          <a:noFill/>
+          <a:ln>
+            <a:noFill/>
+          </a:ln>
+        </p:spPr>
+        <p:txBody>
+          <a:bodyPr spcFirstLastPara="1" wrap="square" lIns="0" tIns="45700" rIns="91425" bIns="45700" anchor="b" anchorCtr="0">
+            <a:noAutofit/>
+          </a:bodyPr>
+          <a:lstStyle/>
+          <a:p>
+            <a:pPr marL="0" lvl="0" indent="0" algn="l" rtl="0">
+              <a:lnSpc>
+                <a:spcPct val="100000"/>
+              </a:lnSpc>
+              <a:spcBef>
+                <a:spcPts val="0"/>
+              </a:spcBef>
+              <a:spcAft>
+                <a:spcPts val="0"/>
+              </a:spcAft>
+              <a:buSzPts val="1400"/>
+              <a:buNone/>
+            </a:pPr>
+            <a:r>
+              <a:rPr lang="en-US" dirty="0"/>
+              <a:t>Average Bandwidth with Different Bank Sizes</a:t>
+            </a:r>
+            <a:endParaRPr dirty="0"/>
+          </a:p>
+        </p:txBody>
+      </p:sp>
+      <p:sp>
+        <p:nvSpPr>
+          <p:cNvPr id="6" name="Google Shape;459;p72">
+            <a:extLst>
+              <a:ext uri="{FF2B5EF4-FFF2-40B4-BE49-F238E27FC236}">
+                <a16:creationId xmlns:a16="http://schemas.microsoft.com/office/drawing/2014/main" id="{753162EB-7ADC-E9F4-0B57-663ADF985C2B}"/>
+              </a:ext>
+            </a:extLst>
+          </p:cNvPr>
+          <p:cNvSpPr txBox="1"/>
+          <p:nvPr/>
+        </p:nvSpPr>
+        <p:spPr>
+          <a:xfrm>
+            <a:off x="308842" y="945788"/>
+            <a:ext cx="8170842" cy="1274898"/>
+          </a:xfrm>
+          <a:prstGeom prst="rect">
+            <a:avLst/>
+          </a:prstGeom>
+          <a:noFill/>
+          <a:ln>
+            <a:noFill/>
+          </a:ln>
+        </p:spPr>
+        <p:txBody>
+          <a:bodyPr spcFirstLastPara="1" wrap="square" lIns="91425" tIns="45700" rIns="91425" bIns="45700" anchor="t" anchorCtr="0">
+            <a:noAutofit/>
+          </a:bodyPr>
+          <a:lstStyle/>
+          <a:p>
+            <a:pPr marL="360363" marR="0" lvl="0" indent="-360363" algn="l" rtl="0">
+              <a:lnSpc>
+                <a:spcPct val="90000"/>
+              </a:lnSpc>
+              <a:spcBef>
+                <a:spcPts val="0"/>
+              </a:spcBef>
+              <a:spcAft>
+                <a:spcPts val="0"/>
+              </a:spcAft>
+              <a:buClr>
+                <a:srgbClr val="D60093"/>
+              </a:buClr>
+              <a:buSzPts val="2560"/>
+              <a:buFont typeface="Arial"/>
+              <a:buChar char="■"/>
+            </a:pPr>
+            <a:r>
+              <a:rPr lang="en-US" altLang="zh-TW" sz="2800" dirty="0">
+                <a:solidFill>
+                  <a:schemeClr val="dk1"/>
+                </a:solidFill>
+                <a:latin typeface="Calibri"/>
+                <a:ea typeface="Calibri"/>
+                <a:cs typeface="Calibri"/>
+                <a:sym typeface="Calibri"/>
+              </a:rPr>
+              <a:t>Larger banks size bank leads to longer execution time, more long period refreshes, WUPR skipping refreshes performs well for larger banks</a:t>
+            </a:r>
+            <a:endParaRPr lang="en-US" altLang="zh-TW" sz="2800" dirty="0">
+              <a:solidFill>
+                <a:srgbClr val="FF0000"/>
+              </a:solidFill>
+              <a:latin typeface="Calibri"/>
+              <a:ea typeface="Calibri"/>
+              <a:cs typeface="Calibri"/>
+              <a:sym typeface="Calibri"/>
+            </a:endParaRPr>
+          </a:p>
+        </p:txBody>
+      </p:sp>
+      <p:graphicFrame>
+        <p:nvGraphicFramePr>
+          <p:cNvPr id="3" name="圖表 2">
+            <a:extLst>
+              <a:ext uri="{FF2B5EF4-FFF2-40B4-BE49-F238E27FC236}">
+                <a16:creationId xmlns:a16="http://schemas.microsoft.com/office/drawing/2014/main" id="{79081E58-55EF-500A-83D7-591EAD991BD4}"/>
+              </a:ext>
+            </a:extLst>
+          </p:cNvPr>
+          <p:cNvGraphicFramePr>
+            <a:graphicFrameLocks/>
+          </p:cNvGraphicFramePr>
+          <p:nvPr>
+            <p:extLst>
+              <p:ext uri="{D42A27DB-BD31-4B8C-83A1-F6EECF244321}">
+                <p14:modId xmlns:p14="http://schemas.microsoft.com/office/powerpoint/2010/main" val="2875008541"/>
+              </p:ext>
+            </p:extLst>
+          </p:nvPr>
+        </p:nvGraphicFramePr>
+        <p:xfrm>
+          <a:off x="426719" y="2484121"/>
+          <a:ext cx="8070919" cy="3942806"/>
+        </p:xfrm>
+        <a:graphic>
+          <a:graphicData uri="http://schemas.openxmlformats.org/drawingml/2006/chart">
+            <c:chart xmlns:c="http://schemas.openxmlformats.org/drawingml/2006/chart" xmlns:r="http://schemas.openxmlformats.org/officeDocument/2006/relationships" r:id="rId3"/>
+          </a:graphicData>
+        </a:graphic>
+      </p:graphicFrame>
+    </p:spTree>
+    <p:extLst>
+      <p:ext uri="{BB962C8B-B14F-4D97-AF65-F5344CB8AC3E}">
+        <p14:creationId xmlns:p14="http://schemas.microsoft.com/office/powerpoint/2010/main" val="2845781419"/>
+      </p:ext>
+    </p:extLst>
+  </p:cSld>
+  <p:clrMapOvr>
+    <a:masterClrMapping/>
+  </p:clrMapOvr>
+</p:sld>
+</file>
+
+<file path=ppt/slides/slide9.xml><?xml version="1.0" encoding="utf-8"?>
+<p:sld xmlns:a="http://schemas.openxmlformats.org/drawingml/2006/main" xmlns:r="http://schemas.openxmlformats.org/officeDocument/2006/relationships" xmlns:p="http://schemas.openxmlformats.org/presentationml/2006/main">
+  <p:cSld>
+    <p:spTree>
+      <p:nvGrpSpPr>
+        <p:cNvPr id="1" name="Shape 62">
+          <a:extLst>
+            <a:ext uri="{FF2B5EF4-FFF2-40B4-BE49-F238E27FC236}">
+              <a16:creationId xmlns:a16="http://schemas.microsoft.com/office/drawing/2014/main" id="{DA05A083-7401-6DF3-026E-EF354E790501}"/>
+            </a:ext>
+          </a:extLst>
+        </p:cNvPr>
+        <p:cNvGrpSpPr/>
+        <p:nvPr/>
+      </p:nvGrpSpPr>
+      <p:grpSpPr>
+        <a:xfrm>
+          <a:off x="0" y="0"/>
+          <a:ext cx="0" cy="0"/>
+          <a:chOff x="0" y="0"/>
+          <a:chExt cx="0" cy="0"/>
+        </a:xfrm>
+      </p:grpSpPr>
+      <p:sp>
+        <p:nvSpPr>
+          <p:cNvPr id="63" name="Google Shape;63;g35318edb1a6_0_0">
+            <a:extLst>
+              <a:ext uri="{FF2B5EF4-FFF2-40B4-BE49-F238E27FC236}">
+                <a16:creationId xmlns:a16="http://schemas.microsoft.com/office/drawing/2014/main" id="{2EEE6ECE-8723-A5EE-4C72-91614EDDFBB4}"/>
+              </a:ext>
+            </a:extLst>
+          </p:cNvPr>
+          <p:cNvSpPr txBox="1">
+            <a:spLocks noGrp="1"/>
+          </p:cNvSpPr>
+          <p:nvPr>
+            <p:ph type="title"/>
+          </p:nvPr>
+        </p:nvSpPr>
+        <p:spPr>
+          <a:xfrm>
+            <a:off x="308842" y="72344"/>
+            <a:ext cx="8817203" cy="649200"/>
+          </a:xfrm>
+          <a:prstGeom prst="rect">
+            <a:avLst/>
+          </a:prstGeom>
+          <a:noFill/>
+          <a:ln>
+            <a:noFill/>
+          </a:ln>
+        </p:spPr>
+        <p:txBody>
+          <a:bodyPr spcFirstLastPara="1" wrap="square" lIns="0" tIns="45700" rIns="91425" bIns="45700" anchor="b" anchorCtr="0">
+            <a:noAutofit/>
+          </a:bodyPr>
+          <a:lstStyle/>
+          <a:p>
+            <a:pPr marL="0" lvl="0" indent="0" algn="l" rtl="0">
+              <a:lnSpc>
+                <a:spcPct val="100000"/>
+              </a:lnSpc>
+              <a:spcBef>
+                <a:spcPts val="0"/>
+              </a:spcBef>
+              <a:spcAft>
+                <a:spcPts val="0"/>
+              </a:spcAft>
+              <a:buSzPts val="1400"/>
+              <a:buNone/>
+            </a:pPr>
+            <a:r>
+              <a:rPr lang="en-US" dirty="0"/>
+              <a:t>Average Bandwidth with Different Bank Sizes</a:t>
+            </a:r>
+            <a:endParaRPr dirty="0"/>
+          </a:p>
+        </p:txBody>
+      </p:sp>
+      <p:sp>
+        <p:nvSpPr>
+          <p:cNvPr id="6" name="Google Shape;459;p72">
+            <a:extLst>
+              <a:ext uri="{FF2B5EF4-FFF2-40B4-BE49-F238E27FC236}">
+                <a16:creationId xmlns:a16="http://schemas.microsoft.com/office/drawing/2014/main" id="{622F1220-B603-6B04-B14B-E9AC0D42A5DB}"/>
+              </a:ext>
+            </a:extLst>
+          </p:cNvPr>
+          <p:cNvSpPr txBox="1"/>
+          <p:nvPr/>
+        </p:nvSpPr>
+        <p:spPr>
+          <a:xfrm>
+            <a:off x="308842" y="945787"/>
+            <a:ext cx="8170842" cy="1196521"/>
+          </a:xfrm>
+          <a:prstGeom prst="rect">
+            <a:avLst/>
+          </a:prstGeom>
+          <a:noFill/>
+          <a:ln>
+            <a:noFill/>
+          </a:ln>
+        </p:spPr>
+        <p:txBody>
+          <a:bodyPr spcFirstLastPara="1" wrap="square" lIns="91425" tIns="45700" rIns="91425" bIns="45700" anchor="t" anchorCtr="0">
+            <a:noAutofit/>
+          </a:bodyPr>
+          <a:lstStyle/>
+          <a:p>
+            <a:pPr marL="360363" marR="0" lvl="0" indent="-360363" algn="l" rtl="0">
+              <a:lnSpc>
+                <a:spcPct val="90000"/>
+              </a:lnSpc>
+              <a:spcBef>
+                <a:spcPts val="0"/>
+              </a:spcBef>
+              <a:spcAft>
+                <a:spcPts val="0"/>
+              </a:spcAft>
+              <a:buClr>
+                <a:srgbClr val="D60093"/>
+              </a:buClr>
+              <a:buSzPts val="2560"/>
+              <a:buFont typeface="Arial"/>
+              <a:buChar char="■"/>
+            </a:pPr>
+            <a:r>
+              <a:rPr lang="en-US" altLang="zh-TW" sz="2800" dirty="0">
+                <a:solidFill>
+                  <a:schemeClr val="dk1"/>
+                </a:solidFill>
+                <a:latin typeface="Calibri"/>
+                <a:ea typeface="Calibri"/>
+                <a:cs typeface="Calibri"/>
+                <a:sym typeface="Calibri"/>
+              </a:rPr>
+              <a:t>Larger banks size leads to higher energy consumption due to longer latency and higher access energy</a:t>
+            </a:r>
+            <a:endParaRPr lang="en-US" altLang="zh-TW" sz="2800" dirty="0">
+              <a:solidFill>
+                <a:srgbClr val="FF0000"/>
+              </a:solidFill>
+              <a:latin typeface="Calibri"/>
+              <a:ea typeface="Calibri"/>
+              <a:cs typeface="Calibri"/>
+              <a:sym typeface="Calibri"/>
+            </a:endParaRPr>
+          </a:p>
+        </p:txBody>
+      </p:sp>
+      <p:graphicFrame>
+        <p:nvGraphicFramePr>
+          <p:cNvPr id="4" name="圖表 3">
+            <a:extLst>
+              <a:ext uri="{FF2B5EF4-FFF2-40B4-BE49-F238E27FC236}">
+                <a16:creationId xmlns:a16="http://schemas.microsoft.com/office/drawing/2014/main" id="{7C2B8037-8C06-CA2C-3A25-AFEDFB17996C}"/>
+              </a:ext>
+            </a:extLst>
+          </p:cNvPr>
+          <p:cNvGraphicFramePr>
+            <a:graphicFrameLocks/>
+          </p:cNvGraphicFramePr>
+          <p:nvPr>
+            <p:extLst>
+              <p:ext uri="{D42A27DB-BD31-4B8C-83A1-F6EECF244321}">
+                <p14:modId xmlns:p14="http://schemas.microsoft.com/office/powerpoint/2010/main" val="1686055383"/>
+              </p:ext>
+            </p:extLst>
+          </p:nvPr>
+        </p:nvGraphicFramePr>
+        <p:xfrm>
+          <a:off x="671351" y="2366551"/>
+          <a:ext cx="8002386" cy="4051666"/>
+        </p:xfrm>
+        <a:graphic>
+          <a:graphicData uri="http://schemas.openxmlformats.org/drawingml/2006/chart">
+            <c:chart xmlns:c="http://schemas.openxmlformats.org/drawingml/2006/chart" xmlns:r="http://schemas.openxmlformats.org/officeDocument/2006/relationships" r:id="rId3"/>
+          </a:graphicData>
+        </a:graphic>
+      </p:graphicFrame>
+    </p:spTree>
+    <p:extLst>
+      <p:ext uri="{BB962C8B-B14F-4D97-AF65-F5344CB8AC3E}">
+        <p14:creationId xmlns:p14="http://schemas.microsoft.com/office/powerpoint/2010/main" val="423195628"/>
+      </p:ext>
+    </p:extLst>
+  </p:cSld>
+  <p:clrMapOvr>
+    <a:masterClrMapping/>
+  </p:clrMapOvr>
+</p:sld>
+</file>
+
 <file path=ppt/theme/theme1.xml><?xml version="1.0" encoding="utf-8"?>
 <a:theme xmlns:a="http://schemas.openxmlformats.org/drawingml/2006/main" name="lpsoc3">
   <a:themeElements>
